--- a/Document-Templates/SoftUni-BUDITEL-PowerPoint-Template-EN-Apr-2024.pptx
+++ b/Document-Templates/SoftUni-BUDITEL-PowerPoint-Template-EN-Apr-2024.pptx
@@ -5,10 +5,10 @@
     <p:sldMasterId id="2147483670" r:id="rId2"/>
   </p:sldMasterIdLst>
   <p:notesMasterIdLst>
-    <p:notesMasterId r:id="rId27"/>
+    <p:notesMasterId r:id="rId29"/>
   </p:notesMasterIdLst>
   <p:handoutMasterIdLst>
-    <p:handoutMasterId r:id="rId28"/>
+    <p:handoutMasterId r:id="rId30"/>
   </p:handoutMasterIdLst>
   <p:sldIdLst>
     <p:sldId id="586" r:id="rId3"/>
@@ -35,6 +35,8 @@
     <p:sldId id="626" r:id="rId24"/>
     <p:sldId id="587" r:id="rId25"/>
     <p:sldId id="489" r:id="rId26"/>
+    <p:sldId id="289" r:id="rId27"/>
+    <p:sldId id="627" r:id="rId28"/>
   </p:sldIdLst>
   <p:sldSz cx="12188825" cy="6858000"/>
   <p:notesSz cx="6858000" cy="9144000"/>
@@ -170,6 +172,8 @@
             <p14:sldId id="626"/>
             <p14:sldId id="587"/>
             <p14:sldId id="489"/>
+            <p14:sldId id="289"/>
+            <p14:sldId id="627"/>
           </p14:sldIdLst>
         </p14:section>
       </p14:sectionLst>
@@ -289,7 +293,7 @@
             <a:fld id="{FE5B4EDC-59C0-49C7-8ADA-5A781B329E02}" type="datetimeFigureOut">
               <a:rPr lang="en-US"/>
               <a:pPr/>
-              <a:t>5-Apr-24</a:t>
+              <a:t>8-Apr-24</a:t>
             </a:fld>
             <a:endParaRPr dirty="0"/>
           </a:p>
@@ -470,7 +474,7 @@
             <a:fld id="{F2D8D46A-B586-417D-BFBD-8C8FE0AAF762}" type="datetimeFigureOut">
               <a:rPr lang="en-US" smtClean="0"/>
               <a:pPr/>
-              <a:t>5-Apr-24</a:t>
+              <a:t>8-Apr-24</a:t>
             </a:fld>
             <a:endParaRPr lang="en-US"/>
           </a:p>
@@ -1807,6 +1811,197 @@
     <p:extLst>
       <p:ext uri="{BB962C8B-B14F-4D97-AF65-F5344CB8AC3E}">
         <p14:creationId xmlns:p14="http://schemas.microsoft.com/office/powerpoint/2010/main" val="1211945900"/>
+      </p:ext>
+    </p:extLst>
+  </p:cSld>
+  <p:clrMapOvr>
+    <a:masterClrMapping/>
+  </p:clrMapOvr>
+</p:notes>
+</file>
+
+<file path=ppt/notesSlides/notesSlide16.xml><?xml version="1.0" encoding="utf-8"?>
+<p:notes xmlns:a="http://schemas.openxmlformats.org/drawingml/2006/main" xmlns:r="http://schemas.openxmlformats.org/officeDocument/2006/relationships" xmlns:p="http://schemas.openxmlformats.org/presentationml/2006/main">
+  <p:cSld>
+    <p:spTree>
+      <p:nvGrpSpPr>
+        <p:cNvPr id="1" name=""/>
+        <p:cNvGrpSpPr/>
+        <p:nvPr/>
+      </p:nvGrpSpPr>
+      <p:grpSpPr>
+        <a:xfrm>
+          <a:off x="0" y="0"/>
+          <a:ext cx="0" cy="0"/>
+          <a:chOff x="0" y="0"/>
+          <a:chExt cx="0" cy="0"/>
+        </a:xfrm>
+      </p:grpSpPr>
+      <p:sp>
+        <p:nvSpPr>
+          <p:cNvPr id="2" name="Slide Image Placeholder 1"/>
+          <p:cNvSpPr>
+            <a:spLocks noGrp="1" noRot="1" noChangeAspect="1"/>
+          </p:cNvSpPr>
+          <p:nvPr>
+            <p:ph type="sldImg"/>
+          </p:nvPr>
+        </p:nvSpPr>
+        <p:spPr/>
+      </p:sp>
+      <p:sp>
+        <p:nvSpPr>
+          <p:cNvPr id="3" name="Notes Placeholder 2"/>
+          <p:cNvSpPr>
+            <a:spLocks noGrp="1"/>
+          </p:cNvSpPr>
+          <p:nvPr>
+            <p:ph type="body" idx="1"/>
+          </p:nvPr>
+        </p:nvSpPr>
+        <p:spPr/>
+        <p:txBody>
+          <a:bodyPr/>
+          <a:lstStyle/>
+          <a:p>
+            <a:endParaRPr lang="en-US"/>
+          </a:p>
+        </p:txBody>
+      </p:sp>
+      <p:sp>
+        <p:nvSpPr>
+          <p:cNvPr id="8" name="Slide Number Placeholder 5">
+            <a:extLst>
+              <a:ext uri="{FF2B5EF4-FFF2-40B4-BE49-F238E27FC236}">
+                <a16:creationId xmlns:a16="http://schemas.microsoft.com/office/drawing/2014/main" id="{88135097-365B-4D0C-B8B4-33D51ED0071B}"/>
+              </a:ext>
+            </a:extLst>
+          </p:cNvPr>
+          <p:cNvSpPr txBox="1">
+            <a:spLocks/>
+          </p:cNvSpPr>
+          <p:nvPr/>
+        </p:nvSpPr>
+        <p:spPr>
+          <a:xfrm>
+            <a:off x="6308999" y="8890412"/>
+            <a:ext cx="547413" cy="252000"/>
+          </a:xfrm>
+          <a:prstGeom prst="rect">
+            <a:avLst/>
+          </a:prstGeom>
+        </p:spPr>
+        <p:txBody>
+          <a:bodyPr vert="horz" lIns="91440" tIns="45720" rIns="91440" bIns="45720" rtlCol="0" anchor="b"/>
+          <a:lstStyle>
+            <a:defPPr>
+              <a:defRPr lang="en-US"/>
+            </a:defPPr>
+            <a:lvl1pPr marL="0" algn="r" defTabSz="914400" rtl="0" eaLnBrk="1" latinLnBrk="0" hangingPunct="1">
+              <a:defRPr sz="1000" kern="1200">
+                <a:solidFill>
+                  <a:schemeClr val="tx1"/>
+                </a:solidFill>
+                <a:latin typeface="+mn-lt"/>
+                <a:ea typeface="+mn-ea"/>
+                <a:cs typeface="+mn-cs"/>
+              </a:defRPr>
+            </a:lvl1pPr>
+            <a:lvl2pPr marL="457200" algn="l" defTabSz="914400" rtl="0" eaLnBrk="1" latinLnBrk="0" hangingPunct="1">
+              <a:defRPr sz="1800" kern="1200">
+                <a:solidFill>
+                  <a:schemeClr val="tx1"/>
+                </a:solidFill>
+                <a:latin typeface="+mn-lt"/>
+                <a:ea typeface="+mn-ea"/>
+                <a:cs typeface="+mn-cs"/>
+              </a:defRPr>
+            </a:lvl2pPr>
+            <a:lvl3pPr marL="914400" algn="l" defTabSz="914400" rtl="0" eaLnBrk="1" latinLnBrk="0" hangingPunct="1">
+              <a:defRPr sz="1800" kern="1200">
+                <a:solidFill>
+                  <a:schemeClr val="tx1"/>
+                </a:solidFill>
+                <a:latin typeface="+mn-lt"/>
+                <a:ea typeface="+mn-ea"/>
+                <a:cs typeface="+mn-cs"/>
+              </a:defRPr>
+            </a:lvl3pPr>
+            <a:lvl4pPr marL="1371600" algn="l" defTabSz="914400" rtl="0" eaLnBrk="1" latinLnBrk="0" hangingPunct="1">
+              <a:defRPr sz="1800" kern="1200">
+                <a:solidFill>
+                  <a:schemeClr val="tx1"/>
+                </a:solidFill>
+                <a:latin typeface="+mn-lt"/>
+                <a:ea typeface="+mn-ea"/>
+                <a:cs typeface="+mn-cs"/>
+              </a:defRPr>
+            </a:lvl4pPr>
+            <a:lvl5pPr marL="1828800" algn="l" defTabSz="914400" rtl="0" eaLnBrk="1" latinLnBrk="0" hangingPunct="1">
+              <a:defRPr sz="1800" kern="1200">
+                <a:solidFill>
+                  <a:schemeClr val="tx1"/>
+                </a:solidFill>
+                <a:latin typeface="+mn-lt"/>
+                <a:ea typeface="+mn-ea"/>
+                <a:cs typeface="+mn-cs"/>
+              </a:defRPr>
+            </a:lvl5pPr>
+            <a:lvl6pPr marL="2286000" algn="l" defTabSz="914400" rtl="0" eaLnBrk="1" latinLnBrk="0" hangingPunct="1">
+              <a:defRPr sz="1800" kern="1200">
+                <a:solidFill>
+                  <a:schemeClr val="tx1"/>
+                </a:solidFill>
+                <a:latin typeface="+mn-lt"/>
+                <a:ea typeface="+mn-ea"/>
+                <a:cs typeface="+mn-cs"/>
+              </a:defRPr>
+            </a:lvl6pPr>
+            <a:lvl7pPr marL="2743200" algn="l" defTabSz="914400" rtl="0" eaLnBrk="1" latinLnBrk="0" hangingPunct="1">
+              <a:defRPr sz="1800" kern="1200">
+                <a:solidFill>
+                  <a:schemeClr val="tx1"/>
+                </a:solidFill>
+                <a:latin typeface="+mn-lt"/>
+                <a:ea typeface="+mn-ea"/>
+                <a:cs typeface="+mn-cs"/>
+              </a:defRPr>
+            </a:lvl7pPr>
+            <a:lvl8pPr marL="3200400" algn="l" defTabSz="914400" rtl="0" eaLnBrk="1" latinLnBrk="0" hangingPunct="1">
+              <a:defRPr sz="1800" kern="1200">
+                <a:solidFill>
+                  <a:schemeClr val="tx1"/>
+                </a:solidFill>
+                <a:latin typeface="+mn-lt"/>
+                <a:ea typeface="+mn-ea"/>
+                <a:cs typeface="+mn-cs"/>
+              </a:defRPr>
+            </a:lvl8pPr>
+            <a:lvl9pPr marL="3657600" algn="l" defTabSz="914400" rtl="0" eaLnBrk="1" latinLnBrk="0" hangingPunct="1">
+              <a:defRPr sz="1800" kern="1200">
+                <a:solidFill>
+                  <a:schemeClr val="tx1"/>
+                </a:solidFill>
+                <a:latin typeface="+mn-lt"/>
+                <a:ea typeface="+mn-ea"/>
+                <a:cs typeface="+mn-cs"/>
+              </a:defRPr>
+            </a:lvl9pPr>
+          </a:lstStyle>
+          <a:p>
+            <a:fld id="{3EBA5BD7-F043-4D1B-AA17-CD412FC534DE}" type="slidenum">
+              <a:rPr lang="en-US" smtClean="0"/>
+              <a:pPr/>
+              <a:t>25</a:t>
+            </a:fld>
+            <a:endParaRPr lang="en-US" dirty="0"/>
+          </a:p>
+        </p:txBody>
+      </p:sp>
+    </p:spTree>
+    <p:extLst>
+      <p:ext uri="{BB962C8B-B14F-4D97-AF65-F5344CB8AC3E}">
+        <p14:creationId xmlns:p14="http://schemas.microsoft.com/office/powerpoint/2010/main" val="4142423913"/>
       </p:ext>
     </p:extLst>
   </p:cSld>
@@ -4180,7 +4375,7 @@
                 <a:noFill/>
               </a:ln>
               <a:solidFill>
-                <a:srgbClr val="F7C86D"/>
+                <a:schemeClr val="bg1"/>
               </a:solidFill>
               <a:effectLst/>
               <a:uLnTx/>
@@ -4245,8 +4440,8 @@
         </p:nvSpPr>
         <p:spPr>
           <a:xfrm>
-            <a:off x="180001" y="1116000"/>
-            <a:ext cx="3774954" cy="5516136"/>
+            <a:off x="304298" y="1116000"/>
+            <a:ext cx="3774954" cy="5409344"/>
           </a:xfrm>
           <a:prstGeom prst="rect">
             <a:avLst/>
@@ -4256,6 +4451,11 @@
               <a:lumMod val="90000"/>
             </a:schemeClr>
           </a:solidFill>
+          <a:ln w="3175">
+            <a:solidFill>
+              <a:schemeClr val="bg1"/>
+            </a:solidFill>
+          </a:ln>
         </p:spPr>
         <p:txBody>
           <a:bodyPr anchor="ctr"/>
@@ -4319,8 +4519,8 @@
         </p:nvSpPr>
         <p:spPr>
           <a:xfrm flipH="1">
-            <a:off x="4076595" y="1116000"/>
-            <a:ext cx="90160" cy="5732613"/>
+            <a:off x="4079821" y="1116000"/>
+            <a:ext cx="45719" cy="5409344"/>
           </a:xfrm>
           <a:prstGeom prst="rect">
             <a:avLst/>
@@ -4328,58 +4528,36 @@
           <a:solidFill>
             <a:schemeClr val="bg1"/>
           </a:solidFill>
-          <a:ln>
-            <a:noFill/>
+          <a:ln w="3175">
+            <a:solidFill>
+              <a:schemeClr val="bg1"/>
+            </a:solidFill>
           </a:ln>
         </p:spPr>
-        <p:style>
-          <a:lnRef idx="2">
-            <a:schemeClr val="accent1">
-              <a:shade val="50000"/>
-            </a:schemeClr>
-          </a:lnRef>
-          <a:fillRef idx="1">
-            <a:schemeClr val="accent1"/>
-          </a:fillRef>
-          <a:effectRef idx="0">
-            <a:schemeClr val="accent1"/>
-          </a:effectRef>
-          <a:fontRef idx="minor">
-            <a:schemeClr val="lt1"/>
-          </a:fontRef>
-        </p:style>
         <p:txBody>
-          <a:bodyPr rtlCol="0" anchor="ctr"/>
+          <a:bodyPr vert="horz" lIns="108000" tIns="36000" rIns="108000" bIns="36000" rtlCol="0" anchor="ctr">
+            <a:normAutofit/>
+          </a:bodyPr>
           <a:lstStyle/>
           <a:p>
-            <a:pPr marR="0" lvl="0" indent="0" algn="ctr" defTabSz="913852" fontAlgn="auto">
+            <a:pPr lvl="0" indent="0" algn="ctr" defTabSz="1218438">
               <a:lnSpc>
-                <a:spcPct val="100000"/>
+                <a:spcPct val="105000"/>
               </a:lnSpc>
               <a:spcBef>
-                <a:spcPts val="0"/>
+                <a:spcPts val="600"/>
               </a:spcBef>
               <a:spcAft>
-                <a:spcPts val="0"/>
+                <a:spcPts val="600"/>
               </a:spcAft>
-              <a:buClrTx/>
-              <a:buSzTx/>
-              <a:buFontTx/>
+              <a:buFont typeface="Wingdings" panose="05000000000000000000" pitchFamily="2" charset="2"/>
               <a:buNone/>
-              <a:tabLst/>
             </a:pPr>
-            <a:endParaRPr kumimoji="0" lang="en-US" altLang="ko-KR" sz="2398" b="0" i="0" u="none" strike="noStrike" cap="none" spc="0" normalizeH="0" baseline="0" noProof="0">
-              <a:ln>
-                <a:noFill/>
-              </a:ln>
+            <a:endParaRPr lang="en-US" altLang="ko-KR" sz="2130" baseline="0" noProof="0" dirty="0">
               <a:solidFill>
-                <a:srgbClr val="F7C86D"/>
+                <a:schemeClr val="tx1"/>
               </a:solidFill>
-              <a:effectLst/>
-              <a:uLnTx/>
-              <a:uFillTx/>
-              <a:latin typeface="Calibri" panose="020F0502020204030204"/>
-              <a:ea typeface="맑은 고딕" panose="020B0503020000020004" pitchFamily="34" charset="-127"/>
+              <a:cs typeface="Arial" pitchFamily="34" charset="0"/>
             </a:endParaRPr>
           </a:p>
         </p:txBody>
@@ -4402,8 +4580,8 @@
         </p:nvSpPr>
         <p:spPr>
           <a:xfrm>
-            <a:off x="4248000" y="1116000"/>
-            <a:ext cx="7720429" cy="5516136"/>
+            <a:off x="4385650" y="1116000"/>
+            <a:ext cx="7582779" cy="5409344"/>
           </a:xfrm>
         </p:spPr>
         <p:txBody>
@@ -4624,34 +4802,55 @@
             </a:avLst>
           </a:prstGeom>
           <a:solidFill>
-            <a:srgbClr val="0068FF"/>
+            <a:srgbClr val="004EBF"/>
           </a:solidFill>
-          <a:ln w="9525" cap="flat" cmpd="sng">
+          <a:ln w="19050">
             <a:solidFill>
-              <a:srgbClr val="0068FF"/>
+              <a:schemeClr val="bg1">
+                <a:lumMod val="75000"/>
+                <a:alpha val="80000"/>
+              </a:schemeClr>
             </a:solidFill>
-            <a:prstDash val="solid"/>
-            <a:round/>
-            <a:headEnd type="none" w="sm" len="sm"/>
-            <a:tailEnd type="none" w="sm" len="sm"/>
           </a:ln>
         </p:spPr>
+        <p:style>
+          <a:lnRef idx="2">
+            <a:schemeClr val="accent1">
+              <a:shade val="50000"/>
+            </a:schemeClr>
+          </a:lnRef>
+          <a:fillRef idx="1">
+            <a:schemeClr val="accent1"/>
+          </a:fillRef>
+          <a:effectRef idx="0">
+            <a:schemeClr val="accent1"/>
+          </a:effectRef>
+          <a:fontRef idx="minor">
+            <a:schemeClr val="lt1"/>
+          </a:fontRef>
+        </p:style>
         <p:txBody>
-          <a:bodyPr spcFirstLastPara="1" wrap="square" lIns="121868" tIns="121868" rIns="121868" bIns="121868" anchor="ctr" anchorCtr="0">
+          <a:bodyPr rot="0" spcFirstLastPara="0" vertOverflow="overflow" horzOverflow="overflow" vert="horz" wrap="square" lIns="91440" tIns="45720" rIns="91440" bIns="45720" numCol="1" spcCol="0" rtlCol="0" fromWordArt="0" anchor="ctr" anchorCtr="0" forceAA="0" compatLnSpc="1">
+            <a:prstTxWarp prst="textNoShape">
+              <a:avLst/>
+            </a:prstTxWarp>
             <a:noAutofit/>
           </a:bodyPr>
           <a:lstStyle/>
           <a:p>
-            <a:pPr marL="0" lvl="0" indent="0" algn="ctr" rtl="0">
-              <a:spcBef>
-                <a:spcPts val="0"/>
-              </a:spcBef>
-              <a:spcAft>
-                <a:spcPts val="0"/>
-              </a:spcAft>
-              <a:buNone/>
-            </a:pPr>
-            <a:endParaRPr sz="2487"/>
+            <a:pPr lvl="0" algn="ctr"/>
+            <a:endParaRPr sz="2800" b="1" dirty="0">
+              <a:solidFill>
+                <a:srgbClr val="FFFFFF"/>
+              </a:solidFill>
+              <a:effectLst>
+                <a:outerShdw blurRad="38100" dist="38100" dir="2700000" algn="tl">
+                  <a:srgbClr val="000000">
+                    <a:alpha val="43137"/>
+                  </a:srgbClr>
+                </a:outerShdw>
+              </a:effectLst>
+            </a:endParaRPr>
           </a:p>
         </p:txBody>
       </p:sp>
@@ -4680,8 +4879,8 @@
           </a:prstGeom>
           <a:solidFill>
             <a:schemeClr val="bg1">
-              <a:lumMod val="40000"/>
-              <a:lumOff val="60000"/>
+              <a:lumMod val="20000"/>
+              <a:lumOff val="80000"/>
             </a:schemeClr>
           </a:solidFill>
           <a:ln w="9525" cap="flat" cmpd="sng">
@@ -4709,7 +4908,11 @@
               </a:spcAft>
               <a:buNone/>
             </a:pPr>
-            <a:endParaRPr sz="2487"/>
+            <a:endParaRPr sz="2487">
+              <a:solidFill>
+                <a:schemeClr val="bg2"/>
+              </a:solidFill>
+            </a:endParaRPr>
           </a:p>
         </p:txBody>
       </p:sp>
@@ -4727,7 +4930,7 @@
         </p:nvSpPr>
         <p:spPr>
           <a:xfrm>
-            <a:off x="418654" y="1350660"/>
+            <a:off x="398334" y="1350660"/>
             <a:ext cx="216925" cy="5050140"/>
           </a:xfrm>
           <a:prstGeom prst="roundRect">
@@ -4737,8 +4940,8 @@
           </a:prstGeom>
           <a:solidFill>
             <a:schemeClr val="bg1">
-              <a:lumMod val="40000"/>
-              <a:lumOff val="60000"/>
+              <a:lumMod val="20000"/>
+              <a:lumOff val="80000"/>
             </a:schemeClr>
           </a:solidFill>
           <a:ln w="9525" cap="flat" cmpd="sng">
@@ -4766,7 +4969,11 @@
               </a:spcAft>
               <a:buNone/>
             </a:pPr>
-            <a:endParaRPr sz="2487"/>
+            <a:endParaRPr sz="2487" dirty="0">
+              <a:solidFill>
+                <a:schemeClr val="bg2"/>
+              </a:solidFill>
+            </a:endParaRPr>
           </a:p>
         </p:txBody>
       </p:sp>
@@ -4816,10 +5023,17 @@
               <a:buSzPct val="100000"/>
               <a:buFont typeface="Wingdings" pitchFamily="2" charset="2"/>
               <a:buChar char="§"/>
-              <a:defRPr sz="3400">
+              <a:defRPr sz="3400" b="1">
                 <a:solidFill>
                   <a:schemeClr val="bg2"/>
                 </a:solidFill>
+                <a:effectLst>
+                  <a:outerShdw blurRad="38100" dist="38100" dir="2700000" algn="tl">
+                    <a:srgbClr val="000000">
+                      <a:alpha val="43137"/>
+                    </a:srgbClr>
+                  </a:outerShdw>
+                </a:effectLst>
                 <a:latin typeface="+mn-lt"/>
               </a:defRPr>
             </a:lvl1pPr>
@@ -4840,10 +5054,17 @@
               <a:buFont typeface="Wingdings" pitchFamily="2" charset="2"/>
               <a:buChar char="§"/>
               <a:tabLst/>
-              <a:defRPr sz="3200">
+              <a:defRPr sz="3200" b="1">
                 <a:solidFill>
                   <a:schemeClr val="bg2"/>
                 </a:solidFill>
+                <a:effectLst>
+                  <a:outerShdw blurRad="38100" dist="38100" dir="2700000" algn="tl">
+                    <a:srgbClr val="000000">
+                      <a:alpha val="43137"/>
+                    </a:srgbClr>
+                  </a:outerShdw>
+                </a:effectLst>
                 <a:latin typeface="+mn-lt"/>
               </a:defRPr>
             </a:lvl2pPr>
@@ -4864,10 +5085,17 @@
               <a:buFont typeface="Wingdings" pitchFamily="2" charset="2"/>
               <a:buChar char="§"/>
               <a:tabLst/>
-              <a:defRPr sz="3000">
+              <a:defRPr sz="3000" b="1">
                 <a:solidFill>
                   <a:schemeClr val="bg2"/>
                 </a:solidFill>
+                <a:effectLst>
+                  <a:outerShdw blurRad="38100" dist="38100" dir="2700000" algn="tl">
+                    <a:srgbClr val="000000">
+                      <a:alpha val="43137"/>
+                    </a:srgbClr>
+                  </a:outerShdw>
+                </a:effectLst>
                 <a:latin typeface="+mn-lt"/>
               </a:defRPr>
             </a:lvl3pPr>
@@ -4888,10 +5116,17 @@
               <a:buFont typeface="Wingdings" pitchFamily="2" charset="2"/>
               <a:buChar char="§"/>
               <a:tabLst/>
-              <a:defRPr sz="2800">
+              <a:defRPr sz="2800" b="1">
                 <a:solidFill>
                   <a:schemeClr val="bg2"/>
                 </a:solidFill>
+                <a:effectLst>
+                  <a:outerShdw blurRad="38100" dist="38100" dir="2700000" algn="tl">
+                    <a:srgbClr val="000000">
+                      <a:alpha val="43137"/>
+                    </a:srgbClr>
+                  </a:outerShdw>
+                </a:effectLst>
                 <a:latin typeface="+mn-lt"/>
               </a:defRPr>
             </a:lvl4pPr>
@@ -4912,10 +5147,17 @@
               <a:buFont typeface="Wingdings" pitchFamily="2" charset="2"/>
               <a:buChar char="§"/>
               <a:tabLst/>
-              <a:defRPr sz="2600">
+              <a:defRPr sz="2600" b="1">
                 <a:solidFill>
                   <a:schemeClr val="bg2"/>
                 </a:solidFill>
+                <a:effectLst>
+                  <a:outerShdw blurRad="38100" dist="38100" dir="2700000" algn="tl">
+                    <a:srgbClr val="000000">
+                      <a:alpha val="43137"/>
+                    </a:srgbClr>
+                  </a:outerShdw>
+                </a:effectLst>
                 <a:latin typeface="+mn-lt"/>
               </a:defRPr>
             </a:lvl5pPr>
@@ -5256,7 +5498,13 @@
                 <a:solidFill>
                   <a:schemeClr val="bg2"/>
                 </a:solidFill>
-                <a:effectLst/>
+                <a:effectLst>
+                  <a:outerShdw blurRad="38100" dist="38100" dir="2700000" algn="tl">
+                    <a:srgbClr val="000000">
+                      <a:alpha val="43137"/>
+                    </a:srgbClr>
+                  </a:outerShdw>
+                </a:effectLst>
                 <a:latin typeface="Calibri" panose="020F0502020204030204" pitchFamily="34" charset="0"/>
                 <a:ea typeface="Calibri" panose="020F0502020204030204" pitchFamily="34" charset="0"/>
                 <a:cs typeface="Arial" panose="020B0604020202020204" pitchFamily="34" charset="0"/>
@@ -5268,7 +5516,13 @@
                 <a:solidFill>
                   <a:schemeClr val="bg2"/>
                 </a:solidFill>
-                <a:effectLst/>
+                <a:effectLst>
+                  <a:outerShdw blurRad="38100" dist="38100" dir="2700000" algn="tl">
+                    <a:srgbClr val="000000">
+                      <a:alpha val="43137"/>
+                    </a:srgbClr>
+                  </a:outerShdw>
+                </a:effectLst>
                 <a:latin typeface="Calibri" panose="020F0502020204030204" pitchFamily="34" charset="0"/>
                 <a:ea typeface="Calibri" panose="020F0502020204030204" pitchFamily="34" charset="0"/>
                 <a:cs typeface="Arial" panose="020B0604020202020204" pitchFamily="34" charset="0"/>
@@ -5280,7 +5534,13 @@
                 <a:solidFill>
                   <a:schemeClr val="bg2"/>
                 </a:solidFill>
-                <a:effectLst/>
+                <a:effectLst>
+                  <a:outerShdw blurRad="38100" dist="38100" dir="2700000" algn="tl">
+                    <a:srgbClr val="000000">
+                      <a:alpha val="43137"/>
+                    </a:srgbClr>
+                  </a:outerShdw>
+                </a:effectLst>
                 <a:latin typeface="Calibri" panose="020F0502020204030204" pitchFamily="34" charset="0"/>
                 <a:ea typeface="Calibri" panose="020F0502020204030204" pitchFamily="34" charset="0"/>
                 <a:cs typeface="Arial" panose="020B0604020202020204" pitchFamily="34" charset="0"/>
@@ -5292,7 +5552,13 @@
                 <a:solidFill>
                   <a:schemeClr val="bg2"/>
                 </a:solidFill>
-                <a:effectLst/>
+                <a:effectLst>
+                  <a:outerShdw blurRad="38100" dist="38100" dir="2700000" algn="tl">
+                    <a:srgbClr val="000000">
+                      <a:alpha val="43137"/>
+                    </a:srgbClr>
+                  </a:outerShdw>
+                </a:effectLst>
                 <a:latin typeface="Calibri" panose="020F0502020204030204" pitchFamily="34" charset="0"/>
                 <a:ea typeface="Calibri" panose="020F0502020204030204" pitchFamily="34" charset="0"/>
                 <a:cs typeface="Arial" panose="020B0604020202020204" pitchFamily="34" charset="0"/>
@@ -5311,7 +5577,13 @@
                 <a:solidFill>
                   <a:schemeClr val="bg2"/>
                 </a:solidFill>
-                <a:effectLst/>
+                <a:effectLst>
+                  <a:outerShdw blurRad="38100" dist="38100" dir="2700000" algn="tl">
+                    <a:srgbClr val="000000">
+                      <a:alpha val="43137"/>
+                    </a:srgbClr>
+                  </a:outerShdw>
+                </a:effectLst>
                 <a:latin typeface="Calibri" panose="020F0502020204030204" pitchFamily="34" charset="0"/>
                 <a:ea typeface="Calibri" panose="020F0502020204030204" pitchFamily="34" charset="0"/>
                 <a:cs typeface="Arial" panose="020B0604020202020204" pitchFamily="34" charset="0"/>
@@ -5322,7 +5594,13 @@
               <a:solidFill>
                 <a:schemeClr val="bg2"/>
               </a:solidFill>
-              <a:effectLst/>
+              <a:effectLst>
+                <a:outerShdw blurRad="38100" dist="38100" dir="2700000" algn="tl">
+                  <a:srgbClr val="000000">
+                    <a:alpha val="43137"/>
+                  </a:srgbClr>
+                </a:outerShdw>
+              </a:effectLst>
               <a:latin typeface="Calibri" panose="020F0502020204030204" pitchFamily="34" charset="0"/>
               <a:ea typeface="Calibri" panose="020F0502020204030204" pitchFamily="34" charset="0"/>
               <a:cs typeface="Arial" panose="020B0604020202020204" pitchFamily="34" charset="0"/>
@@ -5415,7 +5693,9 @@
                   <a:noFill/>
                 </a:ln>
                 <a:solidFill>
-                  <a:schemeClr val="bg1"/>
+                  <a:schemeClr val="bg1">
+                    <a:lumMod val="75000"/>
+                  </a:schemeClr>
                 </a:solidFill>
                 <a:effectLst/>
                 <a:uLnTx/>
@@ -6108,2869 +6388,6 @@
 </p:sldLayout>
 </file>
 
-<file path=ppt/slideLayouts/slideLayout15.xml><?xml version="1.0" encoding="utf-8"?>
-<p:sldLayout xmlns:a="http://schemas.openxmlformats.org/drawingml/2006/main" xmlns:r="http://schemas.openxmlformats.org/officeDocument/2006/relationships" xmlns:p="http://schemas.openxmlformats.org/presentationml/2006/main" matchingName="Section header" userDrawn="1">
-  <p:cSld name="Section header">
-    <p:spTree>
-      <p:nvGrpSpPr>
-        <p:cNvPr id="1" name="Shape 13"/>
-        <p:cNvGrpSpPr/>
-        <p:nvPr/>
-      </p:nvGrpSpPr>
-      <p:grpSpPr>
-        <a:xfrm>
-          <a:off x="0" y="0"/>
-          <a:ext cx="0" cy="0"/>
-          <a:chOff x="0" y="0"/>
-          <a:chExt cx="0" cy="0"/>
-        </a:xfrm>
-      </p:grpSpPr>
-      <p:sp>
-        <p:nvSpPr>
-          <p:cNvPr id="3" name="Oval Center Icon">
-            <a:extLst>
-              <a:ext uri="{FF2B5EF4-FFF2-40B4-BE49-F238E27FC236}">
-                <a16:creationId xmlns:a16="http://schemas.microsoft.com/office/drawing/2014/main" id="{B7902F69-9D85-AD9A-92F2-3E1DC476D9D3}"/>
-              </a:ext>
-            </a:extLst>
-          </p:cNvPr>
-          <p:cNvSpPr>
-            <a:spLocks noChangeAspect="1"/>
-          </p:cNvSpPr>
-          <p:nvPr userDrawn="1"/>
-        </p:nvSpPr>
-        <p:spPr>
-          <a:xfrm>
-            <a:off x="4318610" y="812575"/>
-            <a:ext cx="3551604" cy="3552529"/>
-          </a:xfrm>
-          <a:prstGeom prst="ellipse">
-            <a:avLst/>
-          </a:prstGeom>
-          <a:solidFill>
-            <a:schemeClr val="bg1"/>
-          </a:solidFill>
-          <a:ln>
-            <a:noFill/>
-          </a:ln>
-        </p:spPr>
-        <p:style>
-          <a:lnRef idx="2">
-            <a:schemeClr val="accent1">
-              <a:shade val="50000"/>
-            </a:schemeClr>
-          </a:lnRef>
-          <a:fillRef idx="1">
-            <a:schemeClr val="accent1"/>
-          </a:fillRef>
-          <a:effectRef idx="0">
-            <a:schemeClr val="accent1"/>
-          </a:effectRef>
-          <a:fontRef idx="minor">
-            <a:schemeClr val="lt1"/>
-          </a:fontRef>
-        </p:style>
-        <p:txBody>
-          <a:bodyPr lIns="0" tIns="0" rIns="0" bIns="0" rtlCol="0" anchor="ctr">
-            <a:normAutofit/>
-          </a:bodyPr>
-          <a:lstStyle/>
-          <a:p>
-            <a:pPr marR="0" lvl="0" indent="0" algn="ctr" defTabSz="913852" fontAlgn="auto">
-              <a:lnSpc>
-                <a:spcPct val="100000"/>
-              </a:lnSpc>
-              <a:spcBef>
-                <a:spcPts val="0"/>
-              </a:spcBef>
-              <a:spcAft>
-                <a:spcPts val="0"/>
-              </a:spcAft>
-              <a:buClrTx/>
-              <a:buSzTx/>
-              <a:buFontTx/>
-              <a:buNone/>
-              <a:tabLst/>
-            </a:pPr>
-            <a:endParaRPr kumimoji="0" lang="en-US" altLang="ko-KR" sz="4000" b="1" i="0" u="none" strike="noStrike" cap="none" spc="0" normalizeH="0" baseline="0" noProof="0" dirty="0">
-              <a:ln>
-                <a:noFill/>
-              </a:ln>
-              <a:solidFill>
-                <a:schemeClr val="tx2"/>
-              </a:solidFill>
-              <a:effectLst/>
-              <a:uLnTx/>
-              <a:uFillTx/>
-              <a:latin typeface="Calibri" panose="020F0502020204030204"/>
-              <a:ea typeface="맑은 고딕" panose="020B0503020000020004" pitchFamily="34" charset="-127"/>
-            </a:endParaRPr>
-          </a:p>
-        </p:txBody>
-      </p:sp>
-      <p:sp>
-        <p:nvSpPr>
-          <p:cNvPr id="5" name="Slide Subtitle">
-            <a:extLst>
-              <a:ext uri="{FF2B5EF4-FFF2-40B4-BE49-F238E27FC236}">
-                <a16:creationId xmlns:a16="http://schemas.microsoft.com/office/drawing/2014/main" id="{A04623F0-9F84-7104-BA53-1536A4C284F8}"/>
-              </a:ext>
-            </a:extLst>
-          </p:cNvPr>
-          <p:cNvSpPr txBox="1">
-            <a:spLocks noGrp="1"/>
-          </p:cNvSpPr>
-          <p:nvPr>
-            <p:ph type="subTitle" idx="1" hasCustomPrompt="1"/>
-          </p:nvPr>
-        </p:nvSpPr>
-        <p:spPr>
-          <a:xfrm>
-            <a:off x="405779" y="5704062"/>
-            <a:ext cx="11377266" cy="749274"/>
-          </a:xfrm>
-          <a:prstGeom prst="rect">
-            <a:avLst/>
-          </a:prstGeom>
-        </p:spPr>
-        <p:txBody>
-          <a:bodyPr spcFirstLastPara="1" wrap="square" lIns="91425" tIns="91425" rIns="91425" bIns="91425" anchor="t" anchorCtr="0">
-            <a:noAutofit/>
-          </a:bodyPr>
-          <a:lstStyle>
-            <a:lvl1pPr lvl="0" algn="ctr">
-              <a:lnSpc>
-                <a:spcPct val="100000"/>
-              </a:lnSpc>
-              <a:spcBef>
-                <a:spcPts val="0"/>
-              </a:spcBef>
-              <a:spcAft>
-                <a:spcPts val="0"/>
-              </a:spcAft>
-              <a:buSzPts val="2800"/>
-              <a:buNone/>
-              <a:defRPr sz="4000">
-                <a:latin typeface="Sofia Sans" pitchFamily="2" charset="0"/>
-              </a:defRPr>
-            </a:lvl1pPr>
-            <a:lvl2pPr lvl="1" algn="ctr">
-              <a:lnSpc>
-                <a:spcPct val="100000"/>
-              </a:lnSpc>
-              <a:spcBef>
-                <a:spcPts val="0"/>
-              </a:spcBef>
-              <a:spcAft>
-                <a:spcPts val="0"/>
-              </a:spcAft>
-              <a:buSzPts val="2800"/>
-              <a:buNone/>
-              <a:defRPr sz="3732"/>
-            </a:lvl2pPr>
-            <a:lvl3pPr lvl="2" algn="ctr">
-              <a:lnSpc>
-                <a:spcPct val="100000"/>
-              </a:lnSpc>
-              <a:spcBef>
-                <a:spcPts val="0"/>
-              </a:spcBef>
-              <a:spcAft>
-                <a:spcPts val="0"/>
-              </a:spcAft>
-              <a:buSzPts val="2800"/>
-              <a:buNone/>
-              <a:defRPr sz="3732"/>
-            </a:lvl3pPr>
-            <a:lvl4pPr lvl="3" algn="ctr">
-              <a:lnSpc>
-                <a:spcPct val="100000"/>
-              </a:lnSpc>
-              <a:spcBef>
-                <a:spcPts val="0"/>
-              </a:spcBef>
-              <a:spcAft>
-                <a:spcPts val="0"/>
-              </a:spcAft>
-              <a:buSzPts val="2800"/>
-              <a:buNone/>
-              <a:defRPr sz="3732"/>
-            </a:lvl4pPr>
-            <a:lvl5pPr lvl="4" algn="ctr">
-              <a:lnSpc>
-                <a:spcPct val="100000"/>
-              </a:lnSpc>
-              <a:spcBef>
-                <a:spcPts val="0"/>
-              </a:spcBef>
-              <a:spcAft>
-                <a:spcPts val="0"/>
-              </a:spcAft>
-              <a:buSzPts val="2800"/>
-              <a:buNone/>
-              <a:defRPr sz="3732"/>
-            </a:lvl5pPr>
-            <a:lvl6pPr lvl="5" algn="ctr">
-              <a:lnSpc>
-                <a:spcPct val="100000"/>
-              </a:lnSpc>
-              <a:spcBef>
-                <a:spcPts val="0"/>
-              </a:spcBef>
-              <a:spcAft>
-                <a:spcPts val="0"/>
-              </a:spcAft>
-              <a:buSzPts val="2800"/>
-              <a:buNone/>
-              <a:defRPr sz="3732"/>
-            </a:lvl6pPr>
-            <a:lvl7pPr lvl="6" algn="ctr">
-              <a:lnSpc>
-                <a:spcPct val="100000"/>
-              </a:lnSpc>
-              <a:spcBef>
-                <a:spcPts val="0"/>
-              </a:spcBef>
-              <a:spcAft>
-                <a:spcPts val="0"/>
-              </a:spcAft>
-              <a:buSzPts val="2800"/>
-              <a:buNone/>
-              <a:defRPr sz="3732"/>
-            </a:lvl7pPr>
-            <a:lvl8pPr lvl="7" algn="ctr">
-              <a:lnSpc>
-                <a:spcPct val="100000"/>
-              </a:lnSpc>
-              <a:spcBef>
-                <a:spcPts val="0"/>
-              </a:spcBef>
-              <a:spcAft>
-                <a:spcPts val="0"/>
-              </a:spcAft>
-              <a:buSzPts val="2800"/>
-              <a:buNone/>
-              <a:defRPr sz="3732"/>
-            </a:lvl8pPr>
-            <a:lvl9pPr lvl="8" algn="ctr">
-              <a:lnSpc>
-                <a:spcPct val="100000"/>
-              </a:lnSpc>
-              <a:spcBef>
-                <a:spcPts val="0"/>
-              </a:spcBef>
-              <a:spcAft>
-                <a:spcPts val="0"/>
-              </a:spcAft>
-              <a:buSzPts val="2800"/>
-              <a:buNone/>
-              <a:defRPr sz="3732"/>
-            </a:lvl9pPr>
-          </a:lstStyle>
-          <a:p>
-            <a:r>
-              <a:rPr lang="en-US" dirty="0"/>
-              <a:t>Click to Edit Section Subtitle</a:t>
-            </a:r>
-          </a:p>
-        </p:txBody>
-      </p:sp>
-      <p:sp>
-        <p:nvSpPr>
-          <p:cNvPr id="14" name="Slide Title"/>
-          <p:cNvSpPr txBox="1">
-            <a:spLocks noGrp="1"/>
-          </p:cNvSpPr>
-          <p:nvPr>
-            <p:ph type="title" hasCustomPrompt="1"/>
-          </p:nvPr>
-        </p:nvSpPr>
-        <p:spPr>
-          <a:xfrm>
-            <a:off x="415283" y="4725144"/>
-            <a:ext cx="11377266" cy="864096"/>
-          </a:xfrm>
-          <a:prstGeom prst="rect">
-            <a:avLst/>
-          </a:prstGeom>
-        </p:spPr>
-        <p:txBody>
-          <a:bodyPr spcFirstLastPara="1" wrap="square" lIns="91425" tIns="91425" rIns="91425" bIns="91425" anchor="ctr" anchorCtr="0">
-            <a:normAutofit/>
-          </a:bodyPr>
-          <a:lstStyle>
-            <a:lvl1pPr lvl="0" algn="ctr">
-              <a:spcBef>
-                <a:spcPts val="0"/>
-              </a:spcBef>
-              <a:spcAft>
-                <a:spcPts val="0"/>
-              </a:spcAft>
-              <a:buSzPts val="3600"/>
-              <a:buNone/>
-              <a:defRPr sz="5400" b="1">
-                <a:solidFill>
-                  <a:schemeClr val="tx2"/>
-                </a:solidFill>
-                <a:latin typeface="Sofia Sans" pitchFamily="2" charset="0"/>
-              </a:defRPr>
-            </a:lvl1pPr>
-            <a:lvl2pPr lvl="1" algn="ctr">
-              <a:spcBef>
-                <a:spcPts val="0"/>
-              </a:spcBef>
-              <a:spcAft>
-                <a:spcPts val="0"/>
-              </a:spcAft>
-              <a:buSzPts val="3600"/>
-              <a:buNone/>
-              <a:defRPr sz="4799"/>
-            </a:lvl2pPr>
-            <a:lvl3pPr lvl="2" algn="ctr">
-              <a:spcBef>
-                <a:spcPts val="0"/>
-              </a:spcBef>
-              <a:spcAft>
-                <a:spcPts val="0"/>
-              </a:spcAft>
-              <a:buSzPts val="3600"/>
-              <a:buNone/>
-              <a:defRPr sz="4799"/>
-            </a:lvl3pPr>
-            <a:lvl4pPr lvl="3" algn="ctr">
-              <a:spcBef>
-                <a:spcPts val="0"/>
-              </a:spcBef>
-              <a:spcAft>
-                <a:spcPts val="0"/>
-              </a:spcAft>
-              <a:buSzPts val="3600"/>
-              <a:buNone/>
-              <a:defRPr sz="4799"/>
-            </a:lvl4pPr>
-            <a:lvl5pPr lvl="4" algn="ctr">
-              <a:spcBef>
-                <a:spcPts val="0"/>
-              </a:spcBef>
-              <a:spcAft>
-                <a:spcPts val="0"/>
-              </a:spcAft>
-              <a:buSzPts val="3600"/>
-              <a:buNone/>
-              <a:defRPr sz="4799"/>
-            </a:lvl5pPr>
-            <a:lvl6pPr lvl="5" algn="ctr">
-              <a:spcBef>
-                <a:spcPts val="0"/>
-              </a:spcBef>
-              <a:spcAft>
-                <a:spcPts val="0"/>
-              </a:spcAft>
-              <a:buSzPts val="3600"/>
-              <a:buNone/>
-              <a:defRPr sz="4799"/>
-            </a:lvl6pPr>
-            <a:lvl7pPr lvl="6" algn="ctr">
-              <a:spcBef>
-                <a:spcPts val="0"/>
-              </a:spcBef>
-              <a:spcAft>
-                <a:spcPts val="0"/>
-              </a:spcAft>
-              <a:buSzPts val="3600"/>
-              <a:buNone/>
-              <a:defRPr sz="4799"/>
-            </a:lvl7pPr>
-            <a:lvl8pPr lvl="7" algn="ctr">
-              <a:spcBef>
-                <a:spcPts val="0"/>
-              </a:spcBef>
-              <a:spcAft>
-                <a:spcPts val="0"/>
-              </a:spcAft>
-              <a:buSzPts val="3600"/>
-              <a:buNone/>
-              <a:defRPr sz="4799"/>
-            </a:lvl8pPr>
-            <a:lvl9pPr lvl="8" algn="ctr">
-              <a:spcBef>
-                <a:spcPts val="0"/>
-              </a:spcBef>
-              <a:spcAft>
-                <a:spcPts val="0"/>
-              </a:spcAft>
-              <a:buSzPts val="3600"/>
-              <a:buNone/>
-              <a:defRPr sz="4799"/>
-            </a:lvl9pPr>
-          </a:lstStyle>
-          <a:p>
-            <a:r>
-              <a:rPr lang="en-US" dirty="0"/>
-              <a:t>Click to Edit Section Title</a:t>
-            </a:r>
-            <a:endParaRPr dirty="0"/>
-          </a:p>
-        </p:txBody>
-      </p:sp>
-    </p:spTree>
-    <p:extLst>
-      <p:ext uri="{BB962C8B-B14F-4D97-AF65-F5344CB8AC3E}">
-        <p14:creationId xmlns:p14="http://schemas.microsoft.com/office/powerpoint/2010/main" val="1354445618"/>
-      </p:ext>
-    </p:extLst>
-  </p:cSld>
-  <p:clrMapOvr>
-    <a:masterClrMapping/>
-  </p:clrMapOvr>
-</p:sldLayout>
-</file>
-
-<file path=ppt/slideLayouts/slideLayout16.xml><?xml version="1.0" encoding="utf-8"?>
-<p:sldLayout xmlns:a="http://schemas.openxmlformats.org/drawingml/2006/main" xmlns:r="http://schemas.openxmlformats.org/officeDocument/2006/relationships" xmlns:p="http://schemas.openxmlformats.org/presentationml/2006/main" matchingName="Title and body" type="tx">
-  <p:cSld name="Title and body">
-    <p:spTree>
-      <p:nvGrpSpPr>
-        <p:cNvPr id="1" name="Shape 16"/>
-        <p:cNvGrpSpPr/>
-        <p:nvPr/>
-      </p:nvGrpSpPr>
-      <p:grpSpPr>
-        <a:xfrm>
-          <a:off x="0" y="0"/>
-          <a:ext cx="0" cy="0"/>
-          <a:chOff x="0" y="0"/>
-          <a:chExt cx="0" cy="0"/>
-        </a:xfrm>
-      </p:grpSpPr>
-      <p:sp>
-        <p:nvSpPr>
-          <p:cNvPr id="2" name="Slide Number">
-            <a:extLst>
-              <a:ext uri="{FF2B5EF4-FFF2-40B4-BE49-F238E27FC236}">
-                <a16:creationId xmlns:a16="http://schemas.microsoft.com/office/drawing/2014/main" id="{8BA33E9C-EFC6-A3C6-B0C1-78BF0E59B507}"/>
-              </a:ext>
-            </a:extLst>
-          </p:cNvPr>
-          <p:cNvSpPr>
-            <a:spLocks noGrp="1"/>
-          </p:cNvSpPr>
-          <p:nvPr>
-            <p:ph type="sldNum" sz="quarter" idx="5"/>
-          </p:nvPr>
-        </p:nvSpPr>
-        <p:spPr>
-          <a:xfrm>
-            <a:off x="11753030" y="6507000"/>
-            <a:ext cx="367414" cy="297000"/>
-          </a:xfrm>
-          <a:prstGeom prst="rect">
-            <a:avLst/>
-          </a:prstGeom>
-        </p:spPr>
-        <p:txBody>
-          <a:bodyPr vert="horz" lIns="91440" tIns="45720" rIns="91440" bIns="45720" rtlCol="0" anchor="b"/>
-          <a:lstStyle>
-            <a:lvl1pPr algn="r">
-              <a:defRPr sz="1000"/>
-            </a:lvl1pPr>
-          </a:lstStyle>
-          <a:p>
-            <a:fld id="{1D8AD478-9B82-4CC0-B73E-94E1EA0C2863}" type="slidenum">
-              <a:rPr lang="en-US" smtClean="0"/>
-              <a:pPr/>
-              <a:t>‹#›</a:t>
-            </a:fld>
-            <a:endParaRPr lang="en-US" dirty="0"/>
-          </a:p>
-        </p:txBody>
-      </p:sp>
-      <p:sp>
-        <p:nvSpPr>
-          <p:cNvPr id="18" name="Slide Body Text"/>
-          <p:cNvSpPr txBox="1">
-            <a:spLocks noGrp="1"/>
-          </p:cNvSpPr>
-          <p:nvPr>
-            <p:ph type="body" idx="1" hasCustomPrompt="1"/>
-          </p:nvPr>
-        </p:nvSpPr>
-        <p:spPr>
-          <a:xfrm>
-            <a:off x="216000" y="1152000"/>
-            <a:ext cx="11825695" cy="5562000"/>
-          </a:xfrm>
-          <a:prstGeom prst="rect">
-            <a:avLst/>
-          </a:prstGeom>
-        </p:spPr>
-        <p:txBody>
-          <a:bodyPr spcFirstLastPara="1" wrap="square" lIns="108000" tIns="36000" rIns="108000" bIns="36000" anchor="t" anchorCtr="0">
-            <a:normAutofit/>
-          </a:bodyPr>
-          <a:lstStyle>
-            <a:lvl1pPr marL="358775" lvl="0" indent="-360000">
-              <a:lnSpc>
-                <a:spcPct val="105000"/>
-              </a:lnSpc>
-              <a:spcBef>
-                <a:spcPts val="600"/>
-              </a:spcBef>
-              <a:spcAft>
-                <a:spcPts val="600"/>
-              </a:spcAft>
-              <a:buSzPct val="100000"/>
-              <a:buFont typeface="Wingdings" pitchFamily="2" charset="2"/>
-              <a:buChar char="§"/>
-              <a:defRPr sz="3400">
-                <a:solidFill>
-                  <a:schemeClr val="bg2"/>
-                </a:solidFill>
-                <a:latin typeface="+mn-lt"/>
-              </a:defRPr>
-            </a:lvl1pPr>
-            <a:lvl2pPr marL="803275" lvl="1" indent="-360000">
-              <a:lnSpc>
-                <a:spcPct val="105000"/>
-              </a:lnSpc>
-              <a:spcBef>
-                <a:spcPts val="600"/>
-              </a:spcBef>
-              <a:spcAft>
-                <a:spcPts val="600"/>
-              </a:spcAft>
-              <a:buSzPct val="100000"/>
-              <a:buFont typeface="Wingdings" pitchFamily="2" charset="2"/>
-              <a:buChar char="§"/>
-              <a:tabLst/>
-              <a:defRPr sz="3200">
-                <a:solidFill>
-                  <a:schemeClr val="bg2"/>
-                </a:solidFill>
-                <a:latin typeface="+mn-lt"/>
-              </a:defRPr>
-            </a:lvl2pPr>
-            <a:lvl3pPr marL="1260475" lvl="2" indent="-360000">
-              <a:lnSpc>
-                <a:spcPct val="105000"/>
-              </a:lnSpc>
-              <a:spcBef>
-                <a:spcPts val="600"/>
-              </a:spcBef>
-              <a:spcAft>
-                <a:spcPts val="600"/>
-              </a:spcAft>
-              <a:buSzPct val="100000"/>
-              <a:buFont typeface="Wingdings" pitchFamily="2" charset="2"/>
-              <a:buChar char="§"/>
-              <a:tabLst/>
-              <a:defRPr sz="3000">
-                <a:solidFill>
-                  <a:schemeClr val="bg2"/>
-                </a:solidFill>
-                <a:latin typeface="+mn-lt"/>
-              </a:defRPr>
-            </a:lvl3pPr>
-            <a:lvl4pPr marL="1704975" lvl="3" indent="-360000">
-              <a:lnSpc>
-                <a:spcPct val="105000"/>
-              </a:lnSpc>
-              <a:spcBef>
-                <a:spcPts val="600"/>
-              </a:spcBef>
-              <a:spcAft>
-                <a:spcPts val="600"/>
-              </a:spcAft>
-              <a:buSzPct val="100000"/>
-              <a:buFont typeface="Wingdings" pitchFamily="2" charset="2"/>
-              <a:buChar char="§"/>
-              <a:tabLst/>
-              <a:defRPr sz="2800">
-                <a:solidFill>
-                  <a:schemeClr val="bg2"/>
-                </a:solidFill>
-                <a:latin typeface="+mn-lt"/>
-              </a:defRPr>
-            </a:lvl4pPr>
-            <a:lvl5pPr marL="2149475" lvl="4" indent="-360000">
-              <a:lnSpc>
-                <a:spcPct val="105000"/>
-              </a:lnSpc>
-              <a:spcBef>
-                <a:spcPts val="600"/>
-              </a:spcBef>
-              <a:spcAft>
-                <a:spcPts val="600"/>
-              </a:spcAft>
-              <a:buSzPct val="100000"/>
-              <a:buFont typeface="Wingdings" pitchFamily="2" charset="2"/>
-              <a:buChar char="§"/>
-              <a:tabLst/>
-              <a:defRPr sz="2600">
-                <a:solidFill>
-                  <a:schemeClr val="bg2"/>
-                </a:solidFill>
-                <a:latin typeface="+mn-lt"/>
-              </a:defRPr>
-            </a:lvl5pPr>
-            <a:lvl6pPr marL="3656686" lvl="5" indent="-423228">
-              <a:spcBef>
-                <a:spcPts val="0"/>
-              </a:spcBef>
-              <a:spcAft>
-                <a:spcPts val="0"/>
-              </a:spcAft>
-              <a:buSzPts val="1400"/>
-              <a:buChar char="■"/>
-              <a:defRPr/>
-            </a:lvl6pPr>
-            <a:lvl7pPr marL="4266133" lvl="6" indent="-423228">
-              <a:spcBef>
-                <a:spcPts val="0"/>
-              </a:spcBef>
-              <a:spcAft>
-                <a:spcPts val="0"/>
-              </a:spcAft>
-              <a:buSzPts val="1400"/>
-              <a:buChar char="●"/>
-              <a:defRPr/>
-            </a:lvl7pPr>
-            <a:lvl8pPr marL="4875581" lvl="7" indent="-423228">
-              <a:spcBef>
-                <a:spcPts val="0"/>
-              </a:spcBef>
-              <a:spcAft>
-                <a:spcPts val="0"/>
-              </a:spcAft>
-              <a:buSzPts val="1400"/>
-              <a:buChar char="○"/>
-              <a:defRPr/>
-            </a:lvl8pPr>
-            <a:lvl9pPr marL="5485028" lvl="8" indent="-423228">
-              <a:spcBef>
-                <a:spcPts val="0"/>
-              </a:spcBef>
-              <a:spcAft>
-                <a:spcPts val="0"/>
-              </a:spcAft>
-              <a:buSzPts val="1400"/>
-              <a:buChar char="■"/>
-              <a:defRPr/>
-            </a:lvl9pPr>
-          </a:lstStyle>
-          <a:p>
-            <a:r>
-              <a:rPr lang="en-US" dirty="0"/>
-              <a:t>First Level</a:t>
-            </a:r>
-          </a:p>
-          <a:p>
-            <a:pPr lvl="1"/>
-            <a:r>
-              <a:rPr lang="en-US" dirty="0"/>
-              <a:t>Second Level</a:t>
-            </a:r>
-            <a:endParaRPr lang="bg-BG" dirty="0"/>
-          </a:p>
-          <a:p>
-            <a:pPr lvl="2"/>
-            <a:r>
-              <a:rPr lang="en-US" dirty="0"/>
-              <a:t>Third Level</a:t>
-            </a:r>
-          </a:p>
-          <a:p>
-            <a:pPr lvl="3"/>
-            <a:r>
-              <a:rPr lang="en-US" dirty="0"/>
-              <a:t>Fourth Level</a:t>
-            </a:r>
-          </a:p>
-          <a:p>
-            <a:pPr lvl="4"/>
-            <a:r>
-              <a:rPr lang="en-US" dirty="0"/>
-              <a:t>Fifth Level</a:t>
-            </a:r>
-            <a:endParaRPr dirty="0"/>
-          </a:p>
-        </p:txBody>
-      </p:sp>
-      <p:pic>
-        <p:nvPicPr>
-          <p:cNvPr id="3" name="Slide Logo">
-            <a:extLst>
-              <a:ext uri="{FF2B5EF4-FFF2-40B4-BE49-F238E27FC236}">
-                <a16:creationId xmlns:a16="http://schemas.microsoft.com/office/drawing/2014/main" id="{624EB8FA-1C79-FFA5-D516-0FF5E4ACC214}"/>
-              </a:ext>
-            </a:extLst>
-          </p:cNvPr>
-          <p:cNvPicPr preferRelativeResize="0"/>
-          <p:nvPr userDrawn="1"/>
-        </p:nvPicPr>
-        <p:blipFill>
-          <a:blip r:embed="rId2">
-            <a:extLst>
-              <a:ext uri="{96DAC541-7B7A-43D3-8B79-37D633B846F1}">
-                <asvg:svgBlip xmlns:asvg="http://schemas.microsoft.com/office/drawing/2016/SVG/main" r:embed="rId3"/>
-              </a:ext>
-            </a:extLst>
-          </a:blip>
-          <a:srcRect/>
-          <a:stretch/>
-        </p:blipFill>
-        <p:spPr>
-          <a:xfrm>
-            <a:off x="10185359" y="294198"/>
-            <a:ext cx="1799298" cy="528543"/>
-          </a:xfrm>
-          <a:prstGeom prst="rect">
-            <a:avLst/>
-          </a:prstGeom>
-          <a:noFill/>
-          <a:ln>
-            <a:noFill/>
-          </a:ln>
-        </p:spPr>
-      </p:pic>
-      <p:sp>
-        <p:nvSpPr>
-          <p:cNvPr id="17" name="Slide Title"/>
-          <p:cNvSpPr txBox="1">
-            <a:spLocks noGrp="1"/>
-          </p:cNvSpPr>
-          <p:nvPr>
-            <p:ph type="title" hasCustomPrompt="1"/>
-          </p:nvPr>
-        </p:nvSpPr>
-        <p:spPr>
-          <a:xfrm>
-            <a:off x="216000" y="144000"/>
-            <a:ext cx="9838852" cy="864000"/>
-          </a:xfrm>
-          <a:prstGeom prst="rect">
-            <a:avLst/>
-          </a:prstGeom>
-        </p:spPr>
-        <p:txBody>
-          <a:bodyPr spcFirstLastPara="1" wrap="square" lIns="91425" tIns="91425" rIns="91425" bIns="91425" anchor="ctr" anchorCtr="0">
-            <a:noAutofit/>
-          </a:bodyPr>
-          <a:lstStyle>
-            <a:lvl1pPr lvl="0">
-              <a:spcBef>
-                <a:spcPts val="0"/>
-              </a:spcBef>
-              <a:spcAft>
-                <a:spcPts val="0"/>
-              </a:spcAft>
-              <a:buSzPts val="2800"/>
-              <a:buNone/>
-              <a:defRPr lang="en-US" sz="4400" b="1" i="0" u="none" strike="noStrike" kern="1200" cap="none" dirty="0">
-                <a:solidFill>
-                  <a:schemeClr val="bg2"/>
-                </a:solidFill>
-                <a:latin typeface="+mj-lt"/>
-                <a:ea typeface="+mj-ea"/>
-                <a:cs typeface="+mj-cs"/>
-                <a:sym typeface="Arial"/>
-              </a:defRPr>
-            </a:lvl1pPr>
-            <a:lvl2pPr lvl="1">
-              <a:spcBef>
-                <a:spcPts val="0"/>
-              </a:spcBef>
-              <a:spcAft>
-                <a:spcPts val="0"/>
-              </a:spcAft>
-              <a:buSzPts val="2800"/>
-              <a:buNone/>
-              <a:defRPr/>
-            </a:lvl2pPr>
-            <a:lvl3pPr lvl="2">
-              <a:spcBef>
-                <a:spcPts val="0"/>
-              </a:spcBef>
-              <a:spcAft>
-                <a:spcPts val="0"/>
-              </a:spcAft>
-              <a:buSzPts val="2800"/>
-              <a:buNone/>
-              <a:defRPr/>
-            </a:lvl3pPr>
-            <a:lvl4pPr lvl="3">
-              <a:spcBef>
-                <a:spcPts val="0"/>
-              </a:spcBef>
-              <a:spcAft>
-                <a:spcPts val="0"/>
-              </a:spcAft>
-              <a:buSzPts val="2800"/>
-              <a:buNone/>
-              <a:defRPr/>
-            </a:lvl4pPr>
-            <a:lvl5pPr lvl="4">
-              <a:spcBef>
-                <a:spcPts val="0"/>
-              </a:spcBef>
-              <a:spcAft>
-                <a:spcPts val="0"/>
-              </a:spcAft>
-              <a:buSzPts val="2800"/>
-              <a:buNone/>
-              <a:defRPr/>
-            </a:lvl5pPr>
-            <a:lvl6pPr lvl="5">
-              <a:spcBef>
-                <a:spcPts val="0"/>
-              </a:spcBef>
-              <a:spcAft>
-                <a:spcPts val="0"/>
-              </a:spcAft>
-              <a:buSzPts val="2800"/>
-              <a:buNone/>
-              <a:defRPr/>
-            </a:lvl6pPr>
-            <a:lvl7pPr lvl="6">
-              <a:spcBef>
-                <a:spcPts val="0"/>
-              </a:spcBef>
-              <a:spcAft>
-                <a:spcPts val="0"/>
-              </a:spcAft>
-              <a:buSzPts val="2800"/>
-              <a:buNone/>
-              <a:defRPr/>
-            </a:lvl7pPr>
-            <a:lvl8pPr lvl="7">
-              <a:spcBef>
-                <a:spcPts val="0"/>
-              </a:spcBef>
-              <a:spcAft>
-                <a:spcPts val="0"/>
-              </a:spcAft>
-              <a:buSzPts val="2800"/>
-              <a:buNone/>
-              <a:defRPr/>
-            </a:lvl8pPr>
-            <a:lvl9pPr lvl="8">
-              <a:spcBef>
-                <a:spcPts val="0"/>
-              </a:spcBef>
-              <a:spcAft>
-                <a:spcPts val="0"/>
-              </a:spcAft>
-              <a:buSzPts val="2800"/>
-              <a:buNone/>
-              <a:defRPr/>
-            </a:lvl9pPr>
-          </a:lstStyle>
-          <a:p>
-            <a:r>
-              <a:rPr lang="en-US" dirty="0"/>
-              <a:t>Slide Title</a:t>
-            </a:r>
-            <a:endParaRPr dirty="0"/>
-          </a:p>
-        </p:txBody>
-      </p:sp>
-    </p:spTree>
-    <p:extLst>
-      <p:ext uri="{BB962C8B-B14F-4D97-AF65-F5344CB8AC3E}">
-        <p14:creationId xmlns:p14="http://schemas.microsoft.com/office/powerpoint/2010/main" val="1701923687"/>
-      </p:ext>
-    </p:extLst>
-  </p:cSld>
-  <p:clrMapOvr>
-    <a:overrideClrMapping bg1="lt1" tx1="dk1" bg2="dk2" tx2="lt2" accent1="accent1" accent2="accent2" accent3="accent3" accent4="accent4" accent5="accent5" accent6="accent6" hlink="hlink" folHlink="folHlink"/>
-  </p:clrMapOvr>
-</p:sldLayout>
-</file>
-
-<file path=ppt/slideLayouts/slideLayout17.xml><?xml version="1.0" encoding="utf-8"?>
-<p:sldLayout xmlns:a="http://schemas.openxmlformats.org/drawingml/2006/main" xmlns:r="http://schemas.openxmlformats.org/officeDocument/2006/relationships" xmlns:p="http://schemas.openxmlformats.org/presentationml/2006/main" matchingName="Title and body" userDrawn="1">
-  <p:cSld name="1_Title and body">
-    <p:spTree>
-      <p:nvGrpSpPr>
-        <p:cNvPr id="1" name="Shape 16"/>
-        <p:cNvGrpSpPr/>
-        <p:nvPr/>
-      </p:nvGrpSpPr>
-      <p:grpSpPr>
-        <a:xfrm>
-          <a:off x="0" y="0"/>
-          <a:ext cx="0" cy="0"/>
-          <a:chOff x="0" y="0"/>
-          <a:chExt cx="0" cy="0"/>
-        </a:xfrm>
-      </p:grpSpPr>
-      <p:sp>
-        <p:nvSpPr>
-          <p:cNvPr id="5" name="Slide Number">
-            <a:extLst>
-              <a:ext uri="{FF2B5EF4-FFF2-40B4-BE49-F238E27FC236}">
-                <a16:creationId xmlns:a16="http://schemas.microsoft.com/office/drawing/2014/main" id="{06B780C3-B38F-0399-3652-9055B08BC693}"/>
-              </a:ext>
-            </a:extLst>
-          </p:cNvPr>
-          <p:cNvSpPr>
-            <a:spLocks noGrp="1"/>
-          </p:cNvSpPr>
-          <p:nvPr>
-            <p:ph type="sldNum" sz="quarter" idx="5"/>
-          </p:nvPr>
-        </p:nvSpPr>
-        <p:spPr>
-          <a:xfrm>
-            <a:off x="11753030" y="6381328"/>
-            <a:ext cx="367414" cy="297000"/>
-          </a:xfrm>
-          <a:prstGeom prst="rect">
-            <a:avLst/>
-          </a:prstGeom>
-        </p:spPr>
-        <p:txBody>
-          <a:bodyPr vert="horz" lIns="91440" tIns="45720" rIns="91440" bIns="45720" rtlCol="0" anchor="b"/>
-          <a:lstStyle>
-            <a:lvl1pPr algn="r">
-              <a:defRPr sz="1000">
-                <a:latin typeface="Sofia Sans"/>
-              </a:defRPr>
-            </a:lvl1pPr>
-          </a:lstStyle>
-          <a:p>
-            <a:fld id="{91255838-AF34-487C-B8C5-2A5D031DFDF2}" type="slidenum">
-              <a:rPr lang="en-US" smtClean="0"/>
-              <a:pPr/>
-              <a:t>‹#›</a:t>
-            </a:fld>
-            <a:endParaRPr lang="en-US" dirty="0"/>
-          </a:p>
-        </p:txBody>
-      </p:sp>
-      <p:sp>
-        <p:nvSpPr>
-          <p:cNvPr id="7" name="Picture Placeholder">
-            <a:extLst>
-              <a:ext uri="{FF2B5EF4-FFF2-40B4-BE49-F238E27FC236}">
-                <a16:creationId xmlns:a16="http://schemas.microsoft.com/office/drawing/2014/main" id="{661B2E1F-AD69-908E-6EB7-ADFBFD9CF643}"/>
-              </a:ext>
-            </a:extLst>
-          </p:cNvPr>
-          <p:cNvSpPr>
-            <a:spLocks noGrp="1"/>
-          </p:cNvSpPr>
-          <p:nvPr>
-            <p:ph type="pic" sz="quarter" idx="11"/>
-          </p:nvPr>
-        </p:nvSpPr>
-        <p:spPr>
-          <a:xfrm>
-            <a:off x="215901" y="1151538"/>
-            <a:ext cx="3289340" cy="5502926"/>
-          </a:xfrm>
-        </p:spPr>
-        <p:txBody>
-          <a:bodyPr/>
-          <a:lstStyle/>
-          <a:p>
-            <a:endParaRPr lang="en-US" dirty="0"/>
-          </a:p>
-        </p:txBody>
-      </p:sp>
-      <p:sp>
-        <p:nvSpPr>
-          <p:cNvPr id="10" name="Rectangle Left First">
-            <a:extLst>
-              <a:ext uri="{FF2B5EF4-FFF2-40B4-BE49-F238E27FC236}">
-                <a16:creationId xmlns:a16="http://schemas.microsoft.com/office/drawing/2014/main" id="{AAB4D007-6B7A-6B58-EDED-111810A8F6D5}"/>
-              </a:ext>
-            </a:extLst>
-          </p:cNvPr>
-          <p:cNvSpPr/>
-          <p:nvPr userDrawn="1"/>
-        </p:nvSpPr>
-        <p:spPr>
-          <a:xfrm>
-            <a:off x="3574132" y="1151538"/>
-            <a:ext cx="147132" cy="5661838"/>
-          </a:xfrm>
-          <a:prstGeom prst="rect">
-            <a:avLst/>
-          </a:prstGeom>
-          <a:solidFill>
-            <a:schemeClr val="bg1"/>
-          </a:solidFill>
-          <a:ln>
-            <a:noFill/>
-          </a:ln>
-        </p:spPr>
-        <p:style>
-          <a:lnRef idx="2">
-            <a:schemeClr val="accent1">
-              <a:shade val="50000"/>
-            </a:schemeClr>
-          </a:lnRef>
-          <a:fillRef idx="1">
-            <a:schemeClr val="accent1"/>
-          </a:fillRef>
-          <a:effectRef idx="0">
-            <a:schemeClr val="accent1"/>
-          </a:effectRef>
-          <a:fontRef idx="minor">
-            <a:schemeClr val="lt1"/>
-          </a:fontRef>
-        </p:style>
-        <p:txBody>
-          <a:bodyPr rtlCol="0" anchor="ctr"/>
-          <a:lstStyle/>
-          <a:p>
-            <a:pPr marR="0" lvl="0" indent="0" algn="ctr" defTabSz="913852" fontAlgn="auto">
-              <a:lnSpc>
-                <a:spcPct val="100000"/>
-              </a:lnSpc>
-              <a:spcBef>
-                <a:spcPts val="0"/>
-              </a:spcBef>
-              <a:spcAft>
-                <a:spcPts val="0"/>
-              </a:spcAft>
-              <a:buClrTx/>
-              <a:buSzTx/>
-              <a:buFontTx/>
-              <a:buNone/>
-              <a:tabLst/>
-            </a:pPr>
-            <a:endParaRPr kumimoji="0" lang="en-US" altLang="ko-KR" sz="2398" b="0" i="0" u="none" strike="noStrike" cap="none" spc="0" normalizeH="0" baseline="0" noProof="0">
-              <a:ln>
-                <a:noFill/>
-              </a:ln>
-              <a:solidFill>
-                <a:srgbClr val="F7C86D"/>
-              </a:solidFill>
-              <a:effectLst/>
-              <a:uLnTx/>
-              <a:uFillTx/>
-              <a:latin typeface="Calibri" panose="020F0502020204030204"/>
-              <a:ea typeface="맑은 고딕" panose="020B0503020000020004" pitchFamily="34" charset="-127"/>
-            </a:endParaRPr>
-          </a:p>
-        </p:txBody>
-      </p:sp>
-      <p:sp>
-        <p:nvSpPr>
-          <p:cNvPr id="11" name="Rectangle Down">
-            <a:extLst>
-              <a:ext uri="{FF2B5EF4-FFF2-40B4-BE49-F238E27FC236}">
-                <a16:creationId xmlns:a16="http://schemas.microsoft.com/office/drawing/2014/main" id="{98401374-CCB4-0D07-3E79-5F359BE87B9C}"/>
-              </a:ext>
-            </a:extLst>
-          </p:cNvPr>
-          <p:cNvSpPr/>
-          <p:nvPr userDrawn="1"/>
-        </p:nvSpPr>
-        <p:spPr>
-          <a:xfrm>
-            <a:off x="2" y="6721482"/>
-            <a:ext cx="12188825" cy="136518"/>
-          </a:xfrm>
-          <a:prstGeom prst="rect">
-            <a:avLst/>
-          </a:prstGeom>
-          <a:solidFill>
-            <a:schemeClr val="bg1"/>
-          </a:solidFill>
-          <a:ln>
-            <a:noFill/>
-          </a:ln>
-        </p:spPr>
-        <p:style>
-          <a:lnRef idx="2">
-            <a:schemeClr val="accent1">
-              <a:shade val="50000"/>
-            </a:schemeClr>
-          </a:lnRef>
-          <a:fillRef idx="1">
-            <a:schemeClr val="accent1"/>
-          </a:fillRef>
-          <a:effectRef idx="0">
-            <a:schemeClr val="accent1"/>
-          </a:effectRef>
-          <a:fontRef idx="minor">
-            <a:schemeClr val="lt1"/>
-          </a:fontRef>
-        </p:style>
-        <p:txBody>
-          <a:bodyPr rtlCol="0" anchor="ctr"/>
-          <a:lstStyle/>
-          <a:p>
-            <a:pPr marR="0" lvl="0" indent="0" algn="ctr" defTabSz="913852" fontAlgn="auto">
-              <a:lnSpc>
-                <a:spcPct val="100000"/>
-              </a:lnSpc>
-              <a:spcBef>
-                <a:spcPts val="0"/>
-              </a:spcBef>
-              <a:spcAft>
-                <a:spcPts val="0"/>
-              </a:spcAft>
-              <a:buClrTx/>
-              <a:buSzTx/>
-              <a:buFontTx/>
-              <a:buNone/>
-              <a:tabLst/>
-            </a:pPr>
-            <a:endParaRPr kumimoji="0" lang="en-US" altLang="ko-KR" sz="2398" b="0" i="0" u="none" strike="noStrike" cap="none" spc="0" normalizeH="0" baseline="0" noProof="0">
-              <a:ln>
-                <a:noFill/>
-              </a:ln>
-              <a:solidFill>
-                <a:srgbClr val="F7C86D"/>
-              </a:solidFill>
-              <a:effectLst/>
-              <a:uLnTx/>
-              <a:uFillTx/>
-              <a:latin typeface="Calibri" panose="020F0502020204030204"/>
-              <a:ea typeface="맑은 고딕" panose="020B0503020000020004" pitchFamily="34" charset="-127"/>
-            </a:endParaRPr>
-          </a:p>
-        </p:txBody>
-      </p:sp>
-      <p:sp>
-        <p:nvSpPr>
-          <p:cNvPr id="3" name="Slide Body Text">
-            <a:extLst>
-              <a:ext uri="{FF2B5EF4-FFF2-40B4-BE49-F238E27FC236}">
-                <a16:creationId xmlns:a16="http://schemas.microsoft.com/office/drawing/2014/main" id="{3243DCDC-A3E9-DE13-928D-286A72FC392A}"/>
-              </a:ext>
-            </a:extLst>
-          </p:cNvPr>
-          <p:cNvSpPr txBox="1">
-            <a:spLocks noGrp="1"/>
-          </p:cNvSpPr>
-          <p:nvPr>
-            <p:ph type="body" idx="10" hasCustomPrompt="1"/>
-          </p:nvPr>
-        </p:nvSpPr>
-        <p:spPr>
-          <a:xfrm>
-            <a:off x="3790156" y="1152000"/>
-            <a:ext cx="8251539" cy="5502926"/>
-          </a:xfrm>
-          <a:prstGeom prst="rect">
-            <a:avLst/>
-          </a:prstGeom>
-        </p:spPr>
-        <p:txBody>
-          <a:bodyPr spcFirstLastPara="1" wrap="square" lIns="108000" tIns="36000" rIns="108000" bIns="36000" anchor="t" anchorCtr="0">
-            <a:normAutofit/>
-          </a:bodyPr>
-          <a:lstStyle>
-            <a:lvl1pPr marL="358775" lvl="0" indent="-360000">
-              <a:lnSpc>
-                <a:spcPct val="105000"/>
-              </a:lnSpc>
-              <a:spcBef>
-                <a:spcPts val="600"/>
-              </a:spcBef>
-              <a:spcAft>
-                <a:spcPts val="600"/>
-              </a:spcAft>
-              <a:buSzPct val="100000"/>
-              <a:buFont typeface="Wingdings" pitchFamily="2" charset="2"/>
-              <a:buChar char="§"/>
-              <a:defRPr sz="3400">
-                <a:solidFill>
-                  <a:schemeClr val="tx2"/>
-                </a:solidFill>
-                <a:latin typeface="+mn-lt"/>
-              </a:defRPr>
-            </a:lvl1pPr>
-            <a:lvl2pPr marL="803275" lvl="1" indent="-360000">
-              <a:lnSpc>
-                <a:spcPct val="105000"/>
-              </a:lnSpc>
-              <a:spcBef>
-                <a:spcPts val="600"/>
-              </a:spcBef>
-              <a:spcAft>
-                <a:spcPts val="600"/>
-              </a:spcAft>
-              <a:buSzPct val="100000"/>
-              <a:buFont typeface="Wingdings" pitchFamily="2" charset="2"/>
-              <a:buChar char="§"/>
-              <a:tabLst/>
-              <a:defRPr sz="3200">
-                <a:solidFill>
-                  <a:schemeClr val="tx2"/>
-                </a:solidFill>
-                <a:latin typeface="+mn-lt"/>
-              </a:defRPr>
-            </a:lvl2pPr>
-            <a:lvl3pPr marL="1260475" lvl="2" indent="-360000">
-              <a:lnSpc>
-                <a:spcPct val="105000"/>
-              </a:lnSpc>
-              <a:spcBef>
-                <a:spcPts val="600"/>
-              </a:spcBef>
-              <a:spcAft>
-                <a:spcPts val="600"/>
-              </a:spcAft>
-              <a:buSzPct val="100000"/>
-              <a:buFont typeface="Wingdings" pitchFamily="2" charset="2"/>
-              <a:buChar char="§"/>
-              <a:tabLst/>
-              <a:defRPr sz="3000">
-                <a:solidFill>
-                  <a:schemeClr val="tx2"/>
-                </a:solidFill>
-                <a:latin typeface="+mn-lt"/>
-              </a:defRPr>
-            </a:lvl3pPr>
-            <a:lvl4pPr marL="1704975" lvl="3" indent="-360000">
-              <a:lnSpc>
-                <a:spcPct val="105000"/>
-              </a:lnSpc>
-              <a:spcBef>
-                <a:spcPts val="600"/>
-              </a:spcBef>
-              <a:spcAft>
-                <a:spcPts val="600"/>
-              </a:spcAft>
-              <a:buSzPct val="100000"/>
-              <a:buFont typeface="Wingdings" pitchFamily="2" charset="2"/>
-              <a:buChar char="§"/>
-              <a:tabLst/>
-              <a:defRPr sz="2800">
-                <a:solidFill>
-                  <a:schemeClr val="tx2"/>
-                </a:solidFill>
-                <a:latin typeface="+mn-lt"/>
-              </a:defRPr>
-            </a:lvl4pPr>
-            <a:lvl5pPr marL="2149475" lvl="4" indent="-360000">
-              <a:lnSpc>
-                <a:spcPct val="105000"/>
-              </a:lnSpc>
-              <a:spcBef>
-                <a:spcPts val="600"/>
-              </a:spcBef>
-              <a:spcAft>
-                <a:spcPts val="600"/>
-              </a:spcAft>
-              <a:buSzPct val="100000"/>
-              <a:buFont typeface="Wingdings" pitchFamily="2" charset="2"/>
-              <a:buChar char="§"/>
-              <a:tabLst/>
-              <a:defRPr sz="2600">
-                <a:solidFill>
-                  <a:schemeClr val="tx2"/>
-                </a:solidFill>
-                <a:latin typeface="+mn-lt"/>
-              </a:defRPr>
-            </a:lvl5pPr>
-            <a:lvl6pPr marL="3656686" lvl="5" indent="-423228">
-              <a:spcBef>
-                <a:spcPts val="0"/>
-              </a:spcBef>
-              <a:spcAft>
-                <a:spcPts val="0"/>
-              </a:spcAft>
-              <a:buSzPts val="1400"/>
-              <a:buChar char="■"/>
-              <a:defRPr/>
-            </a:lvl6pPr>
-            <a:lvl7pPr marL="4266133" lvl="6" indent="-423228">
-              <a:spcBef>
-                <a:spcPts val="0"/>
-              </a:spcBef>
-              <a:spcAft>
-                <a:spcPts val="0"/>
-              </a:spcAft>
-              <a:buSzPts val="1400"/>
-              <a:buChar char="●"/>
-              <a:defRPr/>
-            </a:lvl7pPr>
-            <a:lvl8pPr marL="4875581" lvl="7" indent="-423228">
-              <a:spcBef>
-                <a:spcPts val="0"/>
-              </a:spcBef>
-              <a:spcAft>
-                <a:spcPts val="0"/>
-              </a:spcAft>
-              <a:buSzPts val="1400"/>
-              <a:buChar char="○"/>
-              <a:defRPr/>
-            </a:lvl8pPr>
-            <a:lvl9pPr marL="5485028" lvl="8" indent="-423228">
-              <a:spcBef>
-                <a:spcPts val="0"/>
-              </a:spcBef>
-              <a:spcAft>
-                <a:spcPts val="0"/>
-              </a:spcAft>
-              <a:buSzPts val="1400"/>
-              <a:buChar char="■"/>
-              <a:defRPr/>
-            </a:lvl9pPr>
-          </a:lstStyle>
-          <a:p>
-            <a:r>
-              <a:rPr lang="en-US" dirty="0"/>
-              <a:t>First Level</a:t>
-            </a:r>
-          </a:p>
-          <a:p>
-            <a:pPr lvl="1"/>
-            <a:r>
-              <a:rPr lang="en-US" dirty="0"/>
-              <a:t>Second Level</a:t>
-            </a:r>
-          </a:p>
-          <a:p>
-            <a:pPr lvl="2"/>
-            <a:r>
-              <a:rPr lang="en-US" dirty="0"/>
-              <a:t>Third Level</a:t>
-            </a:r>
-          </a:p>
-          <a:p>
-            <a:pPr lvl="3"/>
-            <a:r>
-              <a:rPr lang="en-US" dirty="0"/>
-              <a:t>Fourth Level</a:t>
-            </a:r>
-          </a:p>
-          <a:p>
-            <a:pPr lvl="4"/>
-            <a:r>
-              <a:rPr lang="en-US" dirty="0"/>
-              <a:t>Fifth Level</a:t>
-            </a:r>
-          </a:p>
-        </p:txBody>
-      </p:sp>
-      <p:pic>
-        <p:nvPicPr>
-          <p:cNvPr id="16" name="Slide Logo">
-            <a:extLst>
-              <a:ext uri="{FF2B5EF4-FFF2-40B4-BE49-F238E27FC236}">
-                <a16:creationId xmlns:a16="http://schemas.microsoft.com/office/drawing/2014/main" id="{794AB726-24CB-CE35-30AF-FAAB2A0A80C6}"/>
-              </a:ext>
-            </a:extLst>
-          </p:cNvPr>
-          <p:cNvPicPr preferRelativeResize="0"/>
-          <p:nvPr userDrawn="1"/>
-        </p:nvPicPr>
-        <p:blipFill>
-          <a:blip r:embed="rId2">
-            <a:extLst>
-              <a:ext uri="{96DAC541-7B7A-43D3-8B79-37D633B846F1}">
-                <asvg:svgBlip xmlns:asvg="http://schemas.microsoft.com/office/drawing/2016/SVG/main" r:embed="rId3"/>
-              </a:ext>
-            </a:extLst>
-          </a:blip>
-          <a:srcRect/>
-          <a:stretch/>
-        </p:blipFill>
-        <p:spPr>
-          <a:xfrm>
-            <a:off x="10185359" y="294198"/>
-            <a:ext cx="1799298" cy="528543"/>
-          </a:xfrm>
-          <a:prstGeom prst="rect">
-            <a:avLst/>
-          </a:prstGeom>
-          <a:noFill/>
-          <a:ln>
-            <a:noFill/>
-          </a:ln>
-        </p:spPr>
-      </p:pic>
-      <p:sp>
-        <p:nvSpPr>
-          <p:cNvPr id="17" name="Slide Title"/>
-          <p:cNvSpPr txBox="1">
-            <a:spLocks noGrp="1"/>
-          </p:cNvSpPr>
-          <p:nvPr>
-            <p:ph type="title" hasCustomPrompt="1"/>
-          </p:nvPr>
-        </p:nvSpPr>
-        <p:spPr>
-          <a:xfrm>
-            <a:off x="215999" y="144000"/>
-            <a:ext cx="9900977" cy="864000"/>
-          </a:xfrm>
-          <a:prstGeom prst="rect">
-            <a:avLst/>
-          </a:prstGeom>
-        </p:spPr>
-        <p:txBody>
-          <a:bodyPr spcFirstLastPara="1" wrap="square" lIns="91425" tIns="91425" rIns="91425" bIns="91425" anchor="ctr" anchorCtr="0">
-            <a:noAutofit/>
-          </a:bodyPr>
-          <a:lstStyle>
-            <a:lvl1pPr lvl="0">
-              <a:spcBef>
-                <a:spcPts val="0"/>
-              </a:spcBef>
-              <a:spcAft>
-                <a:spcPts val="0"/>
-              </a:spcAft>
-              <a:buSzPts val="2800"/>
-              <a:buNone/>
-              <a:defRPr sz="4400" b="1">
-                <a:solidFill>
-                  <a:schemeClr val="tx2"/>
-                </a:solidFill>
-                <a:latin typeface="Sofia Sans" pitchFamily="2" charset="0"/>
-              </a:defRPr>
-            </a:lvl1pPr>
-            <a:lvl2pPr lvl="1">
-              <a:spcBef>
-                <a:spcPts val="0"/>
-              </a:spcBef>
-              <a:spcAft>
-                <a:spcPts val="0"/>
-              </a:spcAft>
-              <a:buSzPts val="2800"/>
-              <a:buNone/>
-              <a:defRPr/>
-            </a:lvl2pPr>
-            <a:lvl3pPr lvl="2">
-              <a:spcBef>
-                <a:spcPts val="0"/>
-              </a:spcBef>
-              <a:spcAft>
-                <a:spcPts val="0"/>
-              </a:spcAft>
-              <a:buSzPts val="2800"/>
-              <a:buNone/>
-              <a:defRPr/>
-            </a:lvl3pPr>
-            <a:lvl4pPr lvl="3">
-              <a:spcBef>
-                <a:spcPts val="0"/>
-              </a:spcBef>
-              <a:spcAft>
-                <a:spcPts val="0"/>
-              </a:spcAft>
-              <a:buSzPts val="2800"/>
-              <a:buNone/>
-              <a:defRPr/>
-            </a:lvl4pPr>
-            <a:lvl5pPr lvl="4">
-              <a:spcBef>
-                <a:spcPts val="0"/>
-              </a:spcBef>
-              <a:spcAft>
-                <a:spcPts val="0"/>
-              </a:spcAft>
-              <a:buSzPts val="2800"/>
-              <a:buNone/>
-              <a:defRPr/>
-            </a:lvl5pPr>
-            <a:lvl6pPr lvl="5">
-              <a:spcBef>
-                <a:spcPts val="0"/>
-              </a:spcBef>
-              <a:spcAft>
-                <a:spcPts val="0"/>
-              </a:spcAft>
-              <a:buSzPts val="2800"/>
-              <a:buNone/>
-              <a:defRPr/>
-            </a:lvl6pPr>
-            <a:lvl7pPr lvl="6">
-              <a:spcBef>
-                <a:spcPts val="0"/>
-              </a:spcBef>
-              <a:spcAft>
-                <a:spcPts val="0"/>
-              </a:spcAft>
-              <a:buSzPts val="2800"/>
-              <a:buNone/>
-              <a:defRPr/>
-            </a:lvl7pPr>
-            <a:lvl8pPr lvl="7">
-              <a:spcBef>
-                <a:spcPts val="0"/>
-              </a:spcBef>
-              <a:spcAft>
-                <a:spcPts val="0"/>
-              </a:spcAft>
-              <a:buSzPts val="2800"/>
-              <a:buNone/>
-              <a:defRPr/>
-            </a:lvl8pPr>
-            <a:lvl9pPr lvl="8">
-              <a:spcBef>
-                <a:spcPts val="0"/>
-              </a:spcBef>
-              <a:spcAft>
-                <a:spcPts val="0"/>
-              </a:spcAft>
-              <a:buSzPts val="2800"/>
-              <a:buNone/>
-              <a:defRPr/>
-            </a:lvl9pPr>
-          </a:lstStyle>
-          <a:p>
-            <a:r>
-              <a:rPr lang="en-US" dirty="0"/>
-              <a:t>Slide Title</a:t>
-            </a:r>
-            <a:endParaRPr dirty="0"/>
-          </a:p>
-        </p:txBody>
-      </p:sp>
-    </p:spTree>
-    <p:extLst>
-      <p:ext uri="{BB962C8B-B14F-4D97-AF65-F5344CB8AC3E}">
-        <p14:creationId xmlns:p14="http://schemas.microsoft.com/office/powerpoint/2010/main" val="1212264112"/>
-      </p:ext>
-    </p:extLst>
-  </p:cSld>
-  <p:clrMapOvr>
-    <a:masterClrMapping/>
-  </p:clrMapOvr>
-</p:sldLayout>
-</file>
-
-<file path=ppt/slideLayouts/slideLayout18.xml><?xml version="1.0" encoding="utf-8"?>
-<p:sldLayout xmlns:a="http://schemas.openxmlformats.org/drawingml/2006/main" xmlns:r="http://schemas.openxmlformats.org/officeDocument/2006/relationships" xmlns:p="http://schemas.openxmlformats.org/presentationml/2006/main" matchingName="Title and body" userDrawn="1">
-  <p:cSld name="1_Title and body">
-    <p:spTree>
-      <p:nvGrpSpPr>
-        <p:cNvPr id="1" name="Shape 16"/>
-        <p:cNvGrpSpPr/>
-        <p:nvPr/>
-      </p:nvGrpSpPr>
-      <p:grpSpPr>
-        <a:xfrm>
-          <a:off x="0" y="0"/>
-          <a:ext cx="0" cy="0"/>
-          <a:chOff x="0" y="0"/>
-          <a:chExt cx="0" cy="0"/>
-        </a:xfrm>
-      </p:grpSpPr>
-      <p:sp>
-        <p:nvSpPr>
-          <p:cNvPr id="5" name="Slide Number">
-            <a:extLst>
-              <a:ext uri="{FF2B5EF4-FFF2-40B4-BE49-F238E27FC236}">
-                <a16:creationId xmlns:a16="http://schemas.microsoft.com/office/drawing/2014/main" id="{06B780C3-B38F-0399-3652-9055B08BC693}"/>
-              </a:ext>
-            </a:extLst>
-          </p:cNvPr>
-          <p:cNvSpPr>
-            <a:spLocks noGrp="1"/>
-          </p:cNvSpPr>
-          <p:nvPr>
-            <p:ph type="sldNum" sz="quarter" idx="5"/>
-          </p:nvPr>
-        </p:nvSpPr>
-        <p:spPr>
-          <a:xfrm>
-            <a:off x="11753030" y="6507000"/>
-            <a:ext cx="367414" cy="297000"/>
-          </a:xfrm>
-          <a:prstGeom prst="rect">
-            <a:avLst/>
-          </a:prstGeom>
-        </p:spPr>
-        <p:txBody>
-          <a:bodyPr vert="horz" lIns="91440" tIns="45720" rIns="91440" bIns="45720" rtlCol="0" anchor="b"/>
-          <a:lstStyle>
-            <a:lvl1pPr algn="r">
-              <a:defRPr sz="1000">
-                <a:latin typeface="Sofia Sans"/>
-              </a:defRPr>
-            </a:lvl1pPr>
-          </a:lstStyle>
-          <a:p>
-            <a:fld id="{91255838-AF34-487C-B8C5-2A5D031DFDF2}" type="slidenum">
-              <a:rPr lang="en-US" smtClean="0"/>
-              <a:pPr/>
-              <a:t>‹#›</a:t>
-            </a:fld>
-            <a:endParaRPr lang="en-US" dirty="0"/>
-          </a:p>
-        </p:txBody>
-      </p:sp>
-      <p:sp>
-        <p:nvSpPr>
-          <p:cNvPr id="2" name="Rectangle Left">
-            <a:extLst>
-              <a:ext uri="{FF2B5EF4-FFF2-40B4-BE49-F238E27FC236}">
-                <a16:creationId xmlns:a16="http://schemas.microsoft.com/office/drawing/2014/main" id="{5DFB7E94-A213-E4D1-AD54-F8DC8BC61341}"/>
-              </a:ext>
-            </a:extLst>
-          </p:cNvPr>
-          <p:cNvSpPr/>
-          <p:nvPr userDrawn="1"/>
-        </p:nvSpPr>
-        <p:spPr>
-          <a:xfrm>
-            <a:off x="0" y="14067"/>
-            <a:ext cx="1251674" cy="6858000"/>
-          </a:xfrm>
-          <a:prstGeom prst="rect">
-            <a:avLst/>
-          </a:prstGeom>
-          <a:solidFill>
-            <a:schemeClr val="bg1"/>
-          </a:solidFill>
-          <a:ln w="9525" cap="flat" cmpd="sng">
-            <a:solidFill>
-              <a:srgbClr val="4E9BF8"/>
-            </a:solidFill>
-            <a:prstDash val="solid"/>
-            <a:round/>
-            <a:headEnd type="none" w="sm" len="sm"/>
-            <a:tailEnd type="none" w="sm" len="sm"/>
-          </a:ln>
-        </p:spPr>
-        <p:txBody>
-          <a:bodyPr spcFirstLastPara="1" wrap="square" lIns="121868" tIns="121868" rIns="121868" bIns="121868" anchor="ctr" anchorCtr="0">
-            <a:noAutofit/>
-          </a:bodyPr>
-          <a:lstStyle/>
-          <a:p>
-            <a:pPr marL="0" lvl="0" indent="0" algn="ctr" rtl="0">
-              <a:spcBef>
-                <a:spcPts val="0"/>
-              </a:spcBef>
-              <a:spcAft>
-                <a:spcPts val="0"/>
-              </a:spcAft>
-              <a:buNone/>
-            </a:pPr>
-            <a:endParaRPr sz="2487" dirty="0"/>
-          </a:p>
-        </p:txBody>
-      </p:sp>
-      <p:pic>
-        <p:nvPicPr>
-          <p:cNvPr id="8" name="Icon Left">
-            <a:extLst>
-              <a:ext uri="{FF2B5EF4-FFF2-40B4-BE49-F238E27FC236}">
-                <a16:creationId xmlns:a16="http://schemas.microsoft.com/office/drawing/2014/main" id="{E12A1BAD-62AD-18B1-142E-EE65036FE774}"/>
-              </a:ext>
-            </a:extLst>
-          </p:cNvPr>
-          <p:cNvPicPr>
-            <a:picLocks noChangeAspect="1"/>
-          </p:cNvPicPr>
-          <p:nvPr userDrawn="1"/>
-        </p:nvPicPr>
-        <p:blipFill>
-          <a:blip r:embed="rId2"/>
-          <a:stretch>
-            <a:fillRect/>
-          </a:stretch>
-        </p:blipFill>
-        <p:spPr>
-          <a:xfrm>
-            <a:off x="111211" y="4077072"/>
-            <a:ext cx="2237426" cy="2499577"/>
-          </a:xfrm>
-          <a:prstGeom prst="rect">
-            <a:avLst/>
-          </a:prstGeom>
-        </p:spPr>
-      </p:pic>
-      <p:sp>
-        <p:nvSpPr>
-          <p:cNvPr id="3" name="Slide Body Text">
-            <a:extLst>
-              <a:ext uri="{FF2B5EF4-FFF2-40B4-BE49-F238E27FC236}">
-                <a16:creationId xmlns:a16="http://schemas.microsoft.com/office/drawing/2014/main" id="{3243DCDC-A3E9-DE13-928D-286A72FC392A}"/>
-              </a:ext>
-            </a:extLst>
-          </p:cNvPr>
-          <p:cNvSpPr txBox="1">
-            <a:spLocks noGrp="1"/>
-          </p:cNvSpPr>
-          <p:nvPr>
-            <p:ph type="body" idx="10" hasCustomPrompt="1"/>
-          </p:nvPr>
-        </p:nvSpPr>
-        <p:spPr>
-          <a:xfrm>
-            <a:off x="1629916" y="1152000"/>
-            <a:ext cx="10411779" cy="5562000"/>
-          </a:xfrm>
-          <a:prstGeom prst="rect">
-            <a:avLst/>
-          </a:prstGeom>
-        </p:spPr>
-        <p:txBody>
-          <a:bodyPr spcFirstLastPara="1" wrap="square" lIns="108000" tIns="36000" rIns="108000" bIns="36000" anchor="t" anchorCtr="0">
-            <a:normAutofit/>
-          </a:bodyPr>
-          <a:lstStyle>
-            <a:lvl1pPr marL="358775" lvl="0" indent="-360000">
-              <a:lnSpc>
-                <a:spcPct val="105000"/>
-              </a:lnSpc>
-              <a:spcBef>
-                <a:spcPts val="600"/>
-              </a:spcBef>
-              <a:spcAft>
-                <a:spcPts val="600"/>
-              </a:spcAft>
-              <a:buSzPct val="100000"/>
-              <a:buFont typeface="Wingdings" pitchFamily="2" charset="2"/>
-              <a:buChar char="§"/>
-              <a:defRPr sz="3400">
-                <a:solidFill>
-                  <a:schemeClr val="tx2"/>
-                </a:solidFill>
-                <a:latin typeface="+mn-lt"/>
-              </a:defRPr>
-            </a:lvl1pPr>
-            <a:lvl2pPr marL="803275" lvl="1" indent="-360000">
-              <a:lnSpc>
-                <a:spcPct val="105000"/>
-              </a:lnSpc>
-              <a:spcBef>
-                <a:spcPts val="600"/>
-              </a:spcBef>
-              <a:spcAft>
-                <a:spcPts val="600"/>
-              </a:spcAft>
-              <a:buSzPct val="100000"/>
-              <a:buFont typeface="Wingdings" pitchFamily="2" charset="2"/>
-              <a:buChar char="§"/>
-              <a:tabLst/>
-              <a:defRPr sz="3200">
-                <a:solidFill>
-                  <a:schemeClr val="tx2"/>
-                </a:solidFill>
-                <a:latin typeface="+mn-lt"/>
-              </a:defRPr>
-            </a:lvl2pPr>
-            <a:lvl3pPr marL="1260475" lvl="2" indent="-360000">
-              <a:lnSpc>
-                <a:spcPct val="105000"/>
-              </a:lnSpc>
-              <a:spcBef>
-                <a:spcPts val="600"/>
-              </a:spcBef>
-              <a:spcAft>
-                <a:spcPts val="600"/>
-              </a:spcAft>
-              <a:buSzPct val="100000"/>
-              <a:buFont typeface="Wingdings" pitchFamily="2" charset="2"/>
-              <a:buChar char="§"/>
-              <a:tabLst/>
-              <a:defRPr sz="3000">
-                <a:solidFill>
-                  <a:schemeClr val="tx2"/>
-                </a:solidFill>
-                <a:latin typeface="+mn-lt"/>
-              </a:defRPr>
-            </a:lvl3pPr>
-            <a:lvl4pPr marL="1704975" lvl="3" indent="-360000">
-              <a:lnSpc>
-                <a:spcPct val="105000"/>
-              </a:lnSpc>
-              <a:spcBef>
-                <a:spcPts val="600"/>
-              </a:spcBef>
-              <a:spcAft>
-                <a:spcPts val="600"/>
-              </a:spcAft>
-              <a:buSzPct val="100000"/>
-              <a:buFont typeface="Wingdings" pitchFamily="2" charset="2"/>
-              <a:buChar char="§"/>
-              <a:tabLst/>
-              <a:defRPr sz="2800">
-                <a:solidFill>
-                  <a:schemeClr val="tx2"/>
-                </a:solidFill>
-                <a:latin typeface="+mn-lt"/>
-              </a:defRPr>
-            </a:lvl4pPr>
-            <a:lvl5pPr marL="2149475" lvl="4" indent="-360000">
-              <a:lnSpc>
-                <a:spcPct val="105000"/>
-              </a:lnSpc>
-              <a:spcBef>
-                <a:spcPts val="600"/>
-              </a:spcBef>
-              <a:spcAft>
-                <a:spcPts val="600"/>
-              </a:spcAft>
-              <a:buSzPct val="100000"/>
-              <a:buFont typeface="Wingdings" pitchFamily="2" charset="2"/>
-              <a:buChar char="§"/>
-              <a:tabLst/>
-              <a:defRPr sz="2600">
-                <a:solidFill>
-                  <a:schemeClr val="tx2"/>
-                </a:solidFill>
-                <a:latin typeface="+mn-lt"/>
-              </a:defRPr>
-            </a:lvl5pPr>
-            <a:lvl6pPr marL="3656686" lvl="5" indent="-423228">
-              <a:spcBef>
-                <a:spcPts val="0"/>
-              </a:spcBef>
-              <a:spcAft>
-                <a:spcPts val="0"/>
-              </a:spcAft>
-              <a:buSzPts val="1400"/>
-              <a:buChar char="■"/>
-              <a:defRPr/>
-            </a:lvl6pPr>
-            <a:lvl7pPr marL="4266133" lvl="6" indent="-423228">
-              <a:spcBef>
-                <a:spcPts val="0"/>
-              </a:spcBef>
-              <a:spcAft>
-                <a:spcPts val="0"/>
-              </a:spcAft>
-              <a:buSzPts val="1400"/>
-              <a:buChar char="●"/>
-              <a:defRPr/>
-            </a:lvl7pPr>
-            <a:lvl8pPr marL="4875581" lvl="7" indent="-423228">
-              <a:spcBef>
-                <a:spcPts val="0"/>
-              </a:spcBef>
-              <a:spcAft>
-                <a:spcPts val="0"/>
-              </a:spcAft>
-              <a:buSzPts val="1400"/>
-              <a:buChar char="○"/>
-              <a:defRPr/>
-            </a:lvl8pPr>
-            <a:lvl9pPr marL="5485028" lvl="8" indent="-423228">
-              <a:spcBef>
-                <a:spcPts val="0"/>
-              </a:spcBef>
-              <a:spcAft>
-                <a:spcPts val="0"/>
-              </a:spcAft>
-              <a:buSzPts val="1400"/>
-              <a:buChar char="■"/>
-              <a:defRPr/>
-            </a:lvl9pPr>
-          </a:lstStyle>
-          <a:p>
-            <a:r>
-              <a:rPr lang="en-US" dirty="0"/>
-              <a:t>First Level</a:t>
-            </a:r>
-          </a:p>
-          <a:p>
-            <a:pPr lvl="1"/>
-            <a:r>
-              <a:rPr lang="en-US" dirty="0"/>
-              <a:t>Second Level</a:t>
-            </a:r>
-          </a:p>
-          <a:p>
-            <a:pPr lvl="2"/>
-            <a:r>
-              <a:rPr lang="en-US" dirty="0"/>
-              <a:t>Third Level</a:t>
-            </a:r>
-          </a:p>
-          <a:p>
-            <a:pPr lvl="3"/>
-            <a:r>
-              <a:rPr lang="en-US" dirty="0"/>
-              <a:t>Fourth Level</a:t>
-            </a:r>
-          </a:p>
-          <a:p>
-            <a:pPr lvl="4"/>
-            <a:r>
-              <a:rPr lang="en-US" dirty="0"/>
-              <a:t>Fifth Level</a:t>
-            </a:r>
-          </a:p>
-        </p:txBody>
-      </p:sp>
-      <p:pic>
-        <p:nvPicPr>
-          <p:cNvPr id="7" name="Slide Logo">
-            <a:extLst>
-              <a:ext uri="{FF2B5EF4-FFF2-40B4-BE49-F238E27FC236}">
-                <a16:creationId xmlns:a16="http://schemas.microsoft.com/office/drawing/2014/main" id="{15D216E2-5E06-A42E-3D5D-60C3865B4156}"/>
-              </a:ext>
-            </a:extLst>
-          </p:cNvPr>
-          <p:cNvPicPr preferRelativeResize="0"/>
-          <p:nvPr userDrawn="1"/>
-        </p:nvPicPr>
-        <p:blipFill>
-          <a:blip r:embed="rId3">
-            <a:extLst>
-              <a:ext uri="{96DAC541-7B7A-43D3-8B79-37D633B846F1}">
-                <asvg:svgBlip xmlns:asvg="http://schemas.microsoft.com/office/drawing/2016/SVG/main" r:embed="rId4"/>
-              </a:ext>
-            </a:extLst>
-          </a:blip>
-          <a:srcRect/>
-          <a:stretch/>
-        </p:blipFill>
-        <p:spPr>
-          <a:xfrm>
-            <a:off x="10185359" y="294198"/>
-            <a:ext cx="1799298" cy="528543"/>
-          </a:xfrm>
-          <a:prstGeom prst="rect">
-            <a:avLst/>
-          </a:prstGeom>
-          <a:noFill/>
-          <a:ln>
-            <a:noFill/>
-          </a:ln>
-        </p:spPr>
-      </p:pic>
-      <p:sp>
-        <p:nvSpPr>
-          <p:cNvPr id="17" name="Slide Title"/>
-          <p:cNvSpPr txBox="1">
-            <a:spLocks noGrp="1"/>
-          </p:cNvSpPr>
-          <p:nvPr>
-            <p:ph type="title" hasCustomPrompt="1"/>
-          </p:nvPr>
-        </p:nvSpPr>
-        <p:spPr>
-          <a:xfrm>
-            <a:off x="1440000" y="144000"/>
-            <a:ext cx="8614852" cy="864000"/>
-          </a:xfrm>
-          <a:prstGeom prst="rect">
-            <a:avLst/>
-          </a:prstGeom>
-        </p:spPr>
-        <p:txBody>
-          <a:bodyPr spcFirstLastPara="1" wrap="square" lIns="91425" tIns="91425" rIns="91425" bIns="91425" anchor="ctr" anchorCtr="0">
-            <a:noAutofit/>
-          </a:bodyPr>
-          <a:lstStyle>
-            <a:lvl1pPr lvl="0">
-              <a:spcBef>
-                <a:spcPts val="0"/>
-              </a:spcBef>
-              <a:spcAft>
-                <a:spcPts val="0"/>
-              </a:spcAft>
-              <a:buSzPts val="2800"/>
-              <a:buNone/>
-              <a:defRPr sz="4400" b="1">
-                <a:solidFill>
-                  <a:schemeClr val="tx2"/>
-                </a:solidFill>
-                <a:latin typeface="Sofia Sans" pitchFamily="2" charset="0"/>
-              </a:defRPr>
-            </a:lvl1pPr>
-            <a:lvl2pPr lvl="1">
-              <a:spcBef>
-                <a:spcPts val="0"/>
-              </a:spcBef>
-              <a:spcAft>
-                <a:spcPts val="0"/>
-              </a:spcAft>
-              <a:buSzPts val="2800"/>
-              <a:buNone/>
-              <a:defRPr/>
-            </a:lvl2pPr>
-            <a:lvl3pPr lvl="2">
-              <a:spcBef>
-                <a:spcPts val="0"/>
-              </a:spcBef>
-              <a:spcAft>
-                <a:spcPts val="0"/>
-              </a:spcAft>
-              <a:buSzPts val="2800"/>
-              <a:buNone/>
-              <a:defRPr/>
-            </a:lvl3pPr>
-            <a:lvl4pPr lvl="3">
-              <a:spcBef>
-                <a:spcPts val="0"/>
-              </a:spcBef>
-              <a:spcAft>
-                <a:spcPts val="0"/>
-              </a:spcAft>
-              <a:buSzPts val="2800"/>
-              <a:buNone/>
-              <a:defRPr/>
-            </a:lvl4pPr>
-            <a:lvl5pPr lvl="4">
-              <a:spcBef>
-                <a:spcPts val="0"/>
-              </a:spcBef>
-              <a:spcAft>
-                <a:spcPts val="0"/>
-              </a:spcAft>
-              <a:buSzPts val="2800"/>
-              <a:buNone/>
-              <a:defRPr/>
-            </a:lvl5pPr>
-            <a:lvl6pPr lvl="5">
-              <a:spcBef>
-                <a:spcPts val="0"/>
-              </a:spcBef>
-              <a:spcAft>
-                <a:spcPts val="0"/>
-              </a:spcAft>
-              <a:buSzPts val="2800"/>
-              <a:buNone/>
-              <a:defRPr/>
-            </a:lvl6pPr>
-            <a:lvl7pPr lvl="6">
-              <a:spcBef>
-                <a:spcPts val="0"/>
-              </a:spcBef>
-              <a:spcAft>
-                <a:spcPts val="0"/>
-              </a:spcAft>
-              <a:buSzPts val="2800"/>
-              <a:buNone/>
-              <a:defRPr/>
-            </a:lvl7pPr>
-            <a:lvl8pPr lvl="7">
-              <a:spcBef>
-                <a:spcPts val="0"/>
-              </a:spcBef>
-              <a:spcAft>
-                <a:spcPts val="0"/>
-              </a:spcAft>
-              <a:buSzPts val="2800"/>
-              <a:buNone/>
-              <a:defRPr/>
-            </a:lvl8pPr>
-            <a:lvl9pPr lvl="8">
-              <a:spcBef>
-                <a:spcPts val="0"/>
-              </a:spcBef>
-              <a:spcAft>
-                <a:spcPts val="0"/>
-              </a:spcAft>
-              <a:buSzPts val="2800"/>
-              <a:buNone/>
-              <a:defRPr/>
-            </a:lvl9pPr>
-          </a:lstStyle>
-          <a:p>
-            <a:r>
-              <a:rPr lang="en-US" dirty="0"/>
-              <a:t>Slide Title</a:t>
-            </a:r>
-            <a:endParaRPr dirty="0"/>
-          </a:p>
-        </p:txBody>
-      </p:sp>
-    </p:spTree>
-    <p:extLst>
-      <p:ext uri="{BB962C8B-B14F-4D97-AF65-F5344CB8AC3E}">
-        <p14:creationId xmlns:p14="http://schemas.microsoft.com/office/powerpoint/2010/main" val="4242026878"/>
-      </p:ext>
-    </p:extLst>
-  </p:cSld>
-  <p:clrMapOvr>
-    <a:masterClrMapping/>
-  </p:clrMapOvr>
-</p:sldLayout>
-</file>
-
-<file path=ppt/slideLayouts/slideLayout19.xml><?xml version="1.0" encoding="utf-8"?>
-<p:sldLayout xmlns:a="http://schemas.openxmlformats.org/drawingml/2006/main" xmlns:r="http://schemas.openxmlformats.org/officeDocument/2006/relationships" xmlns:p="http://schemas.openxmlformats.org/presentationml/2006/main" matchingName="Blank" userDrawn="1">
-  <p:cSld name="Blank">
-    <p:spTree>
-      <p:nvGrpSpPr>
-        <p:cNvPr id="1" name="Shape 48"/>
-        <p:cNvGrpSpPr/>
-        <p:nvPr/>
-      </p:nvGrpSpPr>
-      <p:grpSpPr>
-        <a:xfrm>
-          <a:off x="0" y="0"/>
-          <a:ext cx="0" cy="0"/>
-          <a:chOff x="0" y="0"/>
-          <a:chExt cx="0" cy="0"/>
-        </a:xfrm>
-      </p:grpSpPr>
-      <p:sp>
-        <p:nvSpPr>
-          <p:cNvPr id="6" name="Rectangle Down">
-            <a:extLst>
-              <a:ext uri="{FF2B5EF4-FFF2-40B4-BE49-F238E27FC236}">
-                <a16:creationId xmlns:a16="http://schemas.microsoft.com/office/drawing/2014/main" id="{8234C928-006D-B7C6-337E-2F10B1F2F6E0}"/>
-              </a:ext>
-            </a:extLst>
-          </p:cNvPr>
-          <p:cNvSpPr/>
-          <p:nvPr userDrawn="1"/>
-        </p:nvSpPr>
-        <p:spPr>
-          <a:xfrm rot="5400000">
-            <a:off x="5865342" y="535456"/>
-            <a:ext cx="459738" cy="12190425"/>
-          </a:xfrm>
-          <a:prstGeom prst="rect">
-            <a:avLst/>
-          </a:prstGeom>
-          <a:solidFill>
-            <a:schemeClr val="bg1"/>
-          </a:solidFill>
-          <a:ln w="9525" cap="flat" cmpd="sng">
-            <a:solidFill>
-              <a:srgbClr val="4E9BF8"/>
-            </a:solidFill>
-            <a:prstDash val="solid"/>
-            <a:round/>
-            <a:headEnd type="none" w="sm" len="sm"/>
-            <a:tailEnd type="none" w="sm" len="sm"/>
-          </a:ln>
-        </p:spPr>
-        <p:txBody>
-          <a:bodyPr spcFirstLastPara="1" wrap="square" lIns="121868" tIns="121868" rIns="121868" bIns="121868" anchor="ctr" anchorCtr="0">
-            <a:noAutofit/>
-          </a:bodyPr>
-          <a:lstStyle/>
-          <a:p>
-            <a:pPr marL="0" lvl="0" indent="0" algn="ctr">
-              <a:buNone/>
-            </a:pPr>
-            <a:endParaRPr sz="2487" dirty="0"/>
-          </a:p>
-        </p:txBody>
-      </p:sp>
-      <p:grpSp>
-        <p:nvGrpSpPr>
-          <p:cNvPr id="5" name="Logo Circle">
-            <a:extLst>
-              <a:ext uri="{FF2B5EF4-FFF2-40B4-BE49-F238E27FC236}">
-                <a16:creationId xmlns:a16="http://schemas.microsoft.com/office/drawing/2014/main" id="{EA61396F-3089-0130-8EF5-AA1B0FA72F99}"/>
-              </a:ext>
-            </a:extLst>
-          </p:cNvPr>
-          <p:cNvGrpSpPr/>
-          <p:nvPr userDrawn="1"/>
-        </p:nvGrpSpPr>
-        <p:grpSpPr>
-          <a:xfrm>
-            <a:off x="5302323" y="5095344"/>
-            <a:ext cx="1656185" cy="1656184"/>
-            <a:chOff x="5238948" y="4810049"/>
-            <a:chExt cx="1656185" cy="1656184"/>
-          </a:xfrm>
-        </p:grpSpPr>
-        <p:sp>
-          <p:nvSpPr>
-            <p:cNvPr id="7" name="Logo Oval">
-              <a:extLst>
-                <a:ext uri="{FF2B5EF4-FFF2-40B4-BE49-F238E27FC236}">
-                  <a16:creationId xmlns:a16="http://schemas.microsoft.com/office/drawing/2014/main" id="{1DF0A708-7042-01E1-C5B1-B8AA783A7744}"/>
-                </a:ext>
-              </a:extLst>
-            </p:cNvPr>
-            <p:cNvSpPr/>
-            <p:nvPr userDrawn="1"/>
-          </p:nvSpPr>
-          <p:spPr>
-            <a:xfrm>
-              <a:off x="5238948" y="4810049"/>
-              <a:ext cx="1656185" cy="1656184"/>
-            </a:xfrm>
-            <a:prstGeom prst="ellipse">
-              <a:avLst/>
-            </a:prstGeom>
-            <a:solidFill>
-              <a:srgbClr val="FFFFFF"/>
-            </a:solidFill>
-            <a:ln w="19050" cap="flat" cmpd="sng">
-              <a:solidFill>
-                <a:schemeClr val="tx1"/>
-              </a:solidFill>
-              <a:prstDash val="solid"/>
-              <a:round/>
-              <a:headEnd type="none" w="sm" len="sm"/>
-              <a:tailEnd type="none" w="sm" len="sm"/>
-            </a:ln>
-          </p:spPr>
-          <p:txBody>
-            <a:bodyPr spcFirstLastPara="1" wrap="square" lIns="121868" tIns="121868" rIns="121868" bIns="121868" anchor="ctr" anchorCtr="0">
-              <a:noAutofit/>
-            </a:bodyPr>
-            <a:lstStyle/>
-            <a:p>
-              <a:pPr marL="0" lvl="0" indent="0" algn="ctr" rtl="0">
-                <a:spcBef>
-                  <a:spcPts val="0"/>
-                </a:spcBef>
-                <a:spcAft>
-                  <a:spcPts val="0"/>
-                </a:spcAft>
-                <a:buNone/>
-              </a:pPr>
-              <a:endParaRPr sz="2487" dirty="0"/>
-            </a:p>
-          </p:txBody>
-        </p:sp>
-        <p:pic>
-          <p:nvPicPr>
-            <p:cNvPr id="9" name="Logo Text">
-              <a:extLst>
-                <a:ext uri="{FF2B5EF4-FFF2-40B4-BE49-F238E27FC236}">
-                  <a16:creationId xmlns:a16="http://schemas.microsoft.com/office/drawing/2014/main" id="{A341A768-FD01-762E-2F47-0A3A891A9E65}"/>
-                </a:ext>
-              </a:extLst>
-            </p:cNvPr>
-            <p:cNvPicPr preferRelativeResize="0"/>
-            <p:nvPr userDrawn="1"/>
-          </p:nvPicPr>
-          <p:blipFill rotWithShape="1">
-            <a:blip r:embed="rId2">
-              <a:alphaModFix amt="81000"/>
-            </a:blip>
-            <a:srcRect l="47151"/>
-            <a:stretch/>
-          </p:blipFill>
-          <p:spPr>
-            <a:xfrm>
-              <a:off x="5606975" y="5625768"/>
-              <a:ext cx="950919" cy="638633"/>
-            </a:xfrm>
-            <a:prstGeom prst="rect">
-              <a:avLst/>
-            </a:prstGeom>
-            <a:noFill/>
-            <a:ln>
-              <a:noFill/>
-            </a:ln>
-          </p:spPr>
-        </p:pic>
-        <p:pic>
-          <p:nvPicPr>
-            <p:cNvPr id="8" name="Logo Image">
-              <a:extLst>
-                <a:ext uri="{FF2B5EF4-FFF2-40B4-BE49-F238E27FC236}">
-                  <a16:creationId xmlns:a16="http://schemas.microsoft.com/office/drawing/2014/main" id="{C21A3CEB-BD8D-DA29-2E73-1B8C3DB848AB}"/>
-                </a:ext>
-              </a:extLst>
-            </p:cNvPr>
-            <p:cNvPicPr preferRelativeResize="0"/>
-            <p:nvPr userDrawn="1"/>
-          </p:nvPicPr>
-          <p:blipFill rotWithShape="1">
-            <a:blip r:embed="rId2">
-              <a:alphaModFix amt="81000"/>
-            </a:blip>
-            <a:srcRect r="53639"/>
-            <a:stretch/>
-          </p:blipFill>
-          <p:spPr>
-            <a:xfrm>
-              <a:off x="5665361" y="5015192"/>
-              <a:ext cx="834149" cy="638633"/>
-            </a:xfrm>
-            <a:prstGeom prst="rect">
-              <a:avLst/>
-            </a:prstGeom>
-            <a:noFill/>
-            <a:ln>
-              <a:noFill/>
-            </a:ln>
-          </p:spPr>
-        </p:pic>
-      </p:grpSp>
-      <p:sp>
-        <p:nvSpPr>
-          <p:cNvPr id="11" name="Slide Number">
-            <a:extLst>
-              <a:ext uri="{FF2B5EF4-FFF2-40B4-BE49-F238E27FC236}">
-                <a16:creationId xmlns:a16="http://schemas.microsoft.com/office/drawing/2014/main" id="{D22A4FF6-10A6-CC6F-6CC4-A00BCFFE517E}"/>
-              </a:ext>
-            </a:extLst>
-          </p:cNvPr>
-          <p:cNvSpPr>
-            <a:spLocks noGrp="1"/>
-          </p:cNvSpPr>
-          <p:nvPr>
-            <p:ph type="sldNum" sz="quarter" idx="5"/>
-          </p:nvPr>
-        </p:nvSpPr>
-        <p:spPr>
-          <a:xfrm>
-            <a:off x="11753030" y="6507000"/>
-            <a:ext cx="367414" cy="297000"/>
-          </a:xfrm>
-          <a:prstGeom prst="rect">
-            <a:avLst/>
-          </a:prstGeom>
-        </p:spPr>
-        <p:txBody>
-          <a:bodyPr vert="horz" lIns="91440" tIns="45720" rIns="91440" bIns="45720" rtlCol="0" anchor="b"/>
-          <a:lstStyle>
-            <a:lvl1pPr algn="r">
-              <a:defRPr sz="1000">
-                <a:solidFill>
-                  <a:schemeClr val="tx2"/>
-                </a:solidFill>
-                <a:latin typeface="Sofia Sans"/>
-              </a:defRPr>
-            </a:lvl1pPr>
-          </a:lstStyle>
-          <a:p>
-            <a:fld id="{F842D99A-CC0A-47E6-BA1E-371BF5DC73C3}" type="slidenum">
-              <a:rPr lang="en-US" smtClean="0"/>
-              <a:pPr/>
-              <a:t>‹#›</a:t>
-            </a:fld>
-            <a:endParaRPr lang="en-US" dirty="0"/>
-          </a:p>
-        </p:txBody>
-      </p:sp>
-      <p:sp>
-        <p:nvSpPr>
-          <p:cNvPr id="13" name="Slide Body Text Right">
-            <a:extLst>
-              <a:ext uri="{FF2B5EF4-FFF2-40B4-BE49-F238E27FC236}">
-                <a16:creationId xmlns:a16="http://schemas.microsoft.com/office/drawing/2014/main" id="{3E272AB4-871C-FAEE-7C13-3340FF09436C}"/>
-              </a:ext>
-            </a:extLst>
-          </p:cNvPr>
-          <p:cNvSpPr txBox="1">
-            <a:spLocks noGrp="1"/>
-          </p:cNvSpPr>
-          <p:nvPr>
-            <p:ph type="body" idx="11" hasCustomPrompt="1"/>
-          </p:nvPr>
-        </p:nvSpPr>
-        <p:spPr>
-          <a:xfrm>
-            <a:off x="6228001" y="1152000"/>
-            <a:ext cx="5744825" cy="5136830"/>
-          </a:xfrm>
-          <a:prstGeom prst="rect">
-            <a:avLst/>
-          </a:prstGeom>
-        </p:spPr>
-        <p:txBody>
-          <a:bodyPr spcFirstLastPara="1" wrap="square" lIns="108000" tIns="36000" rIns="108000" bIns="36000" anchor="t" anchorCtr="0">
-            <a:normAutofit/>
-          </a:bodyPr>
-          <a:lstStyle>
-            <a:lvl1pPr marL="358775" lvl="0" indent="-360000">
-              <a:lnSpc>
-                <a:spcPct val="105000"/>
-              </a:lnSpc>
-              <a:spcBef>
-                <a:spcPts val="600"/>
-              </a:spcBef>
-              <a:spcAft>
-                <a:spcPts val="600"/>
-              </a:spcAft>
-              <a:buSzPct val="100000"/>
-              <a:buFont typeface="Wingdings" pitchFamily="2" charset="2"/>
-              <a:buChar char="§"/>
-              <a:defRPr sz="3400">
-                <a:solidFill>
-                  <a:schemeClr val="tx2"/>
-                </a:solidFill>
-                <a:latin typeface="+mn-lt"/>
-              </a:defRPr>
-            </a:lvl1pPr>
-            <a:lvl2pPr marL="803275" lvl="1" indent="-360000">
-              <a:lnSpc>
-                <a:spcPct val="105000"/>
-              </a:lnSpc>
-              <a:spcBef>
-                <a:spcPts val="600"/>
-              </a:spcBef>
-              <a:spcAft>
-                <a:spcPts val="600"/>
-              </a:spcAft>
-              <a:buSzPct val="100000"/>
-              <a:buFont typeface="Wingdings" pitchFamily="2" charset="2"/>
-              <a:buChar char="§"/>
-              <a:tabLst/>
-              <a:defRPr sz="3200">
-                <a:solidFill>
-                  <a:schemeClr val="tx2"/>
-                </a:solidFill>
-                <a:latin typeface="+mn-lt"/>
-              </a:defRPr>
-            </a:lvl2pPr>
-            <a:lvl3pPr marL="1260475" lvl="2" indent="-360000">
-              <a:lnSpc>
-                <a:spcPct val="105000"/>
-              </a:lnSpc>
-              <a:spcBef>
-                <a:spcPts val="600"/>
-              </a:spcBef>
-              <a:spcAft>
-                <a:spcPts val="600"/>
-              </a:spcAft>
-              <a:buSzPct val="100000"/>
-              <a:buFont typeface="Wingdings" pitchFamily="2" charset="2"/>
-              <a:buChar char="§"/>
-              <a:tabLst/>
-              <a:defRPr sz="3000">
-                <a:solidFill>
-                  <a:schemeClr val="tx2"/>
-                </a:solidFill>
-                <a:latin typeface="+mn-lt"/>
-              </a:defRPr>
-            </a:lvl3pPr>
-            <a:lvl4pPr marL="1704975" lvl="3" indent="-360000">
-              <a:lnSpc>
-                <a:spcPct val="105000"/>
-              </a:lnSpc>
-              <a:spcBef>
-                <a:spcPts val="600"/>
-              </a:spcBef>
-              <a:spcAft>
-                <a:spcPts val="600"/>
-              </a:spcAft>
-              <a:buSzPct val="100000"/>
-              <a:buFont typeface="Wingdings" pitchFamily="2" charset="2"/>
-              <a:buChar char="§"/>
-              <a:tabLst/>
-              <a:defRPr sz="2800">
-                <a:solidFill>
-                  <a:schemeClr val="tx2"/>
-                </a:solidFill>
-                <a:latin typeface="+mn-lt"/>
-              </a:defRPr>
-            </a:lvl4pPr>
-            <a:lvl5pPr marL="2149475" lvl="4" indent="-360000">
-              <a:lnSpc>
-                <a:spcPct val="105000"/>
-              </a:lnSpc>
-              <a:spcBef>
-                <a:spcPts val="600"/>
-              </a:spcBef>
-              <a:spcAft>
-                <a:spcPts val="600"/>
-              </a:spcAft>
-              <a:buSzPct val="100000"/>
-              <a:buFont typeface="Wingdings" pitchFamily="2" charset="2"/>
-              <a:buChar char="§"/>
-              <a:tabLst/>
-              <a:defRPr sz="2600">
-                <a:solidFill>
-                  <a:schemeClr val="tx2"/>
-                </a:solidFill>
-                <a:latin typeface="+mn-lt"/>
-              </a:defRPr>
-            </a:lvl5pPr>
-            <a:lvl6pPr marL="3656686" lvl="5" indent="-423228">
-              <a:spcBef>
-                <a:spcPts val="0"/>
-              </a:spcBef>
-              <a:spcAft>
-                <a:spcPts val="0"/>
-              </a:spcAft>
-              <a:buSzPts val="1400"/>
-              <a:buChar char="■"/>
-              <a:defRPr/>
-            </a:lvl6pPr>
-            <a:lvl7pPr marL="4266133" lvl="6" indent="-423228">
-              <a:spcBef>
-                <a:spcPts val="0"/>
-              </a:spcBef>
-              <a:spcAft>
-                <a:spcPts val="0"/>
-              </a:spcAft>
-              <a:buSzPts val="1400"/>
-              <a:buChar char="●"/>
-              <a:defRPr/>
-            </a:lvl7pPr>
-            <a:lvl8pPr marL="4875581" lvl="7" indent="-423228">
-              <a:spcBef>
-                <a:spcPts val="0"/>
-              </a:spcBef>
-              <a:spcAft>
-                <a:spcPts val="0"/>
-              </a:spcAft>
-              <a:buSzPts val="1400"/>
-              <a:buChar char="○"/>
-              <a:defRPr/>
-            </a:lvl8pPr>
-            <a:lvl9pPr marL="5485028" lvl="8" indent="-423228">
-              <a:spcBef>
-                <a:spcPts val="0"/>
-              </a:spcBef>
-              <a:spcAft>
-                <a:spcPts val="0"/>
-              </a:spcAft>
-              <a:buSzPts val="1400"/>
-              <a:buChar char="■"/>
-              <a:defRPr/>
-            </a:lvl9pPr>
-          </a:lstStyle>
-          <a:p>
-            <a:r>
-              <a:rPr lang="en-US" dirty="0"/>
-              <a:t>First Level</a:t>
-            </a:r>
-          </a:p>
-          <a:p>
-            <a:pPr lvl="1"/>
-            <a:r>
-              <a:rPr lang="en-US" dirty="0"/>
-              <a:t>Second Level</a:t>
-            </a:r>
-          </a:p>
-          <a:p>
-            <a:pPr lvl="2"/>
-            <a:r>
-              <a:rPr lang="en-US" dirty="0"/>
-              <a:t>Third Level</a:t>
-            </a:r>
-          </a:p>
-          <a:p>
-            <a:pPr lvl="3"/>
-            <a:r>
-              <a:rPr lang="en-US" dirty="0"/>
-              <a:t>Fourth Level</a:t>
-            </a:r>
-          </a:p>
-          <a:p>
-            <a:pPr lvl="4"/>
-            <a:r>
-              <a:rPr lang="en-US" dirty="0"/>
-              <a:t>Fifth Level</a:t>
-            </a:r>
-          </a:p>
-        </p:txBody>
-      </p:sp>
-      <p:sp>
-        <p:nvSpPr>
-          <p:cNvPr id="12" name="Slide Body Text Left">
-            <a:extLst>
-              <a:ext uri="{FF2B5EF4-FFF2-40B4-BE49-F238E27FC236}">
-                <a16:creationId xmlns:a16="http://schemas.microsoft.com/office/drawing/2014/main" id="{165F2084-9665-41FC-BC9A-D4876868B1BE}"/>
-              </a:ext>
-            </a:extLst>
-          </p:cNvPr>
-          <p:cNvSpPr txBox="1">
-            <a:spLocks noGrp="1"/>
-          </p:cNvSpPr>
-          <p:nvPr>
-            <p:ph type="body" idx="10" hasCustomPrompt="1"/>
-          </p:nvPr>
-        </p:nvSpPr>
-        <p:spPr>
-          <a:xfrm>
-            <a:off x="216000" y="1152000"/>
-            <a:ext cx="5744825" cy="5136830"/>
-          </a:xfrm>
-          <a:prstGeom prst="rect">
-            <a:avLst/>
-          </a:prstGeom>
-        </p:spPr>
-        <p:txBody>
-          <a:bodyPr spcFirstLastPara="1" wrap="square" lIns="108000" tIns="36000" rIns="108000" bIns="36000" anchor="t" anchorCtr="0">
-            <a:normAutofit/>
-          </a:bodyPr>
-          <a:lstStyle>
-            <a:lvl1pPr marL="358775" lvl="0" indent="-360000">
-              <a:lnSpc>
-                <a:spcPct val="105000"/>
-              </a:lnSpc>
-              <a:spcBef>
-                <a:spcPts val="600"/>
-              </a:spcBef>
-              <a:spcAft>
-                <a:spcPts val="600"/>
-              </a:spcAft>
-              <a:buSzPct val="100000"/>
-              <a:buFont typeface="Wingdings" pitchFamily="2" charset="2"/>
-              <a:buChar char="§"/>
-              <a:defRPr sz="3400">
-                <a:solidFill>
-                  <a:schemeClr val="tx2"/>
-                </a:solidFill>
-                <a:latin typeface="+mn-lt"/>
-              </a:defRPr>
-            </a:lvl1pPr>
-            <a:lvl2pPr marL="803275" lvl="1" indent="-360000">
-              <a:lnSpc>
-                <a:spcPct val="105000"/>
-              </a:lnSpc>
-              <a:spcBef>
-                <a:spcPts val="600"/>
-              </a:spcBef>
-              <a:spcAft>
-                <a:spcPts val="600"/>
-              </a:spcAft>
-              <a:buSzPct val="100000"/>
-              <a:buFont typeface="Wingdings" pitchFamily="2" charset="2"/>
-              <a:buChar char="§"/>
-              <a:tabLst/>
-              <a:defRPr sz="3200">
-                <a:solidFill>
-                  <a:schemeClr val="tx2"/>
-                </a:solidFill>
-                <a:latin typeface="+mn-lt"/>
-              </a:defRPr>
-            </a:lvl2pPr>
-            <a:lvl3pPr marL="1260475" lvl="2" indent="-360000">
-              <a:lnSpc>
-                <a:spcPct val="105000"/>
-              </a:lnSpc>
-              <a:spcBef>
-                <a:spcPts val="600"/>
-              </a:spcBef>
-              <a:spcAft>
-                <a:spcPts val="600"/>
-              </a:spcAft>
-              <a:buSzPct val="100000"/>
-              <a:buFont typeface="Wingdings" pitchFamily="2" charset="2"/>
-              <a:buChar char="§"/>
-              <a:tabLst/>
-              <a:defRPr sz="3000">
-                <a:solidFill>
-                  <a:schemeClr val="tx2"/>
-                </a:solidFill>
-                <a:latin typeface="+mn-lt"/>
-              </a:defRPr>
-            </a:lvl3pPr>
-            <a:lvl4pPr marL="1704975" lvl="3" indent="-360000">
-              <a:lnSpc>
-                <a:spcPct val="105000"/>
-              </a:lnSpc>
-              <a:spcBef>
-                <a:spcPts val="600"/>
-              </a:spcBef>
-              <a:spcAft>
-                <a:spcPts val="600"/>
-              </a:spcAft>
-              <a:buSzPct val="100000"/>
-              <a:buFont typeface="Wingdings" pitchFamily="2" charset="2"/>
-              <a:buChar char="§"/>
-              <a:tabLst/>
-              <a:defRPr sz="2800">
-                <a:solidFill>
-                  <a:schemeClr val="tx2"/>
-                </a:solidFill>
-                <a:latin typeface="+mn-lt"/>
-              </a:defRPr>
-            </a:lvl4pPr>
-            <a:lvl5pPr marL="2149475" lvl="4" indent="-360000">
-              <a:lnSpc>
-                <a:spcPct val="105000"/>
-              </a:lnSpc>
-              <a:spcBef>
-                <a:spcPts val="600"/>
-              </a:spcBef>
-              <a:spcAft>
-                <a:spcPts val="600"/>
-              </a:spcAft>
-              <a:buSzPct val="100000"/>
-              <a:buFont typeface="Wingdings" pitchFamily="2" charset="2"/>
-              <a:buChar char="§"/>
-              <a:tabLst/>
-              <a:defRPr sz="2600">
-                <a:solidFill>
-                  <a:schemeClr val="tx2"/>
-                </a:solidFill>
-                <a:latin typeface="+mn-lt"/>
-              </a:defRPr>
-            </a:lvl5pPr>
-            <a:lvl6pPr marL="3656686" lvl="5" indent="-423228">
-              <a:spcBef>
-                <a:spcPts val="0"/>
-              </a:spcBef>
-              <a:spcAft>
-                <a:spcPts val="0"/>
-              </a:spcAft>
-              <a:buSzPts val="1400"/>
-              <a:buChar char="■"/>
-              <a:defRPr/>
-            </a:lvl6pPr>
-            <a:lvl7pPr marL="4266133" lvl="6" indent="-423228">
-              <a:spcBef>
-                <a:spcPts val="0"/>
-              </a:spcBef>
-              <a:spcAft>
-                <a:spcPts val="0"/>
-              </a:spcAft>
-              <a:buSzPts val="1400"/>
-              <a:buChar char="●"/>
-              <a:defRPr/>
-            </a:lvl7pPr>
-            <a:lvl8pPr marL="4875581" lvl="7" indent="-423228">
-              <a:spcBef>
-                <a:spcPts val="0"/>
-              </a:spcBef>
-              <a:spcAft>
-                <a:spcPts val="0"/>
-              </a:spcAft>
-              <a:buSzPts val="1400"/>
-              <a:buChar char="○"/>
-              <a:defRPr/>
-            </a:lvl8pPr>
-            <a:lvl9pPr marL="5485028" lvl="8" indent="-423228">
-              <a:spcBef>
-                <a:spcPts val="0"/>
-              </a:spcBef>
-              <a:spcAft>
-                <a:spcPts val="0"/>
-              </a:spcAft>
-              <a:buSzPts val="1400"/>
-              <a:buChar char="■"/>
-              <a:defRPr/>
-            </a:lvl9pPr>
-          </a:lstStyle>
-          <a:p>
-            <a:r>
-              <a:rPr lang="en-US" dirty="0"/>
-              <a:t>First Level</a:t>
-            </a:r>
-          </a:p>
-          <a:p>
-            <a:pPr lvl="1"/>
-            <a:r>
-              <a:rPr lang="en-US" dirty="0"/>
-              <a:t>Second Level</a:t>
-            </a:r>
-          </a:p>
-          <a:p>
-            <a:pPr lvl="2"/>
-            <a:r>
-              <a:rPr lang="en-US" dirty="0"/>
-              <a:t>Third Level</a:t>
-            </a:r>
-          </a:p>
-          <a:p>
-            <a:pPr lvl="3"/>
-            <a:r>
-              <a:rPr lang="en-US" dirty="0"/>
-              <a:t>Fourth Level</a:t>
-            </a:r>
-          </a:p>
-          <a:p>
-            <a:pPr lvl="4"/>
-            <a:r>
-              <a:rPr lang="en-US" dirty="0"/>
-              <a:t>Fifth Level</a:t>
-            </a:r>
-          </a:p>
-        </p:txBody>
-      </p:sp>
-      <p:pic>
-        <p:nvPicPr>
-          <p:cNvPr id="15" name="Slide Logo">
-            <a:extLst>
-              <a:ext uri="{FF2B5EF4-FFF2-40B4-BE49-F238E27FC236}">
-                <a16:creationId xmlns:a16="http://schemas.microsoft.com/office/drawing/2014/main" id="{F7623DFE-FF58-CD12-25B6-22E8F1982728}"/>
-              </a:ext>
-            </a:extLst>
-          </p:cNvPr>
-          <p:cNvPicPr preferRelativeResize="0"/>
-          <p:nvPr userDrawn="1"/>
-        </p:nvPicPr>
-        <p:blipFill>
-          <a:blip r:embed="rId3">
-            <a:extLst>
-              <a:ext uri="{96DAC541-7B7A-43D3-8B79-37D633B846F1}">
-                <asvg:svgBlip xmlns:asvg="http://schemas.microsoft.com/office/drawing/2016/SVG/main" r:embed="rId4"/>
-              </a:ext>
-            </a:extLst>
-          </a:blip>
-          <a:srcRect/>
-          <a:stretch/>
-        </p:blipFill>
-        <p:spPr>
-          <a:xfrm>
-            <a:off x="10185359" y="294198"/>
-            <a:ext cx="1799298" cy="528543"/>
-          </a:xfrm>
-          <a:prstGeom prst="rect">
-            <a:avLst/>
-          </a:prstGeom>
-          <a:noFill/>
-          <a:ln>
-            <a:noFill/>
-          </a:ln>
-        </p:spPr>
-      </p:pic>
-      <p:sp>
-        <p:nvSpPr>
-          <p:cNvPr id="2" name="Slide Title">
-            <a:extLst>
-              <a:ext uri="{FF2B5EF4-FFF2-40B4-BE49-F238E27FC236}">
-                <a16:creationId xmlns:a16="http://schemas.microsoft.com/office/drawing/2014/main" id="{A52C2F49-41FE-5E6E-30DD-98DBCA95CFE1}"/>
-              </a:ext>
-            </a:extLst>
-          </p:cNvPr>
-          <p:cNvSpPr txBox="1">
-            <a:spLocks noGrp="1"/>
-          </p:cNvSpPr>
-          <p:nvPr>
-            <p:ph type="title" hasCustomPrompt="1"/>
-          </p:nvPr>
-        </p:nvSpPr>
-        <p:spPr>
-          <a:xfrm>
-            <a:off x="216000" y="144000"/>
-            <a:ext cx="9838852" cy="864000"/>
-          </a:xfrm>
-          <a:prstGeom prst="rect">
-            <a:avLst/>
-          </a:prstGeom>
-        </p:spPr>
-        <p:txBody>
-          <a:bodyPr spcFirstLastPara="1" wrap="square" lIns="91425" tIns="91425" rIns="91425" bIns="91425" anchor="ctr" anchorCtr="0">
-            <a:noAutofit/>
-          </a:bodyPr>
-          <a:lstStyle>
-            <a:lvl1pPr>
-              <a:defRPr sz="4400" b="1">
-                <a:solidFill>
-                  <a:schemeClr val="tx2"/>
-                </a:solidFill>
-                <a:latin typeface="Sofia Sans" pitchFamily="2" charset="0"/>
-              </a:defRPr>
-            </a:lvl1pPr>
-          </a:lstStyle>
-          <a:p>
-            <a:pPr marL="0" lvl="0" indent="0" algn="l" rtl="0">
-              <a:spcBef>
-                <a:spcPts val="0"/>
-              </a:spcBef>
-              <a:spcAft>
-                <a:spcPts val="0"/>
-              </a:spcAft>
-              <a:buNone/>
-            </a:pPr>
-            <a:r>
-              <a:rPr lang="en-US" dirty="0"/>
-              <a:t>Slide Title</a:t>
-            </a:r>
-            <a:endParaRPr dirty="0"/>
-          </a:p>
-        </p:txBody>
-      </p:sp>
-    </p:spTree>
-    <p:extLst>
-      <p:ext uri="{BB962C8B-B14F-4D97-AF65-F5344CB8AC3E}">
-        <p14:creationId xmlns:p14="http://schemas.microsoft.com/office/powerpoint/2010/main" val="1706498695"/>
-      </p:ext>
-    </p:extLst>
-  </p:cSld>
-  <p:clrMapOvr>
-    <a:masterClrMapping/>
-  </p:clrMapOvr>
-</p:sldLayout>
-</file>
-
 <file path=ppt/slideLayouts/slideLayout2.xml><?xml version="1.0" encoding="utf-8"?>
 <p:sldLayout xmlns:a="http://schemas.openxmlformats.org/drawingml/2006/main" xmlns:r="http://schemas.openxmlformats.org/officeDocument/2006/relationships" xmlns:p="http://schemas.openxmlformats.org/presentationml/2006/main" preserve="1" userDrawn="1">
   <p:cSld name="Section Title Slide">
@@ -9055,14 +6472,20 @@
               <a:buNone/>
               <a:tabLst/>
             </a:pPr>
-            <a:endParaRPr kumimoji="0" lang="ko-KR" altLang="en-US" sz="4000" b="1" i="0" u="none" strike="noStrike" cap="none" spc="0" normalizeH="0" baseline="0" noProof="0" dirty="0">
+            <a:endParaRPr kumimoji="0" lang="ko-KR" altLang="en-US" sz="4400" b="1" i="0" u="none" strike="noStrike" cap="none" spc="0" normalizeH="0" baseline="0" noProof="0" dirty="0">
               <a:ln>
                 <a:noFill/>
               </a:ln>
               <a:solidFill>
-                <a:schemeClr val="tx2"/>
+                <a:schemeClr val="bg2"/>
               </a:solidFill>
-              <a:effectLst/>
+              <a:effectLst>
+                <a:outerShdw blurRad="38100" dist="38100" dir="2700000" algn="tl">
+                  <a:srgbClr val="000000">
+                    <a:alpha val="43137"/>
+                  </a:srgbClr>
+                </a:outerShdw>
+              </a:effectLst>
               <a:uLnTx/>
               <a:uFillTx/>
               <a:latin typeface="Calibri" panose="020F0502020204030204"/>
@@ -9549,7 +6972,7 @@
         </p:blipFill>
         <p:spPr>
           <a:xfrm>
-            <a:off x="10312673" y="1106834"/>
+            <a:off x="10270876" y="1106834"/>
             <a:ext cx="1712406" cy="2626967"/>
           </a:xfrm>
           <a:prstGeom prst="rect">
@@ -9926,8 +7349,8 @@
         </p:nvSpPr>
         <p:spPr>
           <a:xfrm>
-            <a:off x="1620000" y="1116000"/>
-            <a:ext cx="10434202" cy="5634000"/>
+            <a:off x="1845940" y="1116000"/>
+            <a:ext cx="10208262" cy="5634000"/>
           </a:xfrm>
         </p:spPr>
         <p:txBody>
@@ -11045,18 +8468,25 @@
               <a:buNone/>
               <a:tabLst/>
             </a:pPr>
-            <a:endParaRPr kumimoji="0" lang="en-US" altLang="ko-KR" sz="2398" b="0" i="0" u="none" strike="noStrike" cap="none" spc="0" normalizeH="0" baseline="0" noProof="0">
+            <a:endParaRPr kumimoji="0" lang="ko-KR" altLang="en-US" sz="4400" b="1" i="0" u="none" strike="noStrike" cap="none" spc="0" normalizeH="0" baseline="0" noProof="0" dirty="0">
               <a:ln>
                 <a:noFill/>
               </a:ln>
               <a:solidFill>
-                <a:srgbClr val="F7C86D"/>
+                <a:schemeClr val="bg2"/>
               </a:solidFill>
-              <a:effectLst/>
+              <a:effectLst>
+                <a:outerShdw blurRad="38100" dist="38100" dir="2700000" algn="tl">
+                  <a:srgbClr val="000000">
+                    <a:alpha val="43137"/>
+                  </a:srgbClr>
+                </a:outerShdw>
+              </a:effectLst>
               <a:uLnTx/>
               <a:uFillTx/>
               <a:latin typeface="Calibri" panose="020F0502020204030204"/>
               <a:ea typeface="맑은 고딕" panose="020B0503020000020004" pitchFamily="34" charset="-127"/>
+              <a:sym typeface="Arial"/>
             </a:endParaRPr>
           </a:p>
         </p:txBody>
@@ -11178,7 +8608,7 @@
     <p:bg bwMode="gray">
       <p:bgPr>
         <a:blipFill dpi="0" rotWithShape="1">
-          <a:blip r:embed="rId21">
+          <a:blip r:embed="rId16">
             <a:lum/>
           </a:blip>
           <a:srcRect/>
@@ -11345,11 +8775,6 @@
     <p:sldLayoutId id="2147483692" r:id="rId12"/>
     <p:sldLayoutId id="2147483689" r:id="rId13"/>
     <p:sldLayoutId id="2147483691" r:id="rId14"/>
-    <p:sldLayoutId id="2147483693" r:id="rId15"/>
-    <p:sldLayoutId id="2147483694" r:id="rId16"/>
-    <p:sldLayoutId id="2147483695" r:id="rId17"/>
-    <p:sldLayoutId id="2147483696" r:id="rId18"/>
-    <p:sldLayoutId id="2147483697" r:id="rId19"/>
   </p:sldLayoutIdLst>
   <mc:AlternateContent xmlns:mc="http://schemas.openxmlformats.org/markup-compatibility/2006" xmlns:p14="http://schemas.microsoft.com/office/powerpoint/2010/main">
     <mc:Choice Requires="p14">
@@ -11926,10 +9351,6 @@
           </p:nvPr>
         </p:nvSpPr>
         <p:spPr>
-          <a:xfrm>
-            <a:off x="11749969" y="6506198"/>
-            <a:ext cx="367318" cy="296923"/>
-          </a:xfrm>
           <a:prstGeom prst="rect">
             <a:avLst/>
           </a:prstGeom>
@@ -11967,12 +9388,7 @@
             <p:ph type="body" sz="quarter" idx="10"/>
           </p:nvPr>
         </p:nvSpPr>
-        <p:spPr>
-          <a:xfrm>
-            <a:off x="190352" y="1196706"/>
-            <a:ext cx="11815018" cy="5471450"/>
-          </a:xfrm>
-        </p:spPr>
+        <p:spPr/>
         <p:txBody>
           <a:bodyPr>
             <a:normAutofit/>
@@ -12067,6 +9483,34 @@
             <a:r>
               <a:rPr lang="en-US" dirty="0"/>
               <a:t>Developers learn new technologies, tools, languages every day!</a:t>
+            </a:r>
+          </a:p>
+        </p:txBody>
+      </p:sp>
+      <p:sp>
+        <p:nvSpPr>
+          <p:cNvPr id="4" name="Slide Title">
+            <a:extLst>
+              <a:ext uri="{FF2B5EF4-FFF2-40B4-BE49-F238E27FC236}">
+                <a16:creationId xmlns:a16="http://schemas.microsoft.com/office/drawing/2014/main" id="{0141AF62-65D2-47C8-ACCC-4D20F874D323}"/>
+              </a:ext>
+            </a:extLst>
+          </p:cNvPr>
+          <p:cNvSpPr>
+            <a:spLocks noGrp="1"/>
+          </p:cNvSpPr>
+          <p:nvPr>
+            <p:ph type="title"/>
+          </p:nvPr>
+        </p:nvSpPr>
+        <p:spPr/>
+        <p:txBody>
+          <a:bodyPr/>
+          <a:lstStyle/>
+          <a:p>
+            <a:r>
+              <a:rPr lang="en-US" dirty="0"/>
+              <a:t>Learn to Search in Internet</a:t>
             </a:r>
           </a:p>
         </p:txBody>
@@ -12176,34 +9620,6 @@
           </a:prstGeom>
         </p:spPr>
       </p:pic>
-      <p:sp>
-        <p:nvSpPr>
-          <p:cNvPr id="4" name="Slide Title">
-            <a:extLst>
-              <a:ext uri="{FF2B5EF4-FFF2-40B4-BE49-F238E27FC236}">
-                <a16:creationId xmlns:a16="http://schemas.microsoft.com/office/drawing/2014/main" id="{0141AF62-65D2-47C8-ACCC-4D20F874D323}"/>
-              </a:ext>
-            </a:extLst>
-          </p:cNvPr>
-          <p:cNvSpPr>
-            <a:spLocks noGrp="1"/>
-          </p:cNvSpPr>
-          <p:nvPr>
-            <p:ph type="title"/>
-          </p:nvPr>
-        </p:nvSpPr>
-        <p:spPr/>
-        <p:txBody>
-          <a:bodyPr/>
-          <a:lstStyle/>
-          <a:p>
-            <a:r>
-              <a:rPr lang="en-US" dirty="0"/>
-              <a:t>Learn to Search in Internet</a:t>
-            </a:r>
-          </a:p>
-        </p:txBody>
-      </p:sp>
     </p:spTree>
     <p:extLst>
       <p:ext uri="{BB962C8B-B14F-4D97-AF65-F5344CB8AC3E}">
@@ -12485,10 +9901,6 @@
           </p:nvPr>
         </p:nvSpPr>
         <p:spPr>
-          <a:xfrm>
-            <a:off x="11749969" y="6506198"/>
-            <a:ext cx="367318" cy="296923"/>
-          </a:xfrm>
           <a:prstGeom prst="rect">
             <a:avLst/>
           </a:prstGeom>
@@ -12537,11 +9949,11 @@
               </a:lnSpc>
             </a:pPr>
             <a:r>
-              <a:rPr lang="en-US"/>
+              <a:rPr lang="en-US" dirty="0"/>
               <a:t>Short explanation of the </a:t>
             </a:r>
             <a:r>
-              <a:rPr lang="en-US" b="1">
+              <a:rPr lang="en-US" b="1" dirty="0">
                 <a:solidFill>
                   <a:schemeClr val="bg1"/>
                 </a:solidFill>
@@ -12556,22 +9968,40 @@
               </a:lnSpc>
             </a:pPr>
             <a:r>
-              <a:rPr lang="en-US"/>
+              <a:rPr lang="en-US" dirty="0"/>
               <a:t>Keep slide content </a:t>
             </a:r>
             <a:r>
-              <a:rPr lang="en-US" b="1">
+              <a:rPr lang="en-US" b="1" dirty="0">
                 <a:solidFill>
                   <a:schemeClr val="bg1"/>
                 </a:solidFill>
               </a:rPr>
               <a:t>centered</a:t>
             </a:r>
-            <a:endParaRPr lang="en-US" b="1" dirty="0">
-              <a:solidFill>
-                <a:schemeClr val="bg1"/>
-              </a:solidFill>
-            </a:endParaRPr>
+          </a:p>
+        </p:txBody>
+      </p:sp>
+      <p:sp>
+        <p:nvSpPr>
+          <p:cNvPr id="4" name="Slide Title"/>
+          <p:cNvSpPr>
+            <a:spLocks noGrp="1"/>
+          </p:cNvSpPr>
+          <p:nvPr>
+            <p:ph type="title"/>
+          </p:nvPr>
+        </p:nvSpPr>
+        <p:spPr/>
+        <p:txBody>
+          <a:bodyPr/>
+          <a:lstStyle/>
+          <a:p>
+            <a:r>
+              <a:rPr lang="en-US"/>
+              <a:t>Basic Slide</a:t>
+            </a:r>
+            <a:endParaRPr lang="en-US" dirty="0"/>
           </a:p>
         </p:txBody>
       </p:sp>
@@ -12586,7 +10016,7 @@
         <p:spPr>
           <a:xfrm>
             <a:off x="1027858" y="2671160"/>
-            <a:ext cx="10107114" cy="3672206"/>
+            <a:ext cx="10107114" cy="3509780"/>
           </a:xfrm>
           <a:prstGeom prst="rect">
             <a:avLst/>
@@ -12945,29 +10375,6 @@
           </a:effectLst>
         </p:spPr>
       </p:pic>
-      <p:sp>
-        <p:nvSpPr>
-          <p:cNvPr id="4" name="Slide Title"/>
-          <p:cNvSpPr>
-            <a:spLocks noGrp="1"/>
-          </p:cNvSpPr>
-          <p:nvPr>
-            <p:ph type="title"/>
-          </p:nvPr>
-        </p:nvSpPr>
-        <p:spPr/>
-        <p:txBody>
-          <a:bodyPr/>
-          <a:lstStyle/>
-          <a:p>
-            <a:r>
-              <a:rPr lang="en-US"/>
-              <a:t>Basic Slide</a:t>
-            </a:r>
-            <a:endParaRPr lang="en-US" dirty="0"/>
-          </a:p>
-        </p:txBody>
-      </p:sp>
     </p:spTree>
     <p:extLst>
       <p:ext uri="{BB962C8B-B14F-4D97-AF65-F5344CB8AC3E}">
@@ -13738,40 +11145,6 @@
       </p:grpSpPr>
       <p:sp>
         <p:nvSpPr>
-          <p:cNvPr id="5" name="Title 4">
-            <a:extLst>
-              <a:ext uri="{FF2B5EF4-FFF2-40B4-BE49-F238E27FC236}">
-                <a16:creationId xmlns:a16="http://schemas.microsoft.com/office/drawing/2014/main" id="{2B127AA3-DC87-9634-2D7D-DE5CC2BBADD4}"/>
-              </a:ext>
-            </a:extLst>
-          </p:cNvPr>
-          <p:cNvSpPr>
-            <a:spLocks noGrp="1"/>
-          </p:cNvSpPr>
-          <p:nvPr>
-            <p:ph type="title"/>
-          </p:nvPr>
-        </p:nvSpPr>
-        <p:spPr>
-          <a:xfrm>
-            <a:off x="216000" y="144000"/>
-            <a:ext cx="9910860" cy="864000"/>
-          </a:xfrm>
-        </p:spPr>
-        <p:txBody>
-          <a:bodyPr/>
-          <a:lstStyle/>
-          <a:p>
-            <a:r>
-              <a:rPr lang="en-US"/>
-              <a:t>Goods vs. Services</a:t>
-            </a:r>
-            <a:endParaRPr lang="bg-BG" dirty="0"/>
-          </a:p>
-        </p:txBody>
-      </p:sp>
-      <p:sp>
-        <p:nvSpPr>
           <p:cNvPr id="2" name="Slide Number Placeholder 1">
             <a:extLst>
               <a:ext uri="{FF2B5EF4-FFF2-40B4-BE49-F238E27FC236}">
@@ -13786,12 +11159,7 @@
             <p:ph type="sldNum" sz="quarter" idx="5"/>
           </p:nvPr>
         </p:nvSpPr>
-        <p:spPr>
-          <a:xfrm>
-            <a:off x="11753030" y="6507000"/>
-            <a:ext cx="367414" cy="297000"/>
-          </a:xfrm>
-        </p:spPr>
+        <p:spPr/>
         <p:txBody>
           <a:bodyPr/>
           <a:lstStyle/>
@@ -13818,13 +11186,13 @@
             <a:spLocks noGrp="1"/>
           </p:cNvSpPr>
           <p:nvPr>
-            <p:ph type="body" idx="11"/>
+            <p:ph type="body" sz="quarter" idx="11"/>
           </p:nvPr>
         </p:nvSpPr>
         <p:spPr>
           <a:xfrm>
-            <a:off x="6382444" y="1152000"/>
-            <a:ext cx="5590382" cy="5136830"/>
+            <a:off x="6382444" y="1116000"/>
+            <a:ext cx="5605600" cy="5189168"/>
           </a:xfrm>
         </p:spPr>
         <p:txBody>
@@ -13833,7 +11201,11 @@
           </a:bodyPr>
           <a:lstStyle/>
           <a:p>
-            <a:pPr lvl="0"/>
+            <a:pPr lvl="0">
+              <a:lnSpc>
+                <a:spcPct val="110000"/>
+              </a:lnSpc>
+            </a:pPr>
             <a:r>
               <a:rPr lang="en-US" sz="3800" b="1" noProof="0" dirty="0">
                 <a:solidFill>
@@ -13849,42 +11221,66 @@
             </a:endParaRPr>
           </a:p>
           <a:p>
-            <a:pPr lvl="1"/>
+            <a:pPr lvl="1">
+              <a:lnSpc>
+                <a:spcPct val="110000"/>
+              </a:lnSpc>
+            </a:pPr>
             <a:r>
               <a:rPr lang="en-US" noProof="0" dirty="0"/>
               <a:t>Transactions where no physical goods are transferred </a:t>
             </a:r>
           </a:p>
           <a:p>
-            <a:pPr lvl="1"/>
+            <a:pPr lvl="1">
+              <a:lnSpc>
+                <a:spcPct val="110000"/>
+              </a:lnSpc>
+            </a:pPr>
             <a:r>
               <a:rPr lang="en-US" noProof="0" dirty="0"/>
               <a:t>Intangible</a:t>
             </a:r>
           </a:p>
           <a:p>
-            <a:pPr lvl="1"/>
+            <a:pPr lvl="1">
+              <a:lnSpc>
+                <a:spcPct val="110000"/>
+              </a:lnSpc>
+            </a:pPr>
             <a:r>
               <a:rPr lang="en-US" noProof="0" dirty="0"/>
               <a:t>Can’t be manufactured, stored and transported</a:t>
             </a:r>
           </a:p>
           <a:p>
-            <a:pPr lvl="1"/>
+            <a:pPr lvl="1">
+              <a:lnSpc>
+                <a:spcPct val="110000"/>
+              </a:lnSpc>
+            </a:pPr>
             <a:r>
               <a:rPr lang="en-US" noProof="0" dirty="0"/>
               <a:t>Ex: cleaning, car repair, haircuts, medical checkups</a:t>
             </a:r>
           </a:p>
           <a:p>
-            <a:pPr lvl="1"/>
+            <a:pPr lvl="1">
+              <a:lnSpc>
+                <a:spcPct val="110000"/>
+              </a:lnSpc>
+            </a:pPr>
             <a:r>
               <a:rPr lang="en-US" noProof="0" dirty="0"/>
               <a:t>Can’t be returned or replaced</a:t>
             </a:r>
           </a:p>
           <a:p>
-            <a:pPr lvl="1"/>
+            <a:pPr lvl="1">
+              <a:lnSpc>
+                <a:spcPct val="110000"/>
+              </a:lnSpc>
+            </a:pPr>
             <a:r>
               <a:rPr lang="en-US" noProof="0" dirty="0"/>
               <a:t>Each delivery of service is never the same</a:t>
@@ -13906,13 +11302,13 @@
             <a:spLocks noGrp="1"/>
           </p:cNvSpPr>
           <p:nvPr>
-            <p:ph type="body" idx="10"/>
+            <p:ph type="body" sz="quarter" idx="10"/>
           </p:nvPr>
         </p:nvSpPr>
         <p:spPr>
           <a:xfrm>
-            <a:off x="215901" y="1152525"/>
-            <a:ext cx="5446464" cy="5135563"/>
+            <a:off x="179999" y="1116000"/>
+            <a:ext cx="5266341" cy="5189168"/>
           </a:xfrm>
         </p:spPr>
         <p:txBody>
@@ -13978,6 +11374,35 @@
             </a:r>
           </a:p>
           <a:p>
+            <a:endParaRPr lang="bg-BG" dirty="0"/>
+          </a:p>
+        </p:txBody>
+      </p:sp>
+      <p:sp>
+        <p:nvSpPr>
+          <p:cNvPr id="5" name="Title 4">
+            <a:extLst>
+              <a:ext uri="{FF2B5EF4-FFF2-40B4-BE49-F238E27FC236}">
+                <a16:creationId xmlns:a16="http://schemas.microsoft.com/office/drawing/2014/main" id="{2B127AA3-DC87-9634-2D7D-DE5CC2BBADD4}"/>
+              </a:ext>
+            </a:extLst>
+          </p:cNvPr>
+          <p:cNvSpPr>
+            <a:spLocks noGrp="1"/>
+          </p:cNvSpPr>
+          <p:nvPr>
+            <p:ph type="title"/>
+          </p:nvPr>
+        </p:nvSpPr>
+        <p:spPr/>
+        <p:txBody>
+          <a:bodyPr/>
+          <a:lstStyle/>
+          <a:p>
+            <a:r>
+              <a:rPr lang="en-US"/>
+              <a:t>Goods vs. Services</a:t>
+            </a:r>
             <a:endParaRPr lang="bg-BG" dirty="0"/>
           </a:p>
         </p:txBody>
@@ -14042,6 +11467,14 @@
   <p:clrMapOvr>
     <a:masterClrMapping/>
   </p:clrMapOvr>
+  <mc:AlternateContent xmlns:mc="http://schemas.openxmlformats.org/markup-compatibility/2006" xmlns:p14="http://schemas.microsoft.com/office/powerpoint/2010/main">
+    <mc:Choice Requires="p14">
+      <p:transition spd="slow" p14:dur="2000" advClick="0" advTm="5000"/>
+    </mc:Choice>
+    <mc:Fallback xmlns="">
+      <p:transition spd="slow" advClick="0" advTm="5000"/>
+    </mc:Fallback>
+  </mc:AlternateContent>
   <p:timing>
     <p:tnLst>
       <p:par>
@@ -14764,19 +12197,18 @@
         </p:blipFill>
         <p:spPr>
           <a:xfrm>
-            <a:off x="4984319" y="1524000"/>
+            <a:off x="4984319" y="1484784"/>
             <a:ext cx="2220185" cy="2220185"/>
           </a:xfrm>
           <a:prstGeom prst="rect">
             <a:avLst/>
           </a:prstGeom>
           <a:effectLst>
-            <a:glow rad="63500">
-              <a:schemeClr val="accent5">
-                <a:satMod val="175000"/>
+            <a:outerShdw blurRad="63500" sx="102000" sy="102000" algn="ctr" rotWithShape="0">
+              <a:prstClr val="black">
                 <a:alpha val="40000"/>
-              </a:schemeClr>
-            </a:glow>
+              </a:prstClr>
+            </a:outerShdw>
           </a:effectLst>
         </p:spPr>
       </p:pic>
@@ -14818,6 +12250,108 @@
           <a:chExt cx="0" cy="0"/>
         </a:xfrm>
       </p:grpSpPr>
+      <p:sp>
+        <p:nvSpPr>
+          <p:cNvPr id="7" name="Slide Number Placeholder 1">
+            <a:extLst>
+              <a:ext uri="{FF2B5EF4-FFF2-40B4-BE49-F238E27FC236}">
+                <a16:creationId xmlns:a16="http://schemas.microsoft.com/office/drawing/2014/main" id="{4822F2F8-741E-4783-B268-222AB0766123}"/>
+              </a:ext>
+            </a:extLst>
+          </p:cNvPr>
+          <p:cNvSpPr>
+            <a:spLocks noGrp="1"/>
+          </p:cNvSpPr>
+          <p:nvPr>
+            <p:ph type="sldNum" sz="quarter" idx="5"/>
+          </p:nvPr>
+        </p:nvSpPr>
+        <p:spPr/>
+        <p:txBody>
+          <a:bodyPr/>
+          <a:lstStyle/>
+          <a:p>
+            <a:fld id="{2BF067CD-8E6B-4360-9AA8-C5DF2A48A6D1}" type="slidenum">
+              <a:rPr lang="en-US" noProof="0" smtClean="0"/>
+              <a:pPr/>
+              <a:t>15</a:t>
+            </a:fld>
+            <a:endParaRPr lang="en-US" noProof="0" dirty="0"/>
+          </a:p>
+        </p:txBody>
+      </p:sp>
+      <p:sp>
+        <p:nvSpPr>
+          <p:cNvPr id="3" name="Text Placeholder 2">
+            <a:extLst>
+              <a:ext uri="{FF2B5EF4-FFF2-40B4-BE49-F238E27FC236}">
+                <a16:creationId xmlns:a16="http://schemas.microsoft.com/office/drawing/2014/main" id="{E791523A-C4BB-413F-AFB1-48142DE8C55F}"/>
+              </a:ext>
+            </a:extLst>
+          </p:cNvPr>
+          <p:cNvSpPr>
+            <a:spLocks noGrp="1"/>
+          </p:cNvSpPr>
+          <p:nvPr>
+            <p:ph type="body" sz="quarter" idx="10"/>
+          </p:nvPr>
+        </p:nvSpPr>
+        <p:spPr/>
+        <p:txBody>
+          <a:bodyPr/>
+          <a:lstStyle/>
+          <a:p>
+            <a:r>
+              <a:rPr lang="en-US" b="1" dirty="0">
+                <a:solidFill>
+                  <a:schemeClr val="bg1"/>
+                </a:solidFill>
+              </a:rPr>
+              <a:t>Debugging</a:t>
+            </a:r>
+            <a:r>
+              <a:rPr lang="bg-BG" dirty="0"/>
+              <a:t> == </a:t>
+            </a:r>
+            <a:r>
+              <a:rPr lang="en-US" dirty="0"/>
+              <a:t>the process of step-by-step tracing the program execution</a:t>
+            </a:r>
+            <a:endParaRPr lang="bg-BG" dirty="0"/>
+          </a:p>
+          <a:p>
+            <a:pPr lvl="1"/>
+            <a:r>
+              <a:rPr lang="en-US" dirty="0"/>
+              <a:t>This helps finding errors (bugs)</a:t>
+            </a:r>
+            <a:endParaRPr lang="bg-BG" dirty="0"/>
+          </a:p>
+        </p:txBody>
+      </p:sp>
+      <p:sp>
+        <p:nvSpPr>
+          <p:cNvPr id="4" name="Title 3"/>
+          <p:cNvSpPr>
+            <a:spLocks noGrp="1"/>
+          </p:cNvSpPr>
+          <p:nvPr>
+            <p:ph type="title"/>
+          </p:nvPr>
+        </p:nvSpPr>
+        <p:spPr/>
+        <p:txBody>
+          <a:bodyPr/>
+          <a:lstStyle/>
+          <a:p>
+            <a:r>
+              <a:rPr lang="en-US"/>
+              <a:t>Debugging</a:t>
+            </a:r>
+            <a:endParaRPr lang="en-GB" dirty="0"/>
+          </a:p>
+        </p:txBody>
+      </p:sp>
       <p:pic>
         <p:nvPicPr>
           <p:cNvPr id="5" name="Picture 4"/>
@@ -14849,78 +12383,6 @@
       </p:pic>
       <p:sp>
         <p:nvSpPr>
-          <p:cNvPr id="3" name="Text Placeholder 2">
-            <a:extLst>
-              <a:ext uri="{FF2B5EF4-FFF2-40B4-BE49-F238E27FC236}">
-                <a16:creationId xmlns:a16="http://schemas.microsoft.com/office/drawing/2014/main" id="{E791523A-C4BB-413F-AFB1-48142DE8C55F}"/>
-              </a:ext>
-            </a:extLst>
-          </p:cNvPr>
-          <p:cNvSpPr>
-            <a:spLocks noGrp="1"/>
-          </p:cNvSpPr>
-          <p:nvPr>
-            <p:ph type="body" sz="quarter" idx="10"/>
-          </p:nvPr>
-        </p:nvSpPr>
-        <p:spPr/>
-        <p:txBody>
-          <a:bodyPr/>
-          <a:lstStyle/>
-          <a:p>
-            <a:r>
-              <a:rPr lang="en-US" b="1" dirty="0">
-                <a:solidFill>
-                  <a:schemeClr val="bg1"/>
-                </a:solidFill>
-              </a:rPr>
-              <a:t>Debugging</a:t>
-            </a:r>
-            <a:r>
-              <a:rPr lang="bg-BG" dirty="0"/>
-              <a:t> == </a:t>
-            </a:r>
-            <a:r>
-              <a:rPr lang="en-US" dirty="0"/>
-              <a:t>the process of step-by-step tracing the program execution</a:t>
-            </a:r>
-            <a:endParaRPr lang="bg-BG" dirty="0"/>
-          </a:p>
-          <a:p>
-            <a:pPr lvl="1"/>
-            <a:r>
-              <a:rPr lang="en-US" dirty="0"/>
-              <a:t>This helps finding errors (bugs)</a:t>
-            </a:r>
-            <a:endParaRPr lang="bg-BG" dirty="0"/>
-          </a:p>
-        </p:txBody>
-      </p:sp>
-      <p:sp>
-        <p:nvSpPr>
-          <p:cNvPr id="4" name="Title 3"/>
-          <p:cNvSpPr>
-            <a:spLocks noGrp="1"/>
-          </p:cNvSpPr>
-          <p:nvPr>
-            <p:ph type="title"/>
-          </p:nvPr>
-        </p:nvSpPr>
-        <p:spPr/>
-        <p:txBody>
-          <a:bodyPr/>
-          <a:lstStyle/>
-          <a:p>
-            <a:r>
-              <a:rPr lang="en-US"/>
-              <a:t>Debugging</a:t>
-            </a:r>
-            <a:endParaRPr lang="en-GB" dirty="0"/>
-          </a:p>
-        </p:txBody>
-      </p:sp>
-      <p:sp>
-        <p:nvSpPr>
           <p:cNvPr id="6" name="AutoShape 7">
             <a:extLst>
               <a:ext uri="{FF2B5EF4-FFF2-40B4-BE49-F238E27FC236}">
@@ -14935,26 +12397,26 @@
         </p:nvSpPr>
         <p:spPr bwMode="auto">
           <a:xfrm>
-            <a:off x="1989956" y="4342196"/>
+            <a:off x="1860128" y="3630704"/>
             <a:ext cx="2167605" cy="662392"/>
           </a:xfrm>
           <a:prstGeom prst="wedgeRoundRectCallout">
             <a:avLst>
-              <a:gd name="adj1" fmla="val 60374"/>
-              <a:gd name="adj2" fmla="val -48807"/>
+              <a:gd name="adj1" fmla="val 64593"/>
+              <a:gd name="adj2" fmla="val 37088"/>
               <a:gd name="adj3" fmla="val 16667"/>
             </a:avLst>
           </a:prstGeom>
           <a:solidFill>
-            <a:schemeClr val="accent2">
+            <a:schemeClr val="bg1">
               <a:lumMod val="75000"/>
-              <a:alpha val="80000"/>
+              <a:alpha val="89804"/>
             </a:schemeClr>
           </a:solidFill>
           <a:ln w="19050">
             <a:solidFill>
               <a:schemeClr val="bg1">
-                <a:lumMod val="50000"/>
+                <a:lumMod val="75000"/>
                 <a:alpha val="80000"/>
               </a:schemeClr>
             </a:solidFill>
@@ -14991,6 +12453,13 @@
                 <a:solidFill>
                   <a:srgbClr val="FFFFFF"/>
                 </a:solidFill>
+                <a:effectLst>
+                  <a:outerShdw blurRad="38100" dist="38100" dir="2700000" algn="tl">
+                    <a:srgbClr val="000000">
+                      <a:alpha val="43137"/>
+                    </a:srgbClr>
+                  </a:outerShdw>
+                </a:effectLst>
               </a:rPr>
               <a:t>Breakpoint</a:t>
             </a:r>
@@ -14998,42 +12467,14 @@
               <a:solidFill>
                 <a:srgbClr val="FFFFFF"/>
               </a:solidFill>
+              <a:effectLst>
+                <a:outerShdw blurRad="38100" dist="38100" dir="2700000" algn="tl">
+                  <a:srgbClr val="000000">
+                    <a:alpha val="43137"/>
+                  </a:srgbClr>
+                </a:outerShdw>
+              </a:effectLst>
             </a:endParaRPr>
-          </a:p>
-        </p:txBody>
-      </p:sp>
-      <p:sp>
-        <p:nvSpPr>
-          <p:cNvPr id="7" name="Slide Number Placeholder 1">
-            <a:extLst>
-              <a:ext uri="{FF2B5EF4-FFF2-40B4-BE49-F238E27FC236}">
-                <a16:creationId xmlns:a16="http://schemas.microsoft.com/office/drawing/2014/main" id="{4822F2F8-741E-4783-B268-222AB0766123}"/>
-              </a:ext>
-            </a:extLst>
-          </p:cNvPr>
-          <p:cNvSpPr>
-            <a:spLocks noGrp="1"/>
-          </p:cNvSpPr>
-          <p:nvPr>
-            <p:ph type="sldNum" sz="quarter" idx="5"/>
-          </p:nvPr>
-        </p:nvSpPr>
-        <p:spPr>
-          <a:xfrm>
-            <a:off x="11753030" y="6507000"/>
-            <a:ext cx="367414" cy="297000"/>
-          </a:xfrm>
-        </p:spPr>
-        <p:txBody>
-          <a:bodyPr/>
-          <a:lstStyle/>
-          <a:p>
-            <a:fld id="{2BF067CD-8E6B-4360-9AA8-C5DF2A48A6D1}" type="slidenum">
-              <a:rPr lang="en-US" noProof="0" smtClean="0"/>
-              <a:pPr/>
-              <a:t>15</a:t>
-            </a:fld>
-            <a:endParaRPr lang="en-US" noProof="0" dirty="0"/>
           </a:p>
         </p:txBody>
       </p:sp>
@@ -15680,7 +13121,7 @@
         </p:nvSpPr>
         <p:spPr>
           <a:xfrm>
-            <a:off x="4870276" y="1635051"/>
+            <a:off x="4818588" y="1604571"/>
             <a:ext cx="2473052" cy="2062103"/>
           </a:xfrm>
           <a:prstGeom prst="rect">
@@ -15699,6 +13140,13 @@
                 <a:solidFill>
                   <a:schemeClr val="bg2"/>
                 </a:solidFill>
+                <a:effectLst>
+                  <a:outerShdw blurRad="38100" dist="38100" dir="2700000" algn="tl">
+                    <a:srgbClr val="000000">
+                      <a:alpha val="43137"/>
+                    </a:srgbClr>
+                  </a:outerShdw>
+                </a:effectLst>
                 <a:latin typeface="Consolas" panose="020B0609020204030204" pitchFamily="49" charset="0"/>
               </a:rPr>
               <a:t>switch()</a:t>
@@ -15710,6 +13158,13 @@
                 <a:solidFill>
                   <a:schemeClr val="bg2"/>
                 </a:solidFill>
+                <a:effectLst>
+                  <a:outerShdw blurRad="38100" dist="38100" dir="2700000" algn="tl">
+                    <a:srgbClr val="000000">
+                      <a:alpha val="43137"/>
+                    </a:srgbClr>
+                  </a:outerShdw>
+                </a:effectLst>
                 <a:latin typeface="Consolas" panose="020B0609020204030204" pitchFamily="49" charset="0"/>
               </a:rPr>
               <a:t>  case:</a:t>
@@ -15721,6 +13176,13 @@
                 <a:solidFill>
                   <a:schemeClr val="bg2"/>
                 </a:solidFill>
+                <a:effectLst>
+                  <a:outerShdw blurRad="38100" dist="38100" dir="2700000" algn="tl">
+                    <a:srgbClr val="000000">
+                      <a:alpha val="43137"/>
+                    </a:srgbClr>
+                  </a:outerShdw>
+                </a:effectLst>
                 <a:latin typeface="Consolas" panose="020B0609020204030204" pitchFamily="49" charset="0"/>
               </a:rPr>
               <a:t>    …</a:t>
@@ -15732,6 +13194,13 @@
                 <a:solidFill>
                   <a:schemeClr val="bg2"/>
                 </a:solidFill>
+                <a:effectLst>
+                  <a:outerShdw blurRad="38100" dist="38100" dir="2700000" algn="tl">
+                    <a:srgbClr val="000000">
+                      <a:alpha val="43137"/>
+                    </a:srgbClr>
+                  </a:outerShdw>
+                </a:effectLst>
                 <a:latin typeface="Consolas" panose="020B0609020204030204" pitchFamily="49" charset="0"/>
               </a:rPr>
               <a:t>  default:  </a:t>
@@ -16158,26 +13627,26 @@
         </p:nvSpPr>
         <p:spPr bwMode="auto">
           <a:xfrm>
-            <a:off x="7055111" y="2062064"/>
-            <a:ext cx="3352800" cy="1092757"/>
+            <a:off x="7067996" y="2133842"/>
+            <a:ext cx="3418904" cy="1131254"/>
           </a:xfrm>
           <a:prstGeom prst="wedgeRoundRectCallout">
             <a:avLst>
-              <a:gd name="adj1" fmla="val -75250"/>
-              <a:gd name="adj2" fmla="val -29948"/>
+              <a:gd name="adj1" fmla="val -75553"/>
+              <a:gd name="adj2" fmla="val -37133"/>
               <a:gd name="adj3" fmla="val 16667"/>
             </a:avLst>
           </a:prstGeom>
           <a:solidFill>
-            <a:schemeClr val="accent2">
+            <a:schemeClr val="bg1">
               <a:lumMod val="75000"/>
-              <a:alpha val="80000"/>
+              <a:alpha val="89804"/>
             </a:schemeClr>
           </a:solidFill>
           <a:ln w="19050">
             <a:solidFill>
               <a:schemeClr val="bg1">
-                <a:lumMod val="50000"/>
+                <a:lumMod val="75000"/>
                 <a:alpha val="80000"/>
               </a:schemeClr>
             </a:solidFill>
@@ -16214,27 +13683,48 @@
                 <a:solidFill>
                   <a:srgbClr val="FFFFFF"/>
                 </a:solidFill>
+                <a:effectLst>
+                  <a:outerShdw blurRad="38100" dist="38100" dir="2700000" algn="tl">
+                    <a:srgbClr val="000000">
+                      <a:alpha val="43137"/>
+                    </a:srgbClr>
+                  </a:outerShdw>
+                </a:effectLst>
               </a:rPr>
-              <a:t>The switch starts by an input </a:t>
+              <a:t>The switch starts by an </a:t>
             </a:r>
             <a:r>
               <a:rPr lang="en-US" sz="2800" b="1" dirty="0">
                 <a:solidFill>
                   <a:schemeClr val="accent4">
-                    <a:lumMod val="60000"/>
-                    <a:lumOff val="40000"/>
+                    <a:lumMod val="40000"/>
+                    <a:lumOff val="60000"/>
                   </a:schemeClr>
                 </a:solidFill>
+                <a:effectLst>
+                  <a:outerShdw blurRad="38100" dist="38100" dir="2700000" algn="tl">
+                    <a:srgbClr val="000000">
+                      <a:alpha val="43137"/>
+                    </a:srgbClr>
+                  </a:outerShdw>
+                </a:effectLst>
               </a:rPr>
-              <a:t>expression</a:t>
+              <a:t>input expression</a:t>
             </a:r>
             <a:endParaRPr lang="bg-BG" sz="2800" b="1" dirty="0">
               <a:solidFill>
                 <a:schemeClr val="accent4">
-                  <a:lumMod val="60000"/>
-                  <a:lumOff val="40000"/>
+                  <a:lumMod val="40000"/>
+                  <a:lumOff val="60000"/>
                 </a:schemeClr>
               </a:solidFill>
+              <a:effectLst>
+                <a:outerShdw blurRad="38100" dist="38100" dir="2700000" algn="tl">
+                  <a:srgbClr val="000000">
+                    <a:alpha val="43137"/>
+                  </a:srgbClr>
+                </a:outerShdw>
+              </a:effectLst>
             </a:endParaRPr>
           </a:p>
         </p:txBody>
@@ -16255,8 +13745,8 @@
         </p:nvSpPr>
         <p:spPr bwMode="auto">
           <a:xfrm>
-            <a:off x="909836" y="2945264"/>
-            <a:ext cx="3184701" cy="1080120"/>
+            <a:off x="741738" y="2945264"/>
+            <a:ext cx="3352799" cy="1131808"/>
           </a:xfrm>
           <a:prstGeom prst="wedgeRoundRectCallout">
             <a:avLst>
@@ -16266,15 +13756,15 @@
             </a:avLst>
           </a:prstGeom>
           <a:solidFill>
-            <a:schemeClr val="accent2">
+            <a:schemeClr val="bg1">
               <a:lumMod val="75000"/>
-              <a:alpha val="80000"/>
+              <a:alpha val="89804"/>
             </a:schemeClr>
           </a:solidFill>
           <a:ln w="19050">
             <a:solidFill>
               <a:schemeClr val="bg1">
-                <a:lumMod val="50000"/>
+                <a:lumMod val="75000"/>
                 <a:alpha val="80000"/>
               </a:schemeClr>
             </a:solidFill>
@@ -16311,6 +13801,13 @@
                 <a:solidFill>
                   <a:srgbClr val="FFFFFF"/>
                 </a:solidFill>
+                <a:effectLst>
+                  <a:outerShdw blurRad="38100" dist="38100" dir="2700000" algn="tl">
+                    <a:srgbClr val="000000">
+                      <a:alpha val="43137"/>
+                    </a:srgbClr>
+                  </a:outerShdw>
+                </a:effectLst>
               </a:rPr>
               <a:t>Sequence of</a:t>
             </a:r>
@@ -16319,16 +13816,30 @@
                 <a:solidFill>
                   <a:srgbClr val="FFFFFF"/>
                 </a:solidFill>
+                <a:effectLst>
+                  <a:outerShdw blurRad="38100" dist="38100" dir="2700000" algn="tl">
+                    <a:srgbClr val="000000">
+                      <a:alpha val="43137"/>
+                    </a:srgbClr>
+                  </a:outerShdw>
+                </a:effectLst>
               </a:rPr>
             </a:br>
             <a:r>
               <a:rPr lang="en-US" sz="2800" b="1" dirty="0">
                 <a:solidFill>
                   <a:schemeClr val="accent4">
-                    <a:lumMod val="60000"/>
-                    <a:lumOff val="40000"/>
+                    <a:lumMod val="40000"/>
+                    <a:lumOff val="60000"/>
                   </a:schemeClr>
                 </a:solidFill>
+                <a:effectLst>
+                  <a:outerShdw blurRad="38100" dist="38100" dir="2700000" algn="tl">
+                    <a:srgbClr val="000000">
+                      <a:alpha val="43137"/>
+                    </a:srgbClr>
+                  </a:outerShdw>
+                </a:effectLst>
               </a:rPr>
               <a:t>values</a:t>
             </a:r>
@@ -16337,6 +13848,13 @@
                 <a:solidFill>
                   <a:srgbClr val="FFFFFF"/>
                 </a:solidFill>
+                <a:effectLst>
+                  <a:outerShdw blurRad="38100" dist="38100" dir="2700000" algn="tl">
+                    <a:srgbClr val="000000">
+                      <a:alpha val="43137"/>
+                    </a:srgbClr>
+                  </a:outerShdw>
+                </a:effectLst>
               </a:rPr>
               <a:t> for checking</a:t>
             </a:r>
@@ -16344,6 +13862,13 @@
               <a:solidFill>
                 <a:srgbClr val="FFFFFF"/>
               </a:solidFill>
+              <a:effectLst>
+                <a:outerShdw blurRad="38100" dist="38100" dir="2700000" algn="tl">
+                  <a:srgbClr val="000000">
+                    <a:alpha val="43137"/>
+                  </a:srgbClr>
+                </a:outerShdw>
+              </a:effectLst>
             </a:endParaRPr>
           </a:p>
         </p:txBody>
@@ -16477,7 +14002,7 @@
         <p:spPr bwMode="auto">
           <a:xfrm>
             <a:off x="7345566" y="4282936"/>
-            <a:ext cx="3325990" cy="1131254"/>
+            <a:ext cx="3352800" cy="1131254"/>
           </a:xfrm>
           <a:prstGeom prst="wedgeRoundRectCallout">
             <a:avLst>
@@ -16487,15 +14012,15 @@
             </a:avLst>
           </a:prstGeom>
           <a:solidFill>
-            <a:schemeClr val="accent2">
+            <a:schemeClr val="bg1">
               <a:lumMod val="75000"/>
-              <a:alpha val="80000"/>
+              <a:alpha val="89804"/>
             </a:schemeClr>
           </a:solidFill>
           <a:ln w="19050">
             <a:solidFill>
               <a:schemeClr val="bg1">
-                <a:lumMod val="50000"/>
+                <a:lumMod val="75000"/>
                 <a:alpha val="80000"/>
               </a:schemeClr>
             </a:solidFill>
@@ -16532,13 +14057,48 @@
                 <a:solidFill>
                   <a:srgbClr val="FFFFFF"/>
                 </a:solidFill>
+                <a:effectLst>
+                  <a:outerShdw blurRad="38100" dist="38100" dir="2700000" algn="tl">
+                    <a:srgbClr val="000000">
+                      <a:alpha val="43137"/>
+                    </a:srgbClr>
+                  </a:outerShdw>
+                </a:effectLst>
               </a:rPr>
-              <a:t>Code to execute if no case is matched</a:t>
+              <a:t>Code to execute if </a:t>
+            </a:r>
+            <a:r>
+              <a:rPr lang="en-US" sz="2800" b="1" dirty="0">
+                <a:solidFill>
+                  <a:schemeClr val="accent4">
+                    <a:lumMod val="40000"/>
+                    <a:lumOff val="60000"/>
+                  </a:schemeClr>
+                </a:solidFill>
+                <a:effectLst>
+                  <a:outerShdw blurRad="38100" dist="38100" dir="2700000" algn="tl">
+                    <a:srgbClr val="000000">
+                      <a:alpha val="43137"/>
+                    </a:srgbClr>
+                  </a:outerShdw>
+                </a:effectLst>
+              </a:rPr>
+              <a:t>no case is matched</a:t>
             </a:r>
             <a:endParaRPr lang="bg-BG" sz="2800" b="1" dirty="0">
               <a:solidFill>
-                <a:srgbClr val="FFFFFF"/>
+                <a:schemeClr val="accent4">
+                  <a:lumMod val="40000"/>
+                  <a:lumOff val="60000"/>
+                </a:schemeClr>
               </a:solidFill>
+              <a:effectLst>
+                <a:outerShdw blurRad="38100" dist="38100" dir="2700000" algn="tl">
+                  <a:srgbClr val="000000">
+                    <a:alpha val="43137"/>
+                  </a:srgbClr>
+                </a:outerShdw>
+              </a:effectLst>
             </a:endParaRPr>
           </a:p>
         </p:txBody>
@@ -18036,12 +15596,7 @@
             <p:ph type="sldNum" sz="quarter" idx="5"/>
           </p:nvPr>
         </p:nvSpPr>
-        <p:spPr>
-          <a:xfrm>
-            <a:off x="11753030" y="6507000"/>
-            <a:ext cx="367414" cy="297000"/>
-          </a:xfrm>
-        </p:spPr>
+        <p:spPr/>
         <p:txBody>
           <a:bodyPr/>
           <a:lstStyle/>
@@ -18079,7 +15634,7 @@
           <a:lstStyle/>
           <a:p>
             <a:r>
-              <a:rPr lang="en-US" b="1">
+              <a:rPr lang="en-US" b="1" dirty="0">
                 <a:solidFill>
                   <a:schemeClr val="bg1"/>
                 </a:solidFill>
@@ -18087,11 +15642,11 @@
               <a:t>Objects</a:t>
             </a:r>
             <a:r>
-              <a:rPr lang="en-US"/>
+              <a:rPr lang="en-US" dirty="0"/>
               <a:t> and </a:t>
             </a:r>
             <a:r>
-              <a:rPr lang="en-US" b="1">
+              <a:rPr lang="en-US" b="1" dirty="0">
                 <a:solidFill>
                   <a:schemeClr val="bg1"/>
                 </a:solidFill>
@@ -18102,14 +15657,14 @@
           <a:p>
             <a:pPr lvl="1"/>
             <a:r>
-              <a:rPr lang="en-US"/>
+              <a:rPr lang="en-US" dirty="0"/>
               <a:t>JS Objects and Properties</a:t>
             </a:r>
           </a:p>
           <a:p>
             <a:pPr lvl="1"/>
             <a:r>
-              <a:rPr lang="en-US"/>
+              <a:rPr lang="en-US" dirty="0"/>
               <a:t>JSON: </a:t>
             </a:r>
             <a:r>
@@ -18117,21 +15672,21 @@
               <a:t>Stringify</a:t>
             </a:r>
             <a:r>
-              <a:rPr lang="en-US"/>
+              <a:rPr lang="en-US" dirty="0"/>
               <a:t> and Parse</a:t>
             </a:r>
-            <a:endParaRPr lang="bg-BG"/>
-          </a:p>
-          <a:p>
-            <a:r>
-              <a:rPr lang="en-US" b="1">
+            <a:endParaRPr lang="bg-BG" dirty="0"/>
+          </a:p>
+          <a:p>
+            <a:r>
+              <a:rPr lang="en-US" b="1" dirty="0">
                 <a:solidFill>
                   <a:schemeClr val="bg1"/>
                 </a:solidFill>
               </a:rPr>
               <a:t>Associative Arrays</a:t>
             </a:r>
-            <a:endParaRPr lang="bg-BG" b="1">
+            <a:endParaRPr lang="bg-BG" b="1" dirty="0">
               <a:solidFill>
                 <a:schemeClr val="bg1"/>
               </a:solidFill>
@@ -18140,24 +15695,24 @@
           <a:p>
             <a:pPr lvl="1"/>
             <a:r>
-              <a:rPr lang="en-US"/>
+              <a:rPr lang="en-US" dirty="0"/>
               <a:t>Mapping Keys to Values</a:t>
             </a:r>
           </a:p>
           <a:p>
             <a:pPr lvl="1"/>
             <a:r>
-              <a:rPr lang="en-US"/>
+              <a:rPr lang="en-US" dirty="0"/>
               <a:t>Iterating over the Key-Value Pairs</a:t>
             </a:r>
           </a:p>
           <a:p>
             <a:r>
-              <a:rPr lang="en-US"/>
+              <a:rPr lang="en-US" dirty="0"/>
               <a:t>The </a:t>
             </a:r>
             <a:r>
-              <a:rPr lang="en-US" b="1">
+              <a:rPr lang="en-US" b="1" dirty="0">
                 <a:solidFill>
                   <a:schemeClr val="bg1"/>
                 </a:solidFill>
@@ -18165,17 +15720,17 @@
               <a:t>Map</a:t>
             </a:r>
             <a:r>
-              <a:rPr lang="en-US"/>
+              <a:rPr lang="en-US" dirty="0"/>
               <a:t> Class</a:t>
             </a:r>
           </a:p>
           <a:p>
             <a:r>
-              <a:rPr lang="en-US"/>
+              <a:rPr lang="en-US" dirty="0"/>
               <a:t>The </a:t>
             </a:r>
             <a:r>
-              <a:rPr lang="en-US" b="1">
+              <a:rPr lang="en-US" b="1" dirty="0">
                 <a:solidFill>
                   <a:schemeClr val="bg1"/>
                 </a:solidFill>
@@ -18183,10 +15738,9 @@
               <a:t>Set</a:t>
             </a:r>
             <a:r>
-              <a:rPr lang="en-US"/>
+              <a:rPr lang="en-US" dirty="0"/>
               <a:t> Class</a:t>
             </a:r>
-            <a:endParaRPr lang="en-US" dirty="0"/>
           </a:p>
         </p:txBody>
       </p:sp>
@@ -18200,12 +15754,7 @@
             <p:ph type="title"/>
           </p:nvPr>
         </p:nvSpPr>
-        <p:spPr>
-          <a:xfrm>
-            <a:off x="216000" y="144000"/>
-            <a:ext cx="9838852" cy="882654"/>
-          </a:xfrm>
-        </p:spPr>
+        <p:spPr/>
         <p:txBody>
           <a:bodyPr/>
           <a:lstStyle/>
@@ -18236,6 +15785,245 @@
       <p:transition spd="slow" advClick="0" advTm="5000"/>
     </mc:Fallback>
   </mc:AlternateContent>
+  <p:timing>
+    <p:tnLst>
+      <p:par>
+        <p:cTn id="1" dur="indefinite" restart="never" nodeType="tmRoot">
+          <p:childTnLst>
+            <p:seq concurrent="1" nextAc="seek">
+              <p:cTn id="2" dur="indefinite" nodeType="mainSeq">
+                <p:childTnLst>
+                  <p:par>
+                    <p:cTn id="3" fill="hold">
+                      <p:stCondLst>
+                        <p:cond delay="indefinite"/>
+                      </p:stCondLst>
+                      <p:childTnLst>
+                        <p:par>
+                          <p:cTn id="4" fill="hold">
+                            <p:stCondLst>
+                              <p:cond delay="0"/>
+                            </p:stCondLst>
+                            <p:childTnLst>
+                              <p:par>
+                                <p:cTn id="5" presetID="1" presetClass="entr" presetSubtype="0" fill="hold" nodeType="clickEffect">
+                                  <p:stCondLst>
+                                    <p:cond delay="0"/>
+                                  </p:stCondLst>
+                                  <p:childTnLst>
+                                    <p:set>
+                                      <p:cBhvr>
+                                        <p:cTn id="6" dur="1" fill="hold">
+                                          <p:stCondLst>
+                                            <p:cond delay="0"/>
+                                          </p:stCondLst>
+                                        </p:cTn>
+                                        <p:tgtEl>
+                                          <p:spTgt spid="11">
+                                            <p:txEl>
+                                              <p:pRg st="3" end="3"/>
+                                            </p:txEl>
+                                          </p:spTgt>
+                                        </p:tgtEl>
+                                        <p:attrNameLst>
+                                          <p:attrName>style.visibility</p:attrName>
+                                        </p:attrNameLst>
+                                      </p:cBhvr>
+                                      <p:to>
+                                        <p:strVal val="visible"/>
+                                      </p:to>
+                                    </p:set>
+                                  </p:childTnLst>
+                                </p:cTn>
+                              </p:par>
+                              <p:par>
+                                <p:cTn id="7" presetID="1" presetClass="entr" presetSubtype="0" fill="hold" nodeType="withEffect">
+                                  <p:stCondLst>
+                                    <p:cond delay="0"/>
+                                  </p:stCondLst>
+                                  <p:childTnLst>
+                                    <p:set>
+                                      <p:cBhvr>
+                                        <p:cTn id="8" dur="1" fill="hold">
+                                          <p:stCondLst>
+                                            <p:cond delay="0"/>
+                                          </p:stCondLst>
+                                        </p:cTn>
+                                        <p:tgtEl>
+                                          <p:spTgt spid="11">
+                                            <p:txEl>
+                                              <p:pRg st="4" end="4"/>
+                                            </p:txEl>
+                                          </p:spTgt>
+                                        </p:tgtEl>
+                                        <p:attrNameLst>
+                                          <p:attrName>style.visibility</p:attrName>
+                                        </p:attrNameLst>
+                                      </p:cBhvr>
+                                      <p:to>
+                                        <p:strVal val="visible"/>
+                                      </p:to>
+                                    </p:set>
+                                  </p:childTnLst>
+                                </p:cTn>
+                              </p:par>
+                              <p:par>
+                                <p:cTn id="9" presetID="1" presetClass="entr" presetSubtype="0" fill="hold" nodeType="withEffect">
+                                  <p:stCondLst>
+                                    <p:cond delay="0"/>
+                                  </p:stCondLst>
+                                  <p:childTnLst>
+                                    <p:set>
+                                      <p:cBhvr>
+                                        <p:cTn id="10" dur="1" fill="hold">
+                                          <p:stCondLst>
+                                            <p:cond delay="0"/>
+                                          </p:stCondLst>
+                                        </p:cTn>
+                                        <p:tgtEl>
+                                          <p:spTgt spid="11">
+                                            <p:txEl>
+                                              <p:pRg st="5" end="5"/>
+                                            </p:txEl>
+                                          </p:spTgt>
+                                        </p:tgtEl>
+                                        <p:attrNameLst>
+                                          <p:attrName>style.visibility</p:attrName>
+                                        </p:attrNameLst>
+                                      </p:cBhvr>
+                                      <p:to>
+                                        <p:strVal val="visible"/>
+                                      </p:to>
+                                    </p:set>
+                                  </p:childTnLst>
+                                </p:cTn>
+                              </p:par>
+                            </p:childTnLst>
+                          </p:cTn>
+                        </p:par>
+                      </p:childTnLst>
+                    </p:cTn>
+                  </p:par>
+                  <p:par>
+                    <p:cTn id="11" fill="hold">
+                      <p:stCondLst>
+                        <p:cond delay="indefinite"/>
+                      </p:stCondLst>
+                      <p:childTnLst>
+                        <p:par>
+                          <p:cTn id="12" fill="hold">
+                            <p:stCondLst>
+                              <p:cond delay="0"/>
+                            </p:stCondLst>
+                            <p:childTnLst>
+                              <p:par>
+                                <p:cTn id="13" presetID="1" presetClass="entr" presetSubtype="0" fill="hold" nodeType="clickEffect">
+                                  <p:stCondLst>
+                                    <p:cond delay="0"/>
+                                  </p:stCondLst>
+                                  <p:childTnLst>
+                                    <p:set>
+                                      <p:cBhvr>
+                                        <p:cTn id="14" dur="1" fill="hold">
+                                          <p:stCondLst>
+                                            <p:cond delay="0"/>
+                                          </p:stCondLst>
+                                        </p:cTn>
+                                        <p:tgtEl>
+                                          <p:spTgt spid="11">
+                                            <p:txEl>
+                                              <p:pRg st="6" end="6"/>
+                                            </p:txEl>
+                                          </p:spTgt>
+                                        </p:tgtEl>
+                                        <p:attrNameLst>
+                                          <p:attrName>style.visibility</p:attrName>
+                                        </p:attrNameLst>
+                                      </p:cBhvr>
+                                      <p:to>
+                                        <p:strVal val="visible"/>
+                                      </p:to>
+                                    </p:set>
+                                  </p:childTnLst>
+                                </p:cTn>
+                              </p:par>
+                            </p:childTnLst>
+                          </p:cTn>
+                        </p:par>
+                      </p:childTnLst>
+                    </p:cTn>
+                  </p:par>
+                  <p:par>
+                    <p:cTn id="15" fill="hold">
+                      <p:stCondLst>
+                        <p:cond delay="indefinite"/>
+                      </p:stCondLst>
+                      <p:childTnLst>
+                        <p:par>
+                          <p:cTn id="16" fill="hold">
+                            <p:stCondLst>
+                              <p:cond delay="0"/>
+                            </p:stCondLst>
+                            <p:childTnLst>
+                              <p:par>
+                                <p:cTn id="17" presetID="1" presetClass="entr" presetSubtype="0" fill="hold" nodeType="clickEffect">
+                                  <p:stCondLst>
+                                    <p:cond delay="0"/>
+                                  </p:stCondLst>
+                                  <p:childTnLst>
+                                    <p:set>
+                                      <p:cBhvr>
+                                        <p:cTn id="18" dur="1" fill="hold">
+                                          <p:stCondLst>
+                                            <p:cond delay="0"/>
+                                          </p:stCondLst>
+                                        </p:cTn>
+                                        <p:tgtEl>
+                                          <p:spTgt spid="11">
+                                            <p:txEl>
+                                              <p:pRg st="7" end="7"/>
+                                            </p:txEl>
+                                          </p:spTgt>
+                                        </p:tgtEl>
+                                        <p:attrNameLst>
+                                          <p:attrName>style.visibility</p:attrName>
+                                        </p:attrNameLst>
+                                      </p:cBhvr>
+                                      <p:to>
+                                        <p:strVal val="visible"/>
+                                      </p:to>
+                                    </p:set>
+                                  </p:childTnLst>
+                                </p:cTn>
+                              </p:par>
+                            </p:childTnLst>
+                          </p:cTn>
+                        </p:par>
+                      </p:childTnLst>
+                    </p:cTn>
+                  </p:par>
+                </p:childTnLst>
+              </p:cTn>
+              <p:prevCondLst>
+                <p:cond evt="onPrev" delay="0">
+                  <p:tgtEl>
+                    <p:sldTgt/>
+                  </p:tgtEl>
+                </p:cond>
+              </p:prevCondLst>
+              <p:nextCondLst>
+                <p:cond evt="onNext" delay="0">
+                  <p:tgtEl>
+                    <p:sldTgt/>
+                  </p:tgtEl>
+                </p:cond>
+              </p:nextCondLst>
+            </p:seq>
+          </p:childTnLst>
+        </p:cTn>
+      </p:par>
+    </p:tnLst>
+  </p:timing>
 </p:sld>
 </file>
 
@@ -19055,12 +16843,11 @@
             <a:avLst/>
           </a:prstGeom>
           <a:effectLst>
-            <a:glow rad="63500">
-              <a:schemeClr val="accent5">
-                <a:satMod val="175000"/>
+            <a:outerShdw blurRad="63500" sx="102000" sy="102000" algn="ctr" rotWithShape="0">
+              <a:prstClr val="black">
                 <a:alpha val="40000"/>
-              </a:schemeClr>
-            </a:glow>
+              </a:prstClr>
+            </a:outerShdw>
           </a:effectLst>
         </p:spPr>
       </p:pic>
@@ -19118,7 +16905,12 @@
             <p:ph type="body" idx="1"/>
           </p:nvPr>
         </p:nvSpPr>
-        <p:spPr/>
+        <p:spPr>
+          <a:xfrm>
+            <a:off x="765821" y="1310003"/>
+            <a:ext cx="10873208" cy="5143333"/>
+          </a:xfrm>
+        </p:spPr>
         <p:txBody>
           <a:bodyPr>
             <a:normAutofit fontScale="92500" lnSpcReduction="20000"/>
@@ -19131,23 +16923,41 @@
               </a:lnSpc>
             </a:pPr>
             <a:r>
-              <a:rPr lang="en-US" b="1" dirty="0"/>
+              <a:rPr lang="en-US" b="1" dirty="0">
+                <a:solidFill>
+                  <a:schemeClr val="accent4">
+                    <a:lumMod val="40000"/>
+                    <a:lumOff val="60000"/>
+                  </a:schemeClr>
+                </a:solidFill>
+              </a:rPr>
               <a:t>Value proposition </a:t>
             </a:r>
             <a:r>
-              <a:rPr lang="en-US" dirty="0"/>
+              <a:rPr lang="en-US" b="1" dirty="0">
+                <a:solidFill>
+                  <a:srgbClr val="FFFFFF"/>
+                </a:solidFill>
+              </a:rPr>
               <a:t>== what the </a:t>
             </a:r>
             <a:r>
               <a:rPr lang="en-US" b="1" dirty="0">
                 <a:solidFill>
-                  <a:srgbClr val="FFFFFF"/>
+                  <a:schemeClr val="accent4">
+                    <a:lumMod val="40000"/>
+                    <a:lumOff val="60000"/>
+                  </a:schemeClr>
                 </a:solidFill>
               </a:rPr>
               <a:t>problem</a:t>
             </a:r>
             <a:r>
-              <a:rPr lang="en-US" dirty="0"/>
+              <a:rPr lang="en-US" b="1" dirty="0">
+                <a:solidFill>
+                  <a:srgbClr val="FFFFFF"/>
+                </a:solidFill>
+              </a:rPr>
               <a:t> is and how your product / service solves it?</a:t>
             </a:r>
           </a:p>
@@ -19160,13 +16970,20 @@
             <a:r>
               <a:rPr lang="en-US" b="1" dirty="0">
                 <a:solidFill>
-                  <a:srgbClr val="FFFFFF"/>
+                  <a:schemeClr val="accent4">
+                    <a:lumMod val="40000"/>
+                    <a:lumOff val="60000"/>
+                  </a:schemeClr>
                 </a:solidFill>
               </a:rPr>
               <a:t>Value</a:t>
             </a:r>
             <a:r>
-              <a:rPr lang="en-US" dirty="0"/>
+              <a:rPr lang="en-US" b="1" dirty="0">
+                <a:solidFill>
+                  <a:srgbClr val="FFFFFF"/>
+                </a:solidFill>
+              </a:rPr>
               <a:t> == how much benefit or usefulness you get?</a:t>
             </a:r>
           </a:p>
@@ -19179,13 +16996,20 @@
             <a:r>
               <a:rPr lang="en-US" b="1" dirty="0">
                 <a:solidFill>
-                  <a:srgbClr val="FFFFFF"/>
+                  <a:schemeClr val="accent4">
+                    <a:lumMod val="40000"/>
+                    <a:lumOff val="60000"/>
+                  </a:schemeClr>
                 </a:solidFill>
               </a:rPr>
               <a:t>Customer</a:t>
             </a:r>
             <a:r>
-              <a:rPr lang="en-US" dirty="0"/>
+              <a:rPr lang="en-US" b="1" dirty="0">
+                <a:solidFill>
+                  <a:srgbClr val="FFFFFF"/>
+                </a:solidFill>
+              </a:rPr>
               <a:t> value drivers == price, quality, convenience, innovation, personalization, brand reputation, customer service, user experience, sustainability, and emotional appeal</a:t>
             </a:r>
           </a:p>
@@ -19198,13 +17022,20 @@
             <a:r>
               <a:rPr lang="en-US" b="1" dirty="0">
                 <a:solidFill>
-                  <a:srgbClr val="FFFFFF"/>
+                  <a:schemeClr val="accent4">
+                    <a:lumMod val="40000"/>
+                    <a:lumOff val="60000"/>
+                  </a:schemeClr>
                 </a:solidFill>
               </a:rPr>
               <a:t>Unique Selling Proposition (USP) </a:t>
             </a:r>
             <a:r>
-              <a:rPr lang="en-US" dirty="0"/>
+              <a:rPr lang="en-US" b="1" dirty="0">
+                <a:solidFill>
+                  <a:srgbClr val="FFFFFF"/>
+                </a:solidFill>
+              </a:rPr>
               <a:t>== how you are different?</a:t>
             </a:r>
           </a:p>
@@ -19217,13 +17048,20 @@
             <a:r>
               <a:rPr lang="en-US" b="1" dirty="0">
                 <a:solidFill>
-                  <a:srgbClr val="FFFFFF"/>
+                  <a:schemeClr val="accent4">
+                    <a:lumMod val="40000"/>
+                    <a:lumOff val="60000"/>
+                  </a:schemeClr>
                 </a:solidFill>
               </a:rPr>
               <a:t>Value Proposition Canvas </a:t>
             </a:r>
             <a:r>
-              <a:rPr lang="en-US" dirty="0"/>
+              <a:rPr lang="en-US" b="1" dirty="0">
+                <a:solidFill>
+                  <a:srgbClr val="FFFFFF"/>
+                </a:solidFill>
+              </a:rPr>
               <a:t>== a framework for designing a value proposition</a:t>
             </a:r>
           </a:p>
@@ -19543,9 +17381,16 @@
             <p:ph type="body" idx="1"/>
           </p:nvPr>
         </p:nvSpPr>
-        <p:spPr/>
+        <p:spPr>
+          <a:xfrm>
+            <a:off x="765820" y="1556792"/>
+            <a:ext cx="10932891" cy="4896544"/>
+          </a:xfrm>
+        </p:spPr>
         <p:txBody>
-          <a:bodyPr/>
+          <a:bodyPr>
+            <a:normAutofit/>
+          </a:bodyPr>
           <a:lstStyle/>
           <a:p>
             <a:pPr marL="354013" indent="-354013">
@@ -19557,20 +17402,23 @@
               </a:buClr>
             </a:pPr>
             <a:r>
-              <a:rPr lang="en-US" sz="3600" b="1" dirty="0">
-                <a:solidFill>
-                  <a:srgbClr val="FFFFFF"/>
+              <a:rPr lang="en-US" b="1" dirty="0">
+                <a:solidFill>
+                  <a:schemeClr val="accent4">
+                    <a:lumMod val="40000"/>
+                    <a:lumOff val="60000"/>
+                  </a:schemeClr>
                 </a:solidFill>
               </a:rPr>
               <a:t>Objects</a:t>
             </a:r>
             <a:r>
-              <a:rPr lang="en-US" sz="3600" dirty="0">
-                <a:solidFill>
-                  <a:schemeClr val="bg2"/>
+              <a:rPr lang="en-US" dirty="0">
+                <a:solidFill>
+                  <a:srgbClr val="FFFFFF"/>
                 </a:solidFill>
               </a:rPr>
-              <a:t> in hold key value pairs</a:t>
+              <a:t> hold key-value pairs</a:t>
             </a:r>
           </a:p>
           <a:p>
@@ -19583,17 +17431,20 @@
               </a:buClr>
             </a:pPr>
             <a:r>
-              <a:rPr lang="en-US" sz="3600" b="1" dirty="0">
-                <a:solidFill>
-                  <a:srgbClr val="FFFFFF"/>
+              <a:rPr lang="en-US" b="1" dirty="0">
+                <a:solidFill>
+                  <a:schemeClr val="accent4">
+                    <a:lumMod val="40000"/>
+                    <a:lumOff val="60000"/>
+                  </a:schemeClr>
                 </a:solidFill>
               </a:rPr>
               <a:t>Maps</a:t>
             </a:r>
             <a:r>
-              <a:rPr lang="en-US" sz="3600" dirty="0">
-                <a:solidFill>
-                  <a:schemeClr val="bg2"/>
+              <a:rPr lang="en-US" dirty="0">
+                <a:solidFill>
+                  <a:srgbClr val="FFFFFF"/>
                 </a:solidFill>
               </a:rPr>
               <a:t> map keys to values, preserves key order</a:t>
@@ -19608,9 +17459,9 @@
                 <a:schemeClr val="bg2"/>
               </a:buClr>
             </a:pPr>
-            <a:endParaRPr lang="en-US" sz="3600" dirty="0">
+            <a:endParaRPr lang="en-US" dirty="0">
               <a:solidFill>
-                <a:schemeClr val="bg2"/>
+                <a:srgbClr val="FFFFFF"/>
               </a:solidFill>
             </a:endParaRPr>
           </a:p>
@@ -19623,9 +17474,9 @@
                 <a:schemeClr val="bg2"/>
               </a:buClr>
             </a:pPr>
-            <a:endParaRPr lang="en-US" sz="3600" dirty="0">
+            <a:endParaRPr lang="en-US" dirty="0">
               <a:solidFill>
-                <a:schemeClr val="bg2"/>
+                <a:srgbClr val="FFFFFF"/>
               </a:solidFill>
             </a:endParaRPr>
           </a:p>
@@ -19642,17 +17493,20 @@
               </a:buClr>
             </a:pPr>
             <a:r>
-              <a:rPr lang="en-US" sz="3600" b="1" dirty="0">
-                <a:solidFill>
-                  <a:srgbClr val="FFFFFF"/>
+              <a:rPr lang="en-US" b="1" dirty="0">
+                <a:solidFill>
+                  <a:schemeClr val="accent4">
+                    <a:lumMod val="40000"/>
+                    <a:lumOff val="60000"/>
+                  </a:schemeClr>
                 </a:solidFill>
               </a:rPr>
               <a:t>Sets</a:t>
             </a:r>
             <a:r>
-              <a:rPr lang="en-US" sz="3600" dirty="0">
-                <a:solidFill>
-                  <a:schemeClr val="bg2"/>
+              <a:rPr lang="en-US" dirty="0">
+                <a:solidFill>
+                  <a:srgbClr val="FFFFFF"/>
                 </a:solidFill>
               </a:rPr>
               <a:t> hold unique collection of values</a:t>
@@ -19664,7 +17518,11 @@
                 <a:spcPct val="110000"/>
               </a:lnSpc>
             </a:pPr>
-            <a:endParaRPr lang="en-US" dirty="0"/>
+            <a:endParaRPr lang="en-US" dirty="0">
+              <a:solidFill>
+                <a:srgbClr val="FFFFFF"/>
+              </a:solidFill>
+            </a:endParaRPr>
           </a:p>
         </p:txBody>
       </p:sp>
@@ -19690,9 +17548,10 @@
           <a:lstStyle/>
           <a:p>
             <a:r>
-              <a:rPr lang="en-US" dirty="0"/>
+              <a:rPr lang="en-US"/>
               <a:t>Conclusion</a:t>
             </a:r>
+            <a:endParaRPr lang="en-US" dirty="0"/>
           </a:p>
         </p:txBody>
       </p:sp>
@@ -19750,14 +17609,14 @@
         </p:nvSpPr>
         <p:spPr>
           <a:xfrm>
-            <a:off x="1225860" y="2937876"/>
+            <a:off x="1246180" y="3094585"/>
             <a:ext cx="10125135" cy="1643252"/>
           </a:xfrm>
           <a:prstGeom prst="rect">
             <a:avLst/>
           </a:prstGeom>
           <a:solidFill>
-            <a:srgbClr val="E7F0FF"/>
+            <a:schemeClr val="bg2"/>
           </a:solidFill>
           <a:ln w="12700">
             <a:solidFill>
@@ -19944,14 +17803,14 @@
         </p:nvSpPr>
         <p:spPr>
           <a:xfrm>
-            <a:off x="1225860" y="5445224"/>
+            <a:off x="1246179" y="5586438"/>
             <a:ext cx="10125135" cy="576293"/>
           </a:xfrm>
           <a:prstGeom prst="rect">
             <a:avLst/>
           </a:prstGeom>
           <a:solidFill>
-            <a:srgbClr val="E7F0FF"/>
+            <a:schemeClr val="bg2"/>
           </a:solidFill>
           <a:ln w="12700">
             <a:solidFill>
@@ -20118,14 +17977,14 @@
         </p:nvSpPr>
         <p:spPr>
           <a:xfrm>
-            <a:off x="7034074" y="1484784"/>
+            <a:off x="6670476" y="1700808"/>
             <a:ext cx="3812137" cy="576293"/>
           </a:xfrm>
           <a:prstGeom prst="rect">
             <a:avLst/>
           </a:prstGeom>
           <a:solidFill>
-            <a:srgbClr val="E7F0FF"/>
+            <a:schemeClr val="bg2"/>
           </a:solidFill>
           <a:ln w="12700">
             <a:solidFill>
@@ -20443,9 +18302,6 @@
                     <p:cTn id="3" fill="hold">
                       <p:stCondLst>
                         <p:cond delay="indefinite"/>
-                        <p:cond evt="onBegin" delay="0">
-                          <p:tn val="2"/>
-                        </p:cond>
                       </p:stCondLst>
                       <p:childTnLst>
                         <p:par>
@@ -20455,7 +18311,7 @@
                             </p:stCondLst>
                             <p:childTnLst>
                               <p:par>
-                                <p:cTn id="5" presetID="1" presetClass="entr" presetSubtype="0" fill="hold" grpId="0" nodeType="withEffect">
+                                <p:cTn id="5" presetID="1" presetClass="entr" presetSubtype="0" fill="hold" nodeType="clickEffect">
                                   <p:stCondLst>
                                     <p:cond delay="0"/>
                                   </p:stCondLst>
@@ -20468,7 +18324,11 @@
                                           </p:stCondLst>
                                         </p:cTn>
                                         <p:tgtEl>
-                                          <p:spTgt spid="20"/>
+                                          <p:spTgt spid="6">
+                                            <p:txEl>
+                                              <p:pRg st="1" end="1"/>
+                                            </p:txEl>
+                                          </p:spTgt>
                                         </p:tgtEl>
                                         <p:attrNameLst>
                                           <p:attrName>style.visibility</p:attrName>
@@ -20490,6 +18350,82 @@
                                     <p:set>
                                       <p:cBhvr>
                                         <p:cTn id="8" dur="1" fill="hold">
+                                          <p:stCondLst>
+                                            <p:cond delay="0"/>
+                                          </p:stCondLst>
+                                        </p:cTn>
+                                        <p:tgtEl>
+                                          <p:spTgt spid="20"/>
+                                        </p:tgtEl>
+                                        <p:attrNameLst>
+                                          <p:attrName>style.visibility</p:attrName>
+                                        </p:attrNameLst>
+                                      </p:cBhvr>
+                                      <p:to>
+                                        <p:strVal val="visible"/>
+                                      </p:to>
+                                    </p:set>
+                                  </p:childTnLst>
+                                </p:cTn>
+                              </p:par>
+                            </p:childTnLst>
+                          </p:cTn>
+                        </p:par>
+                      </p:childTnLst>
+                    </p:cTn>
+                  </p:par>
+                  <p:par>
+                    <p:cTn id="9" fill="hold">
+                      <p:stCondLst>
+                        <p:cond delay="indefinite"/>
+                      </p:stCondLst>
+                      <p:childTnLst>
+                        <p:par>
+                          <p:cTn id="10" fill="hold">
+                            <p:stCondLst>
+                              <p:cond delay="0"/>
+                            </p:stCondLst>
+                            <p:childTnLst>
+                              <p:par>
+                                <p:cTn id="11" presetID="1" presetClass="entr" presetSubtype="0" fill="hold" nodeType="clickEffect">
+                                  <p:stCondLst>
+                                    <p:cond delay="0"/>
+                                  </p:stCondLst>
+                                  <p:childTnLst>
+                                    <p:set>
+                                      <p:cBhvr>
+                                        <p:cTn id="12" dur="1" fill="hold">
+                                          <p:stCondLst>
+                                            <p:cond delay="0"/>
+                                          </p:stCondLst>
+                                        </p:cTn>
+                                        <p:tgtEl>
+                                          <p:spTgt spid="6">
+                                            <p:txEl>
+                                              <p:pRg st="4" end="4"/>
+                                            </p:txEl>
+                                          </p:spTgt>
+                                        </p:tgtEl>
+                                        <p:attrNameLst>
+                                          <p:attrName>style.visibility</p:attrName>
+                                        </p:attrNameLst>
+                                      </p:cBhvr>
+                                      <p:to>
+                                        <p:strVal val="visible"/>
+                                      </p:to>
+                                    </p:set>
+                                  </p:childTnLst>
+                                </p:cTn>
+                              </p:par>
+                              <p:par>
+                                <p:cTn id="13" presetID="1" presetClass="entr" presetSubtype="0" fill="hold" grpId="0" nodeType="withEffect">
+                                  <p:stCondLst>
+                                    <p:cond delay="0"/>
+                                  </p:stCondLst>
+                                  <p:childTnLst>
+                                    <p:set>
+                                      <p:cBhvr>
+                                        <p:cTn id="14" dur="1" fill="hold">
                                           <p:stCondLst>
                                             <p:cond delay="0"/>
                                           </p:stCondLst>
@@ -20609,6 +18545,557 @@
 </p:sld>
 </file>
 
+<file path=ppt/slides/slide25.xml><?xml version="1.0" encoding="utf-8"?>
+<p:sld xmlns:a="http://schemas.openxmlformats.org/drawingml/2006/main" xmlns:r="http://schemas.openxmlformats.org/officeDocument/2006/relationships" xmlns:p="http://schemas.openxmlformats.org/presentationml/2006/main" show="0">
+  <p:cSld>
+    <p:spTree>
+      <p:nvGrpSpPr>
+        <p:cNvPr id="1" name=""/>
+        <p:cNvGrpSpPr/>
+        <p:nvPr/>
+      </p:nvGrpSpPr>
+      <p:grpSpPr>
+        <a:xfrm>
+          <a:off x="0" y="0"/>
+          <a:ext cx="0" cy="0"/>
+          <a:chOff x="0" y="0"/>
+          <a:chExt cx="0" cy="0"/>
+        </a:xfrm>
+      </p:grpSpPr>
+      <p:sp>
+        <p:nvSpPr>
+          <p:cNvPr id="2" name="Slide Body">
+            <a:extLst>
+              <a:ext uri="{FF2B5EF4-FFF2-40B4-BE49-F238E27FC236}">
+                <a16:creationId xmlns:a16="http://schemas.microsoft.com/office/drawing/2014/main" id="{980F49B1-E4BE-4389-A747-7AB9B71AD920}"/>
+              </a:ext>
+            </a:extLst>
+          </p:cNvPr>
+          <p:cNvSpPr>
+            <a:spLocks noGrp="1"/>
+          </p:cNvSpPr>
+          <p:nvPr>
+            <p:ph type="body" sz="quarter" idx="10"/>
+          </p:nvPr>
+        </p:nvSpPr>
+        <p:spPr>
+          <a:xfrm>
+            <a:off x="190352" y="1269564"/>
+            <a:ext cx="11815018" cy="5454469"/>
+          </a:xfrm>
+        </p:spPr>
+        <p:txBody>
+          <a:bodyPr/>
+          <a:lstStyle/>
+          <a:p>
+            <a:pPr>
+              <a:lnSpc>
+                <a:spcPct val="120000"/>
+              </a:lnSpc>
+              <a:spcBef>
+                <a:spcPts val="900"/>
+              </a:spcBef>
+              <a:spcAft>
+                <a:spcPts val="900"/>
+              </a:spcAft>
+            </a:pPr>
+            <a:r>
+              <a:rPr lang="en-US" dirty="0"/>
+              <a:t>This course (presentations, examples, demonstration code, exercises, homework, video and other assets) is </a:t>
+            </a:r>
+            <a:r>
+              <a:rPr lang="en-US" b="1" dirty="0"/>
+              <a:t>copyrighted content </a:t>
+            </a:r>
+            <a:r>
+              <a:rPr lang="en-US" dirty="0"/>
+              <a:t>developed by SoftUni
+Unauthorized copying, distribution or use is illegal
+© SoftUni – </a:t>
+            </a:r>
+            <a:r>
+              <a:rPr lang="en-US" dirty="0">
+                <a:hlinkClick r:id="rId3"/>
+              </a:rPr>
+              <a:t>https://softuni.org</a:t>
+            </a:r>
+            <a:r>
+              <a:rPr lang="en-US" dirty="0"/>
+              <a:t>
+© Software University – </a:t>
+            </a:r>
+            <a:r>
+              <a:rPr lang="en-US" dirty="0">
+                <a:hlinkClick r:id="rId4"/>
+              </a:rPr>
+              <a:t>https://softuni.bg</a:t>
+            </a:r>
+            <a:endParaRPr lang="bg-BG" dirty="0"/>
+          </a:p>
+        </p:txBody>
+      </p:sp>
+      <p:pic>
+        <p:nvPicPr>
+          <p:cNvPr id="6" name="Picture License" descr="License">
+            <a:extLst>
+              <a:ext uri="{FF2B5EF4-FFF2-40B4-BE49-F238E27FC236}">
+                <a16:creationId xmlns:a16="http://schemas.microsoft.com/office/drawing/2014/main" id="{82BA520F-A037-4E01-AA18-27D9F1E930A6}"/>
+              </a:ext>
+            </a:extLst>
+          </p:cNvPr>
+          <p:cNvPicPr>
+            <a:picLocks noChangeAspect="1"/>
+          </p:cNvPicPr>
+          <p:nvPr/>
+        </p:nvPicPr>
+        <p:blipFill>
+          <a:blip r:embed="rId5">
+            <a:clrChange>
+              <a:clrFrom>
+                <a:srgbClr val="FFFFFF"/>
+              </a:clrFrom>
+              <a:clrTo>
+                <a:srgbClr val="FFFFFF">
+                  <a:alpha val="0"/>
+                </a:srgbClr>
+              </a:clrTo>
+            </a:clrChange>
+          </a:blip>
+          <a:stretch>
+            <a:fillRect/>
+          </a:stretch>
+        </p:blipFill>
+        <p:spPr>
+          <a:xfrm>
+            <a:off x="9742485" y="4445191"/>
+            <a:ext cx="1930474" cy="2043013"/>
+          </a:xfrm>
+          <a:prstGeom prst="rect">
+            <a:avLst/>
+          </a:prstGeom>
+        </p:spPr>
+      </p:pic>
+      <p:sp>
+        <p:nvSpPr>
+          <p:cNvPr id="3" name="Slide Title">
+            <a:extLst>
+              <a:ext uri="{FF2B5EF4-FFF2-40B4-BE49-F238E27FC236}">
+                <a16:creationId xmlns:a16="http://schemas.microsoft.com/office/drawing/2014/main" id="{E5F1FB41-80C3-4816-BC47-CCC50632E6E8}"/>
+              </a:ext>
+            </a:extLst>
+          </p:cNvPr>
+          <p:cNvSpPr>
+            <a:spLocks noGrp="1"/>
+          </p:cNvSpPr>
+          <p:nvPr>
+            <p:ph type="title"/>
+          </p:nvPr>
+        </p:nvSpPr>
+        <p:spPr/>
+        <p:txBody>
+          <a:bodyPr/>
+          <a:lstStyle/>
+          <a:p>
+            <a:r>
+              <a:rPr lang="en-US" dirty="0"/>
+              <a:t>License</a:t>
+            </a:r>
+            <a:endParaRPr lang="bg-BG" dirty="0"/>
+          </a:p>
+        </p:txBody>
+      </p:sp>
+      <p:sp>
+        <p:nvSpPr>
+          <p:cNvPr id="7" name="Slide Number">
+            <a:extLst>
+              <a:ext uri="{FF2B5EF4-FFF2-40B4-BE49-F238E27FC236}">
+                <a16:creationId xmlns:a16="http://schemas.microsoft.com/office/drawing/2014/main" id="{C1780DB1-0AF0-4108-AFE1-9DA99F0DBCB8}"/>
+              </a:ext>
+            </a:extLst>
+          </p:cNvPr>
+          <p:cNvSpPr>
+            <a:spLocks noGrp="1"/>
+          </p:cNvSpPr>
+          <p:nvPr>
+            <p:ph type="sldNum" sz="quarter" idx="5"/>
+          </p:nvPr>
+        </p:nvSpPr>
+        <p:spPr>
+          <a:xfrm>
+            <a:off x="11753030" y="6507000"/>
+            <a:ext cx="367414" cy="297000"/>
+          </a:xfrm>
+          <a:prstGeom prst="rect">
+            <a:avLst/>
+          </a:prstGeom>
+        </p:spPr>
+        <p:txBody>
+          <a:bodyPr vert="horz" lIns="91440" tIns="45720" rIns="91440" bIns="45720" rtlCol="0" anchor="b"/>
+          <a:lstStyle>
+            <a:defPPr>
+              <a:defRPr lang="en-US"/>
+            </a:defPPr>
+            <a:lvl1pPr marL="0" algn="r" defTabSz="914400" rtl="0" eaLnBrk="1" latinLnBrk="0" hangingPunct="1">
+              <a:defRPr sz="1000" kern="1200">
+                <a:solidFill>
+                  <a:schemeClr val="tx1"/>
+                </a:solidFill>
+                <a:latin typeface="+mn-lt"/>
+                <a:ea typeface="+mn-ea"/>
+                <a:cs typeface="+mn-cs"/>
+              </a:defRPr>
+            </a:lvl1pPr>
+            <a:lvl2pPr marL="457200" algn="l" defTabSz="914400" rtl="0" eaLnBrk="1" latinLnBrk="0" hangingPunct="1">
+              <a:defRPr sz="1800" kern="1200">
+                <a:solidFill>
+                  <a:schemeClr val="tx1"/>
+                </a:solidFill>
+                <a:latin typeface="+mn-lt"/>
+                <a:ea typeface="+mn-ea"/>
+                <a:cs typeface="+mn-cs"/>
+              </a:defRPr>
+            </a:lvl2pPr>
+            <a:lvl3pPr marL="914400" algn="l" defTabSz="914400" rtl="0" eaLnBrk="1" latinLnBrk="0" hangingPunct="1">
+              <a:defRPr sz="1800" kern="1200">
+                <a:solidFill>
+                  <a:schemeClr val="tx1"/>
+                </a:solidFill>
+                <a:latin typeface="+mn-lt"/>
+                <a:ea typeface="+mn-ea"/>
+                <a:cs typeface="+mn-cs"/>
+              </a:defRPr>
+            </a:lvl3pPr>
+            <a:lvl4pPr marL="1371600" algn="l" defTabSz="914400" rtl="0" eaLnBrk="1" latinLnBrk="0" hangingPunct="1">
+              <a:defRPr sz="1800" kern="1200">
+                <a:solidFill>
+                  <a:schemeClr val="tx1"/>
+                </a:solidFill>
+                <a:latin typeface="+mn-lt"/>
+                <a:ea typeface="+mn-ea"/>
+                <a:cs typeface="+mn-cs"/>
+              </a:defRPr>
+            </a:lvl4pPr>
+            <a:lvl5pPr marL="1828800" algn="l" defTabSz="914400" rtl="0" eaLnBrk="1" latinLnBrk="0" hangingPunct="1">
+              <a:defRPr sz="1800" kern="1200">
+                <a:solidFill>
+                  <a:schemeClr val="tx1"/>
+                </a:solidFill>
+                <a:latin typeface="+mn-lt"/>
+                <a:ea typeface="+mn-ea"/>
+                <a:cs typeface="+mn-cs"/>
+              </a:defRPr>
+            </a:lvl5pPr>
+            <a:lvl6pPr marL="2286000" algn="l" defTabSz="914400" rtl="0" eaLnBrk="1" latinLnBrk="0" hangingPunct="1">
+              <a:defRPr sz="1800" kern="1200">
+                <a:solidFill>
+                  <a:schemeClr val="tx1"/>
+                </a:solidFill>
+                <a:latin typeface="+mn-lt"/>
+                <a:ea typeface="+mn-ea"/>
+                <a:cs typeface="+mn-cs"/>
+              </a:defRPr>
+            </a:lvl6pPr>
+            <a:lvl7pPr marL="2743200" algn="l" defTabSz="914400" rtl="0" eaLnBrk="1" latinLnBrk="0" hangingPunct="1">
+              <a:defRPr sz="1800" kern="1200">
+                <a:solidFill>
+                  <a:schemeClr val="tx1"/>
+                </a:solidFill>
+                <a:latin typeface="+mn-lt"/>
+                <a:ea typeface="+mn-ea"/>
+                <a:cs typeface="+mn-cs"/>
+              </a:defRPr>
+            </a:lvl7pPr>
+            <a:lvl8pPr marL="3200400" algn="l" defTabSz="914400" rtl="0" eaLnBrk="1" latinLnBrk="0" hangingPunct="1">
+              <a:defRPr sz="1800" kern="1200">
+                <a:solidFill>
+                  <a:schemeClr val="tx1"/>
+                </a:solidFill>
+                <a:latin typeface="+mn-lt"/>
+                <a:ea typeface="+mn-ea"/>
+                <a:cs typeface="+mn-cs"/>
+              </a:defRPr>
+            </a:lvl8pPr>
+            <a:lvl9pPr marL="3657600" algn="l" defTabSz="914400" rtl="0" eaLnBrk="1" latinLnBrk="0" hangingPunct="1">
+              <a:defRPr sz="1800" kern="1200">
+                <a:solidFill>
+                  <a:schemeClr val="tx1"/>
+                </a:solidFill>
+                <a:latin typeface="+mn-lt"/>
+                <a:ea typeface="+mn-ea"/>
+                <a:cs typeface="+mn-cs"/>
+              </a:defRPr>
+            </a:lvl9pPr>
+          </a:lstStyle>
+          <a:p>
+            <a:fld id="{2BF067CD-8E6B-4360-9AA8-C5DF2A48A6D1}" type="slidenum">
+              <a:rPr lang="en-US" smtClean="0"/>
+              <a:pPr/>
+              <a:t>25</a:t>
+            </a:fld>
+            <a:endParaRPr lang="en-US" noProof="0" dirty="0"/>
+          </a:p>
+        </p:txBody>
+      </p:sp>
+    </p:spTree>
+    <p:extLst>
+      <p:ext uri="{BB962C8B-B14F-4D97-AF65-F5344CB8AC3E}">
+        <p14:creationId xmlns:p14="http://schemas.microsoft.com/office/powerpoint/2010/main" val="3423785461"/>
+      </p:ext>
+    </p:extLst>
+  </p:cSld>
+  <p:clrMapOvr>
+    <a:masterClrMapping/>
+  </p:clrMapOvr>
+  <mc:AlternateContent xmlns:mc="http://schemas.openxmlformats.org/markup-compatibility/2006" xmlns:p14="http://schemas.microsoft.com/office/powerpoint/2010/main">
+    <mc:Choice Requires="p14">
+      <p:transition spd="slow" p14:dur="2000" advClick="0" advTm="5000"/>
+    </mc:Choice>
+    <mc:Fallback xmlns="">
+      <p:transition spd="slow" advClick="0" advTm="5000"/>
+    </mc:Fallback>
+  </mc:AlternateContent>
+</p:sld>
+</file>
+
+<file path=ppt/slides/slide26.xml><?xml version="1.0" encoding="utf-8"?>
+<p:sld xmlns:a="http://schemas.openxmlformats.org/drawingml/2006/main" xmlns:r="http://schemas.openxmlformats.org/officeDocument/2006/relationships" xmlns:p="http://schemas.openxmlformats.org/presentationml/2006/main" show="0">
+  <p:cSld>
+    <p:spTree>
+      <p:nvGrpSpPr>
+        <p:cNvPr id="1" name=""/>
+        <p:cNvGrpSpPr/>
+        <p:nvPr/>
+      </p:nvGrpSpPr>
+      <p:grpSpPr>
+        <a:xfrm>
+          <a:off x="0" y="0"/>
+          <a:ext cx="0" cy="0"/>
+          <a:chOff x="0" y="0"/>
+          <a:chExt cx="0" cy="0"/>
+        </a:xfrm>
+      </p:grpSpPr>
+      <p:sp>
+        <p:nvSpPr>
+          <p:cNvPr id="7" name="Content Placeholder 6">
+            <a:extLst>
+              <a:ext uri="{FF2B5EF4-FFF2-40B4-BE49-F238E27FC236}">
+                <a16:creationId xmlns:a16="http://schemas.microsoft.com/office/drawing/2014/main" id="{ED27EB2A-A1DD-9E7B-43BD-C8ECCE1230D9}"/>
+              </a:ext>
+            </a:extLst>
+          </p:cNvPr>
+          <p:cNvSpPr>
+            <a:spLocks noGrp="1"/>
+          </p:cNvSpPr>
+          <p:nvPr>
+            <p:ph idx="4294967295"/>
+          </p:nvPr>
+        </p:nvSpPr>
+        <p:spPr/>
+        <p:txBody>
+          <a:bodyPr/>
+          <a:lstStyle/>
+          <a:p>
+            <a:pPr>
+              <a:spcBef>
+                <a:spcPts val="800"/>
+              </a:spcBef>
+              <a:spcAft>
+                <a:spcPts val="800"/>
+              </a:spcAft>
+            </a:pPr>
+            <a:r>
+              <a:rPr lang="en-US" sz="3300" dirty="0"/>
+              <a:t>Private vocational high school of digital sciences "</a:t>
+            </a:r>
+            <a:r>
+              <a:rPr lang="en-US" sz="3300" b="1" dirty="0">
+                <a:solidFill>
+                  <a:schemeClr val="bg1"/>
+                </a:solidFill>
+              </a:rPr>
+              <a:t>SoftUni BUDITEL</a:t>
+            </a:r>
+            <a:r>
+              <a:rPr lang="en-US" sz="3300" dirty="0"/>
+              <a:t>" is part of the </a:t>
+            </a:r>
+            <a:r>
+              <a:rPr lang="en-US" sz="3300" b="1" dirty="0"/>
+              <a:t>SoftUni family</a:t>
+            </a:r>
+          </a:p>
+          <a:p>
+            <a:pPr lvl="1" latinLnBrk="0">
+              <a:spcBef>
+                <a:spcPts val="800"/>
+              </a:spcBef>
+              <a:spcAft>
+                <a:spcPts val="800"/>
+              </a:spcAft>
+            </a:pPr>
+            <a:r>
+              <a:rPr lang="en-US" sz="3100" b="1" dirty="0">
+                <a:solidFill>
+                  <a:schemeClr val="bg1"/>
+                </a:solidFill>
+              </a:rPr>
+              <a:t>SoftUni</a:t>
+            </a:r>
+            <a:r>
+              <a:rPr lang="en-US" sz="3100" dirty="0"/>
+              <a:t> – high-quality education for the digital professions of the future</a:t>
+            </a:r>
+          </a:p>
+          <a:p>
+            <a:pPr lvl="1" latinLnBrk="0">
+              <a:spcBef>
+                <a:spcPts val="800"/>
+              </a:spcBef>
+              <a:spcAft>
+                <a:spcPts val="800"/>
+              </a:spcAft>
+            </a:pPr>
+            <a:r>
+              <a:rPr lang="en-US" sz="3100" b="1" dirty="0">
+                <a:solidFill>
+                  <a:schemeClr val="bg1"/>
+                </a:solidFill>
+              </a:rPr>
+              <a:t>SoftUni University</a:t>
+            </a:r>
+            <a:r>
+              <a:rPr lang="en-US" sz="3100" dirty="0">
+                <a:solidFill>
+                  <a:schemeClr val="bg1"/>
+                </a:solidFill>
+              </a:rPr>
+              <a:t> </a:t>
+            </a:r>
+            <a:r>
+              <a:rPr lang="en-US" sz="3100" dirty="0"/>
+              <a:t>– software engineering academy: zero-to-career trainings for developers</a:t>
+            </a:r>
+          </a:p>
+          <a:p>
+            <a:pPr lvl="1" latinLnBrk="0">
+              <a:spcBef>
+                <a:spcPts val="800"/>
+              </a:spcBef>
+              <a:spcAft>
+                <a:spcPts val="800"/>
+              </a:spcAft>
+            </a:pPr>
+            <a:r>
+              <a:rPr lang="en-US" sz="3100" b="1" dirty="0">
+                <a:solidFill>
+                  <a:schemeClr val="bg1"/>
+                </a:solidFill>
+              </a:rPr>
+              <a:t>SoftUni Creative</a:t>
+            </a:r>
+            <a:r>
+              <a:rPr lang="en-US" sz="3100" dirty="0">
+                <a:solidFill>
+                  <a:schemeClr val="bg1"/>
+                </a:solidFill>
+              </a:rPr>
+              <a:t> </a:t>
+            </a:r>
+            <a:r>
+              <a:rPr lang="en-US" sz="3100" dirty="0"/>
+              <a:t>– academy for design and creative</a:t>
+            </a:r>
+          </a:p>
+          <a:p>
+            <a:pPr lvl="1" latinLnBrk="0">
+              <a:spcBef>
+                <a:spcPts val="800"/>
+              </a:spcBef>
+              <a:spcAft>
+                <a:spcPts val="800"/>
+              </a:spcAft>
+            </a:pPr>
+            <a:r>
+              <a:rPr lang="en-US" sz="3100" b="1" dirty="0">
+                <a:solidFill>
+                  <a:schemeClr val="bg1"/>
+                </a:solidFill>
+              </a:rPr>
+              <a:t>SoftUni Digital</a:t>
+            </a:r>
+            <a:r>
+              <a:rPr lang="en-US" sz="3100" dirty="0">
+                <a:solidFill>
+                  <a:schemeClr val="bg1"/>
+                </a:solidFill>
+              </a:rPr>
+              <a:t> </a:t>
+            </a:r>
+            <a:r>
+              <a:rPr lang="en-US" sz="3100" dirty="0"/>
+              <a:t>– academy for digital marketing and online business</a:t>
+            </a:r>
+          </a:p>
+          <a:p>
+            <a:endParaRPr lang="en-US" dirty="0"/>
+          </a:p>
+        </p:txBody>
+      </p:sp>
+      <p:sp>
+        <p:nvSpPr>
+          <p:cNvPr id="3" name="Title 2">
+            <a:extLst>
+              <a:ext uri="{FF2B5EF4-FFF2-40B4-BE49-F238E27FC236}">
+                <a16:creationId xmlns:a16="http://schemas.microsoft.com/office/drawing/2014/main" id="{5F486328-7D6B-7AEB-876D-AE556A402061}"/>
+              </a:ext>
+            </a:extLst>
+          </p:cNvPr>
+          <p:cNvSpPr>
+            <a:spLocks noGrp="1"/>
+          </p:cNvSpPr>
+          <p:nvPr>
+            <p:ph type="title"/>
+          </p:nvPr>
+        </p:nvSpPr>
+        <p:spPr>
+          <a:xfrm>
+            <a:off x="172241" y="108873"/>
+            <a:ext cx="9882611" cy="882654"/>
+          </a:xfrm>
+        </p:spPr>
+        <p:txBody>
+          <a:bodyPr/>
+          <a:lstStyle/>
+          <a:p>
+            <a:r>
+              <a:rPr lang="en-US"/>
+              <a:t>About SoftUni and SoftUni BUDITEL</a:t>
+            </a:r>
+            <a:endParaRPr lang="en-US" dirty="0"/>
+          </a:p>
+        </p:txBody>
+      </p:sp>
+    </p:spTree>
+    <p:extLst>
+      <p:ext uri="{BB962C8B-B14F-4D97-AF65-F5344CB8AC3E}">
+        <p14:creationId xmlns:p14="http://schemas.microsoft.com/office/powerpoint/2010/main" val="3743039837"/>
+      </p:ext>
+    </p:extLst>
+  </p:cSld>
+  <p:clrMapOvr>
+    <a:masterClrMapping/>
+  </p:clrMapOvr>
+  <mc:AlternateContent xmlns:mc="http://schemas.openxmlformats.org/markup-compatibility/2006" xmlns:p14="http://schemas.microsoft.com/office/powerpoint/2010/main">
+    <mc:Choice Requires="p14">
+      <p:transition spd="slow" p14:dur="2000" advClick="0" advTm="5000"/>
+    </mc:Choice>
+    <mc:Fallback xmlns="">
+      <p:transition spd="slow" advClick="0" advTm="5000"/>
+    </mc:Fallback>
+  </mc:AlternateContent>
+</p:sld>
+</file>
+
 <file path=ppt/slides/slide3.xml><?xml version="1.0" encoding="utf-8"?>
 <p:sld xmlns:a="http://schemas.openxmlformats.org/drawingml/2006/main" xmlns:r="http://schemas.openxmlformats.org/officeDocument/2006/relationships" xmlns:p="http://schemas.openxmlformats.org/presentationml/2006/main">
   <p:cSld>
@@ -20639,18 +19126,13 @@
             <a:spLocks noGrp="1"/>
           </p:cNvSpPr>
           <p:nvPr>
-            <p:ph type="subTitle" idx="1"/>
+            <p:ph type="body" sz="quarter" idx="11"/>
           </p:nvPr>
         </p:nvSpPr>
-        <p:spPr>
-          <a:xfrm>
-            <a:off x="405779" y="5704062"/>
-            <a:ext cx="11377266" cy="749274"/>
-          </a:xfrm>
-        </p:spPr>
+        <p:spPr/>
         <p:txBody>
           <a:bodyPr>
-            <a:normAutofit lnSpcReduction="10000"/>
+            <a:normAutofit/>
           </a:bodyPr>
           <a:lstStyle/>
           <a:p>
@@ -20678,12 +19160,7 @@
             <p:ph type="title"/>
           </p:nvPr>
         </p:nvSpPr>
-        <p:spPr>
-          <a:xfrm>
-            <a:off x="415283" y="4725144"/>
-            <a:ext cx="11377266" cy="864096"/>
-          </a:xfrm>
-        </p:spPr>
+        <p:spPr/>
         <p:txBody>
           <a:bodyPr>
             <a:normAutofit fontScale="90000"/>
@@ -20700,40 +19177,57 @@
       </p:sp>
       <p:pic>
         <p:nvPicPr>
-          <p:cNvPr id="5" name="Picture 4">
+          <p:cNvPr id="1026" name="Picture 2" descr="What is a Value Proposition">
             <a:extLst>
               <a:ext uri="{FF2B5EF4-FFF2-40B4-BE49-F238E27FC236}">
-                <a16:creationId xmlns:a16="http://schemas.microsoft.com/office/drawing/2014/main" id="{64082E5A-BD80-3CD0-4616-5C184B76F762}"/>
+                <a16:creationId xmlns:a16="http://schemas.microsoft.com/office/drawing/2014/main" id="{663B182C-0B14-21E8-11A9-B9F3BBD99FEF}"/>
               </a:ext>
             </a:extLst>
           </p:cNvPr>
           <p:cNvPicPr>
-            <a:picLocks noChangeAspect="1"/>
+            <a:picLocks noChangeAspect="1" noChangeArrowheads="1"/>
           </p:cNvPicPr>
           <p:nvPr/>
         </p:nvPicPr>
         <p:blipFill>
-          <a:blip r:embed="rId3"/>
+          <a:blip r:embed="rId3">
+            <a:extLst>
+              <a:ext uri="{28A0092B-C50C-407E-A947-70E740481C1C}">
+                <a14:useLocalDpi xmlns:a14="http://schemas.microsoft.com/office/drawing/2010/main" val="0"/>
+              </a:ext>
+            </a:extLst>
+          </a:blip>
+          <a:srcRect/>
           <a:stretch>
             <a:fillRect/>
           </a:stretch>
         </p:blipFill>
-        <p:spPr>
+        <p:spPr bwMode="auto">
           <a:xfrm>
-            <a:off x="5013664" y="1129261"/>
-            <a:ext cx="2161496" cy="2970672"/>
+            <a:off x="5014292" y="1615306"/>
+            <a:ext cx="2146882" cy="2146882"/>
           </a:xfrm>
           <a:prstGeom prst="rect">
             <a:avLst/>
           </a:prstGeom>
+          <a:noFill/>
           <a:effectLst>
-            <a:glow rad="63500">
+            <a:glow rad="139700">
               <a:schemeClr val="accent5">
                 <a:satMod val="175000"/>
                 <a:alpha val="40000"/>
               </a:schemeClr>
             </a:glow>
           </a:effectLst>
+          <a:extLst>
+            <a:ext uri="{909E8E84-426E-40DD-AFC4-6F175D3DCCD1}">
+              <a14:hiddenFill xmlns:a14="http://schemas.microsoft.com/office/drawing/2010/main">
+                <a:solidFill>
+                  <a:srgbClr val="FFFFFF"/>
+                </a:solidFill>
+              </a14:hiddenFill>
+            </a:ext>
+          </a:extLst>
         </p:spPr>
       </p:pic>
     </p:spTree>
@@ -20741,6 +19235,14 @@
   <p:clrMapOvr>
     <a:masterClrMapping/>
   </p:clrMapOvr>
+  <mc:AlternateContent xmlns:mc="http://schemas.openxmlformats.org/markup-compatibility/2006" xmlns:p14="http://schemas.microsoft.com/office/powerpoint/2010/main">
+    <mc:Choice Requires="p14">
+      <p:transition spd="slow" p14:dur="2000" advClick="0" advTm="5000"/>
+    </mc:Choice>
+    <mc:Fallback xmlns="">
+      <p:transition spd="slow" advClick="0" advTm="5000"/>
+    </mc:Fallback>
+  </mc:AlternateContent>
 </p:sld>
 </file>
 
@@ -20804,13 +19306,13 @@
             <a:spLocks noGrp="1"/>
           </p:cNvSpPr>
           <p:nvPr>
-            <p:ph type="body" idx="1"/>
+            <p:ph type="body" sz="quarter" idx="10"/>
           </p:nvPr>
         </p:nvSpPr>
         <p:spPr>
           <a:xfrm>
-            <a:off x="216001" y="1152000"/>
-            <a:ext cx="7030540" cy="5562000"/>
+            <a:off x="180000" y="1116001"/>
+            <a:ext cx="7354572" cy="5594912"/>
           </a:xfrm>
         </p:spPr>
         <p:txBody>
@@ -20979,6 +19481,14 @@
   <p:clrMapOvr>
     <a:masterClrMapping/>
   </p:clrMapOvr>
+  <mc:AlternateContent xmlns:mc="http://schemas.openxmlformats.org/markup-compatibility/2006" xmlns:p14="http://schemas.microsoft.com/office/powerpoint/2010/main">
+    <mc:Choice Requires="p14">
+      <p:transition spd="slow" p14:dur="2000" advClick="0" advTm="5000"/>
+    </mc:Choice>
+    <mc:Fallback xmlns="">
+      <p:transition spd="slow" advClick="0" advTm="5000"/>
+    </mc:Fallback>
+  </mc:AlternateContent>
   <p:timing>
     <p:tnLst>
       <p:par>
@@ -21189,10 +19699,15 @@
             <a:spLocks noGrp="1"/>
           </p:cNvSpPr>
           <p:nvPr>
-            <p:ph type="sldNum" sz="quarter" idx="5"/>
+            <p:ph type="sldNum" sz="quarter" idx="4"/>
           </p:nvPr>
         </p:nvSpPr>
-        <p:spPr/>
+        <p:spPr>
+          <a:xfrm>
+            <a:off x="11749969" y="6444000"/>
+            <a:ext cx="367318" cy="297000"/>
+          </a:xfrm>
+        </p:spPr>
         <p:txBody>
           <a:bodyPr/>
           <a:lstStyle/>
@@ -21206,6 +19721,34 @@
           </a:p>
         </p:txBody>
       </p:sp>
+      <p:pic>
+        <p:nvPicPr>
+          <p:cNvPr id="12" name="Picture Placeholder 11">
+            <a:extLst>
+              <a:ext uri="{FF2B5EF4-FFF2-40B4-BE49-F238E27FC236}">
+                <a16:creationId xmlns:a16="http://schemas.microsoft.com/office/drawing/2014/main" id="{91869109-E2A4-50BC-CC9B-FC05F701F3F0}"/>
+              </a:ext>
+            </a:extLst>
+          </p:cNvPr>
+          <p:cNvPicPr>
+            <a:picLocks noGrp="1" noChangeAspect="1"/>
+          </p:cNvPicPr>
+          <p:nvPr>
+            <p:ph type="pic" idx="1"/>
+          </p:nvPr>
+        </p:nvPicPr>
+        <p:blipFill>
+          <a:blip r:embed="rId2"/>
+          <a:srcRect t="6368" b="6368"/>
+          <a:stretch/>
+        </p:blipFill>
+        <p:spPr>
+          <a:xfrm>
+            <a:off x="304298" y="1116000"/>
+            <a:ext cx="3774954" cy="5409344"/>
+          </a:xfrm>
+        </p:spPr>
+      </p:pic>
       <p:sp>
         <p:nvSpPr>
           <p:cNvPr id="7" name="Text Placeholder 6">
@@ -21219,28 +19762,39 @@
             <a:spLocks noGrp="1"/>
           </p:cNvSpPr>
           <p:nvPr>
-            <p:ph type="body" idx="10"/>
+            <p:ph type="body" sz="quarter" idx="13"/>
           </p:nvPr>
         </p:nvSpPr>
-        <p:spPr/>
+        <p:spPr>
+          <a:xfrm>
+            <a:off x="4385650" y="1116000"/>
+            <a:ext cx="7582779" cy="5409344"/>
+          </a:xfrm>
+        </p:spPr>
         <p:txBody>
-          <a:bodyPr/>
+          <a:bodyPr>
+            <a:normAutofit/>
+          </a:bodyPr>
           <a:lstStyle/>
           <a:p>
             <a:r>
+              <a:rPr lang="en-US" dirty="0"/>
+              <a:t>Example: </a:t>
+            </a:r>
+            <a:r>
               <a:rPr lang="en-US" b="1" dirty="0"/>
-              <a:t>Example: </a:t>
+              <a:t>Fruit and vegetables shop</a:t>
+            </a:r>
+          </a:p>
+          <a:p>
+            <a:pPr lvl="1"/>
+            <a:r>
+              <a:rPr lang="en-US" b="1" dirty="0"/>
+              <a:t>Problem</a:t>
             </a:r>
             <a:r>
               <a:rPr lang="en-US" dirty="0"/>
-              <a:t>Fruit and vegetables shop</a:t>
-            </a:r>
-          </a:p>
-          <a:p>
-            <a:pPr lvl="1"/>
-            <a:r>
-              <a:rPr lang="en-US" b="1" dirty="0"/>
-              <a:t>Problem:</a:t>
+              <a:t>:</a:t>
             </a:r>
           </a:p>
           <a:p>
@@ -21254,7 +19808,11 @@
             <a:pPr lvl="1"/>
             <a:r>
               <a:rPr lang="en-US" b="1" dirty="0"/>
-              <a:t>Solution: </a:t>
+              <a:t>Solution</a:t>
+            </a:r>
+            <a:r>
+              <a:rPr lang="en-US" dirty="0"/>
+              <a:t>: </a:t>
             </a:r>
           </a:p>
           <a:p>
@@ -21289,7 +19847,12 @@
             <p:ph type="title"/>
           </p:nvPr>
         </p:nvSpPr>
-        <p:spPr/>
+        <p:spPr>
+          <a:xfrm>
+            <a:off x="180000" y="144000"/>
+            <a:ext cx="9874852" cy="882654"/>
+          </a:xfrm>
+        </p:spPr>
         <p:txBody>
           <a:bodyPr/>
           <a:lstStyle/>
@@ -21301,29 +19864,6 @@
           </a:p>
         </p:txBody>
       </p:sp>
-      <p:pic>
-        <p:nvPicPr>
-          <p:cNvPr id="12" name="Picture Placeholder 11">
-            <a:extLst>
-              <a:ext uri="{FF2B5EF4-FFF2-40B4-BE49-F238E27FC236}">
-                <a16:creationId xmlns:a16="http://schemas.microsoft.com/office/drawing/2014/main" id="{91869109-E2A4-50BC-CC9B-FC05F701F3F0}"/>
-              </a:ext>
-            </a:extLst>
-          </p:cNvPr>
-          <p:cNvPicPr>
-            <a:picLocks noGrp="1" noChangeAspect="1"/>
-          </p:cNvPicPr>
-          <p:nvPr>
-            <p:ph type="pic" sz="quarter" idx="11"/>
-          </p:nvPr>
-        </p:nvPicPr>
-        <p:blipFill>
-          <a:blip r:embed="rId2"/>
-          <a:srcRect l="50" r="50"/>
-          <a:stretch/>
-        </p:blipFill>
-        <p:spPr/>
-      </p:pic>
     </p:spTree>
     <p:extLst>
       <p:ext uri="{BB962C8B-B14F-4D97-AF65-F5344CB8AC3E}">
@@ -21334,6 +19874,14 @@
   <p:clrMapOvr>
     <a:masterClrMapping/>
   </p:clrMapOvr>
+  <mc:AlternateContent xmlns:mc="http://schemas.openxmlformats.org/markup-compatibility/2006" xmlns:p14="http://schemas.microsoft.com/office/powerpoint/2010/main">
+    <mc:Choice Requires="p14">
+      <p:transition spd="slow" p14:dur="2000" advClick="0" advTm="5000"/>
+    </mc:Choice>
+    <mc:Fallback xmlns="">
+      <p:transition spd="slow" advClick="0" advTm="5000"/>
+    </mc:Fallback>
+  </mc:AlternateContent>
   <p:timing>
     <p:tnLst>
       <p:par>
@@ -21385,33 +19933,15 @@
                                   </p:childTnLst>
                                 </p:cTn>
                               </p:par>
-                            </p:childTnLst>
-                          </p:cTn>
-                        </p:par>
-                      </p:childTnLst>
-                    </p:cTn>
-                  </p:par>
-                  <p:par>
-                    <p:cTn id="7" fill="hold">
-                      <p:stCondLst>
-                        <p:cond delay="indefinite"/>
-                      </p:stCondLst>
-                      <p:childTnLst>
-                        <p:par>
-                          <p:cTn id="8" fill="hold">
-                            <p:stCondLst>
-                              <p:cond delay="0"/>
-                            </p:stCondLst>
-                            <p:childTnLst>
                               <p:par>
-                                <p:cTn id="9" presetID="1" presetClass="entr" presetSubtype="0" fill="hold" nodeType="clickEffect">
+                                <p:cTn id="7" presetID="1" presetClass="entr" presetSubtype="0" fill="hold" nodeType="withEffect">
                                   <p:stCondLst>
                                     <p:cond delay="0"/>
                                   </p:stCondLst>
                                   <p:childTnLst>
                                     <p:set>
                                       <p:cBhvr>
-                                        <p:cTn id="10" dur="1" fill="hold">
+                                        <p:cTn id="8" dur="1" fill="hold">
                                           <p:stCondLst>
                                             <p:cond delay="0"/>
                                           </p:stCondLst>
@@ -21441,26 +19971,26 @@
                     </p:cTn>
                   </p:par>
                   <p:par>
-                    <p:cTn id="11" fill="hold">
+                    <p:cTn id="9" fill="hold">
                       <p:stCondLst>
                         <p:cond delay="indefinite"/>
                       </p:stCondLst>
                       <p:childTnLst>
                         <p:par>
-                          <p:cTn id="12" fill="hold">
+                          <p:cTn id="10" fill="hold">
                             <p:stCondLst>
                               <p:cond delay="0"/>
                             </p:stCondLst>
                             <p:childTnLst>
                               <p:par>
-                                <p:cTn id="13" presetID="1" presetClass="entr" presetSubtype="0" fill="hold" nodeType="clickEffect">
+                                <p:cTn id="11" presetID="1" presetClass="entr" presetSubtype="0" fill="hold" nodeType="clickEffect">
                                   <p:stCondLst>
                                     <p:cond delay="0"/>
                                   </p:stCondLst>
                                   <p:childTnLst>
                                     <p:set>
                                       <p:cBhvr>
-                                        <p:cTn id="14" dur="1" fill="hold">
+                                        <p:cTn id="12" dur="1" fill="hold">
                                           <p:stCondLst>
                                             <p:cond delay="0"/>
                                           </p:stCondLst>
@@ -21484,14 +20014,14 @@
                                 </p:cTn>
                               </p:par>
                               <p:par>
-                                <p:cTn id="15" presetID="1" presetClass="entr" presetSubtype="0" fill="hold" nodeType="withEffect">
+                                <p:cTn id="13" presetID="1" presetClass="entr" presetSubtype="0" fill="hold" nodeType="withEffect">
                                   <p:stCondLst>
                                     <p:cond delay="0"/>
                                   </p:stCondLst>
                                   <p:childTnLst>
                                     <p:set>
                                       <p:cBhvr>
-                                        <p:cTn id="16" dur="1" fill="hold">
+                                        <p:cTn id="14" dur="1" fill="hold">
                                           <p:stCondLst>
                                             <p:cond delay="0"/>
                                           </p:stCondLst>
@@ -21515,14 +20045,14 @@
                                 </p:cTn>
                               </p:par>
                               <p:par>
-                                <p:cTn id="17" presetID="1" presetClass="entr" presetSubtype="0" fill="hold" nodeType="withEffect">
+                                <p:cTn id="15" presetID="1" presetClass="entr" presetSubtype="0" fill="hold" nodeType="withEffect">
                                   <p:stCondLst>
                                     <p:cond delay="0"/>
                                   </p:stCondLst>
                                   <p:childTnLst>
                                     <p:set>
                                       <p:cBhvr>
-                                        <p:cTn id="18" dur="1" fill="hold">
+                                        <p:cTn id="16" dur="1" fill="hold">
                                           <p:stCondLst>
                                             <p:cond delay="0"/>
                                           </p:stCondLst>
@@ -21609,12 +20139,7 @@
             <p:ph type="subTitle" sz="quarter" idx="11"/>
           </p:nvPr>
         </p:nvSpPr>
-        <p:spPr>
-          <a:xfrm>
-            <a:off x="4832547" y="2948948"/>
-            <a:ext cx="6878490" cy="768084"/>
-          </a:xfrm>
-        </p:spPr>
+        <p:spPr/>
         <p:txBody>
           <a:bodyPr/>
           <a:lstStyle/>
@@ -21642,12 +20167,7 @@
             <p:ph type="title" sz="quarter" idx="10"/>
           </p:nvPr>
         </p:nvSpPr>
-        <p:spPr>
-          <a:xfrm>
-            <a:off x="4832547" y="1995295"/>
-            <a:ext cx="6878490" cy="900250"/>
-          </a:xfrm>
-        </p:spPr>
+        <p:spPr/>
         <p:txBody>
           <a:bodyPr>
             <a:normAutofit/>
@@ -21683,14 +20203,14 @@
         </p:blipFill>
         <p:spPr>
           <a:xfrm>
-            <a:off x="1403844" y="1660997"/>
+            <a:off x="1413892" y="1628800"/>
             <a:ext cx="2394307" cy="2394307"/>
           </a:xfrm>
           <a:prstGeom prst="rect">
             <a:avLst/>
           </a:prstGeom>
           <a:effectLst>
-            <a:glow rad="63500">
+            <a:glow rad="139700">
               <a:schemeClr val="accent5">
                 <a:satMod val="175000"/>
                 <a:alpha val="40000"/>
@@ -21780,18 +20300,13 @@
             <a:spLocks noGrp="1"/>
           </p:cNvSpPr>
           <p:nvPr>
-            <p:ph type="body" idx="10"/>
+            <p:ph type="body" sz="quarter" idx="10"/>
           </p:nvPr>
         </p:nvSpPr>
-        <p:spPr>
-          <a:xfrm>
-            <a:off x="1917948" y="1152000"/>
-            <a:ext cx="10123747" cy="5562000"/>
-          </a:xfrm>
-        </p:spPr>
+        <p:spPr/>
         <p:txBody>
           <a:bodyPr>
-            <a:normAutofit lnSpcReduction="10000"/>
+            <a:normAutofit/>
           </a:bodyPr>
           <a:lstStyle/>
           <a:p>
@@ -21926,7 +20441,7 @@
         </p:blipFill>
         <p:spPr>
           <a:xfrm>
-            <a:off x="9982844" y="3284984"/>
+            <a:off x="9884378" y="3429000"/>
             <a:ext cx="1872208" cy="1817810"/>
           </a:xfrm>
           <a:prstGeom prst="rect">
@@ -21944,6 +20459,14 @@
   <p:clrMapOvr>
     <a:masterClrMapping/>
   </p:clrMapOvr>
+  <mc:AlternateContent xmlns:mc="http://schemas.openxmlformats.org/markup-compatibility/2006" xmlns:p14="http://schemas.microsoft.com/office/powerpoint/2010/main">
+    <mc:Choice Requires="p14">
+      <p:transition spd="slow" p14:dur="2000" advClick="0" advTm="5000"/>
+    </mc:Choice>
+    <mc:Fallback xmlns="">
+      <p:transition spd="slow" advClick="0" advTm="5000"/>
+    </mc:Fallback>
+  </mc:AlternateContent>
   <p:timing>
     <p:tnLst>
       <p:par>
@@ -22306,8 +20829,8 @@
         </p:nvSpPr>
         <p:spPr>
           <a:xfrm>
-            <a:off x="1172210" y="1116000"/>
-            <a:ext cx="7488833" cy="5628856"/>
+            <a:off x="1053852" y="1116000"/>
+            <a:ext cx="8110062" cy="5628856"/>
           </a:xfrm>
         </p:spPr>
         <p:txBody>
@@ -22400,8 +20923,8 @@
           </p:cNvPicPr>
           <p:nvPr/>
         </p:nvPicPr>
-        <p:blipFill rotWithShape="1">
-          <a:blip r:embed="rId2" cstate="print">
+        <p:blipFill>
+          <a:blip r:embed="rId2">
             <a:clrChange>
               <a:clrFrom>
                 <a:srgbClr val="FFFFFF"/>
@@ -22423,8 +20946,8 @@
         </p:blipFill>
         <p:spPr>
           <a:xfrm>
-            <a:off x="7652930" y="1196752"/>
-            <a:ext cx="4346138" cy="4248472"/>
+            <a:off x="7592288" y="1304764"/>
+            <a:ext cx="4342759" cy="4248472"/>
           </a:xfrm>
           <a:prstGeom prst="rect">
             <a:avLst/>
@@ -22693,12 +21216,11 @@
             <a:avLst/>
           </a:prstGeom>
           <a:effectLst>
-            <a:glow rad="63500">
-              <a:schemeClr val="accent5">
-                <a:satMod val="175000"/>
+            <a:outerShdw blurRad="63500" sx="102000" sy="102000" algn="ctr" rotWithShape="0">
+              <a:prstClr val="black">
                 <a:alpha val="40000"/>
-              </a:schemeClr>
-            </a:glow>
+              </a:prstClr>
+            </a:outerShdw>
           </a:effectLst>
         </p:spPr>
       </p:pic>
@@ -22783,7 +21305,7 @@
 <file path=ppt/theme/theme1.xml><?xml version="1.0" encoding="utf-8"?>
 <a:theme xmlns:a="http://schemas.openxmlformats.org/drawingml/2006/main" name="SoftUni">
   <a:themeElements>
-    <a:clrScheme name="Custom 11">
+    <a:clrScheme name="Custom 14">
       <a:dk1>
         <a:srgbClr val="00265F"/>
       </a:dk1>
@@ -22806,7 +21328,7 @@
         <a:srgbClr val="96E849"/>
       </a:accent3>
       <a:accent4>
-        <a:srgbClr val="FFAB40"/>
+        <a:srgbClr val="FF9911"/>
       </a:accent4>
       <a:accent5>
         <a:srgbClr val="0097A7"/>
